--- a/Daily/sprint8/Sprint8_Review.pptx
+++ b/Daily/sprint8/Sprint8_Review.pptx
@@ -5,7 +5,7 @@
     <p:sldMasterId id="2147483648" r:id="rId1"/>
   </p:sldMasterIdLst>
   <p:notesMasterIdLst>
-    <p:notesMasterId r:id="rId9"/>
+    <p:notesMasterId r:id="rId10"/>
   </p:notesMasterIdLst>
   <p:sldIdLst>
     <p:sldId id="256" r:id="rId2"/>
@@ -14,7 +14,8 @@
     <p:sldId id="271" r:id="rId5"/>
     <p:sldId id="272" r:id="rId6"/>
     <p:sldId id="261" r:id="rId7"/>
-    <p:sldId id="262" r:id="rId8"/>
+    <p:sldId id="273" r:id="rId8"/>
+    <p:sldId id="262" r:id="rId9"/>
   </p:sldIdLst>
   <p:sldSz cx="12192000" cy="6858000"/>
   <p:notesSz cx="6858000" cy="9144000"/>
@@ -847,7 +848,7 @@
           <a:p>
             <a:fld id="{9CDC8AA7-8D38-46C0-86D3-87BDB8133F92}" type="datetimeFigureOut">
               <a:rPr lang="de-DE" smtClean="0"/>
-              <a:t>28.05.2020</a:t>
+              <a:t>03.06.2020</a:t>
             </a:fld>
             <a:endParaRPr lang="de-DE"/>
           </a:p>
@@ -1398,13 +1399,8 @@
             </a:r>
             <a:r>
               <a:rPr lang="en-US" dirty="0" smtClean="0"/>
-              <a:t>) </a:t>
-            </a:r>
-            <a:r>
-              <a:rPr lang="en-US" dirty="0" smtClean="0"/>
-              <a:t>=&gt; score !!</a:t>
-            </a:r>
-            <a:endParaRPr lang="en-US" dirty="0" smtClean="0"/>
+              <a:t>) =&gt; score !!</a:t>
+            </a:r>
           </a:p>
           <a:p>
             <a:r>
@@ -1433,22 +1429,17 @@
               <a:rPr lang="en-US" dirty="0" smtClean="0"/>
               <a:t>) :  </a:t>
             </a:r>
+          </a:p>
+          <a:p>
             <a:endParaRPr lang="en-US" dirty="0" smtClean="0"/>
           </a:p>
           <a:p>
             <a:endParaRPr lang="en-US" dirty="0" smtClean="0"/>
           </a:p>
           <a:p>
-            <a:endParaRPr lang="en-US" dirty="0" smtClean="0"/>
-          </a:p>
-          <a:p>
             <a:r>
               <a:rPr lang="en-US" dirty="0" smtClean="0"/>
-              <a:t>Difference </a:t>
-            </a:r>
-            <a:r>
-              <a:rPr lang="en-US" dirty="0" smtClean="0"/>
-              <a:t>between them! Are they independent or not (goals</a:t>
+              <a:t>Difference between them! Are they independent or not (goals</a:t>
             </a:r>
             <a:r>
               <a:rPr lang="en-US" baseline="0" dirty="0" smtClean="0"/>
@@ -1600,6 +1591,108 @@
 </p:notes>
 </file>
 
+<file path=ppt/notesSlides/notesSlide5.xml><?xml version="1.0" encoding="utf-8"?>
+<p:notes xmlns:a="http://schemas.openxmlformats.org/drawingml/2006/main" xmlns:r="http://schemas.openxmlformats.org/officeDocument/2006/relationships" xmlns:p="http://schemas.openxmlformats.org/presentationml/2006/main">
+  <p:cSld>
+    <p:spTree>
+      <p:nvGrpSpPr>
+        <p:cNvPr id="1" name=""/>
+        <p:cNvGrpSpPr/>
+        <p:nvPr/>
+      </p:nvGrpSpPr>
+      <p:grpSpPr>
+        <a:xfrm>
+          <a:off x="0" y="0"/>
+          <a:ext cx="0" cy="0"/>
+          <a:chOff x="0" y="0"/>
+          <a:chExt cx="0" cy="0"/>
+        </a:xfrm>
+      </p:grpSpPr>
+      <p:sp>
+        <p:nvSpPr>
+          <p:cNvPr id="2" name="Espace réservé de l'image des diapositives 1"/>
+          <p:cNvSpPr>
+            <a:spLocks noGrp="1" noRot="1" noChangeAspect="1"/>
+          </p:cNvSpPr>
+          <p:nvPr>
+            <p:ph type="sldImg"/>
+          </p:nvPr>
+        </p:nvSpPr>
+        <p:spPr/>
+      </p:sp>
+      <p:sp>
+        <p:nvSpPr>
+          <p:cNvPr id="3" name="Espace réservé des commentaires 2"/>
+          <p:cNvSpPr>
+            <a:spLocks noGrp="1"/>
+          </p:cNvSpPr>
+          <p:nvPr>
+            <p:ph type="body" idx="1"/>
+          </p:nvPr>
+        </p:nvSpPr>
+        <p:spPr/>
+        <p:txBody>
+          <a:bodyPr/>
+          <a:lstStyle/>
+          <a:p>
+            <a:r>
+              <a:rPr lang="en-US" dirty="0" smtClean="0"/>
+              <a:t>R^2 (coefficient of determination) regression score function.</a:t>
+            </a:r>
+          </a:p>
+          <a:p>
+            <a:r>
+              <a:rPr lang="en-US" dirty="0" smtClean="0"/>
+              <a:t>Best possible score is 1.0 and it can be negative (because the model can be arbitrarily worse). A constant model that always predicts the expected value of y, disregarding the input features, would get a R^2 score of 0.0.</a:t>
+            </a:r>
+          </a:p>
+          <a:p>
+            <a:r>
+              <a:rPr lang="en-US" dirty="0" smtClean="0"/>
+              <a:t>https://scikit-learn.org/stable/modules/generated/sklearn.metrics.r2_score.html#sklearn.metrics.r2_score</a:t>
+            </a:r>
+          </a:p>
+          <a:p>
+            <a:endParaRPr lang="en-US" dirty="0"/>
+          </a:p>
+        </p:txBody>
+      </p:sp>
+      <p:sp>
+        <p:nvSpPr>
+          <p:cNvPr id="4" name="Espace réservé du numéro de diapositive 3"/>
+          <p:cNvSpPr>
+            <a:spLocks noGrp="1"/>
+          </p:cNvSpPr>
+          <p:nvPr>
+            <p:ph type="sldNum" sz="quarter" idx="10"/>
+          </p:nvPr>
+        </p:nvSpPr>
+        <p:spPr/>
+        <p:txBody>
+          <a:bodyPr/>
+          <a:lstStyle/>
+          <a:p>
+            <a:fld id="{10D08ABD-147D-43D8-AD0E-C56070E2C69D}" type="slidenum">
+              <a:rPr lang="de-DE" smtClean="0"/>
+              <a:t>7</a:t>
+            </a:fld>
+            <a:endParaRPr lang="de-DE"/>
+          </a:p>
+        </p:txBody>
+      </p:sp>
+    </p:spTree>
+    <p:extLst>
+      <p:ext uri="{BB962C8B-B14F-4D97-AF65-F5344CB8AC3E}">
+        <p14:creationId xmlns:p14="http://schemas.microsoft.com/office/powerpoint/2010/main" val="1832176729"/>
+      </p:ext>
+    </p:extLst>
+  </p:cSld>
+  <p:clrMapOvr>
+    <a:masterClrMapping/>
+  </p:clrMapOvr>
+</p:notes>
+</file>
+
 <file path=ppt/slideLayouts/slideLayout1.xml><?xml version="1.0" encoding="utf-8"?>
 <p:sldLayout xmlns:a="http://schemas.openxmlformats.org/drawingml/2006/main" xmlns:r="http://schemas.openxmlformats.org/officeDocument/2006/relationships" xmlns:p="http://schemas.openxmlformats.org/presentationml/2006/main" type="title" preserve="1">
   <p:cSld name="Titelfolie">
@@ -1622,7 +1715,7 @@
           <p:cNvPr id="2" name="Titel 1">
             <a:extLst>
               <a:ext uri="{FF2B5EF4-FFF2-40B4-BE49-F238E27FC236}">
-                <a16:creationId xmlns="" xmlns:a16="http://schemas.microsoft.com/office/drawing/2014/main" id="{701EABE2-81DB-4A57-87BD-BAC9B81DA953}"/>
+                <a16:creationId xmlns:a16="http://schemas.microsoft.com/office/drawing/2014/main" xmlns="" id="{701EABE2-81DB-4A57-87BD-BAC9B81DA953}"/>
               </a:ext>
             </a:extLst>
           </p:cNvPr>
@@ -1659,7 +1752,7 @@
           <p:cNvPr id="3" name="Untertitel 2">
             <a:extLst>
               <a:ext uri="{FF2B5EF4-FFF2-40B4-BE49-F238E27FC236}">
-                <a16:creationId xmlns="" xmlns:a16="http://schemas.microsoft.com/office/drawing/2014/main" id="{9E44B19B-9953-4462-B98C-34C559DFD4BA}"/>
+                <a16:creationId xmlns:a16="http://schemas.microsoft.com/office/drawing/2014/main" xmlns="" id="{9E44B19B-9953-4462-B98C-34C559DFD4BA}"/>
               </a:ext>
             </a:extLst>
           </p:cNvPr>
@@ -1729,7 +1822,7 @@
           <p:cNvPr id="4" name="Datumsplatzhalter 3">
             <a:extLst>
               <a:ext uri="{FF2B5EF4-FFF2-40B4-BE49-F238E27FC236}">
-                <a16:creationId xmlns="" xmlns:a16="http://schemas.microsoft.com/office/drawing/2014/main" id="{85282A0B-87AA-4F5C-9252-AB7E74ABF29B}"/>
+                <a16:creationId xmlns:a16="http://schemas.microsoft.com/office/drawing/2014/main" xmlns="" id="{85282A0B-87AA-4F5C-9252-AB7E74ABF29B}"/>
               </a:ext>
             </a:extLst>
           </p:cNvPr>
@@ -1747,7 +1840,7 @@
           <a:p>
             <a:fld id="{A0154FCB-26A0-42BF-A80B-20225EC23B31}" type="datetime1">
               <a:rPr lang="de-DE" smtClean="0"/>
-              <a:t>28.05.2020</a:t>
+              <a:t>03.06.2020</a:t>
             </a:fld>
             <a:endParaRPr lang="de-DE" dirty="0"/>
           </a:p>
@@ -1758,7 +1851,7 @@
           <p:cNvPr id="5" name="Fußzeilenplatzhalter 4">
             <a:extLst>
               <a:ext uri="{FF2B5EF4-FFF2-40B4-BE49-F238E27FC236}">
-                <a16:creationId xmlns="" xmlns:a16="http://schemas.microsoft.com/office/drawing/2014/main" id="{CCE46F71-BCF6-41F3-8C17-381DF36140FE}"/>
+                <a16:creationId xmlns:a16="http://schemas.microsoft.com/office/drawing/2014/main" xmlns="" id="{CCE46F71-BCF6-41F3-8C17-381DF36140FE}"/>
               </a:ext>
             </a:extLst>
           </p:cNvPr>
@@ -1783,7 +1876,7 @@
           <p:cNvPr id="6" name="Foliennummernplatzhalter 5">
             <a:extLst>
               <a:ext uri="{FF2B5EF4-FFF2-40B4-BE49-F238E27FC236}">
-                <a16:creationId xmlns="" xmlns:a16="http://schemas.microsoft.com/office/drawing/2014/main" id="{DF41A37E-A33B-4798-9922-3B8B5AE5A27B}"/>
+                <a16:creationId xmlns:a16="http://schemas.microsoft.com/office/drawing/2014/main" xmlns="" id="{DF41A37E-A33B-4798-9922-3B8B5AE5A27B}"/>
               </a:ext>
             </a:extLst>
           </p:cNvPr>
@@ -1850,7 +1943,7 @@
           <p:cNvPr id="2" name="Titel 1">
             <a:extLst>
               <a:ext uri="{FF2B5EF4-FFF2-40B4-BE49-F238E27FC236}">
-                <a16:creationId xmlns="" xmlns:a16="http://schemas.microsoft.com/office/drawing/2014/main" id="{FCE4A30D-3A8C-4B77-B82E-724CCF54EFD5}"/>
+                <a16:creationId xmlns:a16="http://schemas.microsoft.com/office/drawing/2014/main" xmlns="" id="{FCE4A30D-3A8C-4B77-B82E-724CCF54EFD5}"/>
               </a:ext>
             </a:extLst>
           </p:cNvPr>
@@ -1878,7 +1971,7 @@
           <p:cNvPr id="3" name="Vertikaler Textplatzhalter 2">
             <a:extLst>
               <a:ext uri="{FF2B5EF4-FFF2-40B4-BE49-F238E27FC236}">
-                <a16:creationId xmlns="" xmlns:a16="http://schemas.microsoft.com/office/drawing/2014/main" id="{D0312C4C-DD67-420D-AE80-FBF20CAD00FE}"/>
+                <a16:creationId xmlns:a16="http://schemas.microsoft.com/office/drawing/2014/main" xmlns="" id="{D0312C4C-DD67-420D-AE80-FBF20CAD00FE}"/>
               </a:ext>
             </a:extLst>
           </p:cNvPr>
@@ -1935,7 +2028,7 @@
           <p:cNvPr id="4" name="Datumsplatzhalter 3">
             <a:extLst>
               <a:ext uri="{FF2B5EF4-FFF2-40B4-BE49-F238E27FC236}">
-                <a16:creationId xmlns="" xmlns:a16="http://schemas.microsoft.com/office/drawing/2014/main" id="{752D94C2-424D-4096-8FAE-F12A3D4A5C7D}"/>
+                <a16:creationId xmlns:a16="http://schemas.microsoft.com/office/drawing/2014/main" xmlns="" id="{752D94C2-424D-4096-8FAE-F12A3D4A5C7D}"/>
               </a:ext>
             </a:extLst>
           </p:cNvPr>
@@ -1953,7 +2046,7 @@
           <a:p>
             <a:fld id="{C77B1F25-795A-4991-A2E6-423F583D3AC9}" type="datetime1">
               <a:rPr lang="de-DE" smtClean="0"/>
-              <a:t>28.05.2020</a:t>
+              <a:t>03.06.2020</a:t>
             </a:fld>
             <a:endParaRPr lang="de-DE"/>
           </a:p>
@@ -1964,7 +2057,7 @@
           <p:cNvPr id="5" name="Fußzeilenplatzhalter 4">
             <a:extLst>
               <a:ext uri="{FF2B5EF4-FFF2-40B4-BE49-F238E27FC236}">
-                <a16:creationId xmlns="" xmlns:a16="http://schemas.microsoft.com/office/drawing/2014/main" id="{02BB29D6-C358-4D1F-90A7-5282C5CF3A2B}"/>
+                <a16:creationId xmlns:a16="http://schemas.microsoft.com/office/drawing/2014/main" xmlns="" id="{02BB29D6-C358-4D1F-90A7-5282C5CF3A2B}"/>
               </a:ext>
             </a:extLst>
           </p:cNvPr>
@@ -1989,7 +2082,7 @@
           <p:cNvPr id="6" name="Foliennummernplatzhalter 5">
             <a:extLst>
               <a:ext uri="{FF2B5EF4-FFF2-40B4-BE49-F238E27FC236}">
-                <a16:creationId xmlns="" xmlns:a16="http://schemas.microsoft.com/office/drawing/2014/main" id="{AE9CFC43-FC34-49A0-9C58-C1BA7EAB4CD1}"/>
+                <a16:creationId xmlns:a16="http://schemas.microsoft.com/office/drawing/2014/main" xmlns="" id="{AE9CFC43-FC34-49A0-9C58-C1BA7EAB4CD1}"/>
               </a:ext>
             </a:extLst>
           </p:cNvPr>
@@ -2056,7 +2149,7 @@
           <p:cNvPr id="2" name="Vertikaler Titel 1">
             <a:extLst>
               <a:ext uri="{FF2B5EF4-FFF2-40B4-BE49-F238E27FC236}">
-                <a16:creationId xmlns="" xmlns:a16="http://schemas.microsoft.com/office/drawing/2014/main" id="{C6AE7126-CFA4-458D-B5F5-AA476ABB117D}"/>
+                <a16:creationId xmlns:a16="http://schemas.microsoft.com/office/drawing/2014/main" xmlns="" id="{C6AE7126-CFA4-458D-B5F5-AA476ABB117D}"/>
               </a:ext>
             </a:extLst>
           </p:cNvPr>
@@ -2089,7 +2182,7 @@
           <p:cNvPr id="3" name="Vertikaler Textplatzhalter 2">
             <a:extLst>
               <a:ext uri="{FF2B5EF4-FFF2-40B4-BE49-F238E27FC236}">
-                <a16:creationId xmlns="" xmlns:a16="http://schemas.microsoft.com/office/drawing/2014/main" id="{E4719945-B69E-4CB7-AF62-A8E248C097C4}"/>
+                <a16:creationId xmlns:a16="http://schemas.microsoft.com/office/drawing/2014/main" xmlns="" id="{E4719945-B69E-4CB7-AF62-A8E248C097C4}"/>
               </a:ext>
             </a:extLst>
           </p:cNvPr>
@@ -2151,7 +2244,7 @@
           <p:cNvPr id="4" name="Datumsplatzhalter 3">
             <a:extLst>
               <a:ext uri="{FF2B5EF4-FFF2-40B4-BE49-F238E27FC236}">
-                <a16:creationId xmlns="" xmlns:a16="http://schemas.microsoft.com/office/drawing/2014/main" id="{194C9456-1825-45D5-AFC8-7437C4E58D48}"/>
+                <a16:creationId xmlns:a16="http://schemas.microsoft.com/office/drawing/2014/main" xmlns="" id="{194C9456-1825-45D5-AFC8-7437C4E58D48}"/>
               </a:ext>
             </a:extLst>
           </p:cNvPr>
@@ -2169,7 +2262,7 @@
           <a:p>
             <a:fld id="{B0B66C0B-9FFA-4059-8B50-27472F44F5CF}" type="datetime1">
               <a:rPr lang="de-DE" smtClean="0"/>
-              <a:t>28.05.2020</a:t>
+              <a:t>03.06.2020</a:t>
             </a:fld>
             <a:endParaRPr lang="de-DE"/>
           </a:p>
@@ -2180,7 +2273,7 @@
           <p:cNvPr id="5" name="Fußzeilenplatzhalter 4">
             <a:extLst>
               <a:ext uri="{FF2B5EF4-FFF2-40B4-BE49-F238E27FC236}">
-                <a16:creationId xmlns="" xmlns:a16="http://schemas.microsoft.com/office/drawing/2014/main" id="{0B1CC9B3-FE3E-4DC0-B71D-312C93D1814D}"/>
+                <a16:creationId xmlns:a16="http://schemas.microsoft.com/office/drawing/2014/main" xmlns="" id="{0B1CC9B3-FE3E-4DC0-B71D-312C93D1814D}"/>
               </a:ext>
             </a:extLst>
           </p:cNvPr>
@@ -2205,7 +2298,7 @@
           <p:cNvPr id="6" name="Foliennummernplatzhalter 5">
             <a:extLst>
               <a:ext uri="{FF2B5EF4-FFF2-40B4-BE49-F238E27FC236}">
-                <a16:creationId xmlns="" xmlns:a16="http://schemas.microsoft.com/office/drawing/2014/main" id="{41E050D8-C164-4E85-94F4-BA2B19D46D58}"/>
+                <a16:creationId xmlns:a16="http://schemas.microsoft.com/office/drawing/2014/main" xmlns="" id="{41E050D8-C164-4E85-94F4-BA2B19D46D58}"/>
               </a:ext>
             </a:extLst>
           </p:cNvPr>
@@ -2272,7 +2365,7 @@
           <p:cNvPr id="2" name="Titel 1">
             <a:extLst>
               <a:ext uri="{FF2B5EF4-FFF2-40B4-BE49-F238E27FC236}">
-                <a16:creationId xmlns="" xmlns:a16="http://schemas.microsoft.com/office/drawing/2014/main" id="{C9100C2D-6625-4AF5-8937-424086BE0285}"/>
+                <a16:creationId xmlns:a16="http://schemas.microsoft.com/office/drawing/2014/main" xmlns="" id="{C9100C2D-6625-4AF5-8937-424086BE0285}"/>
               </a:ext>
             </a:extLst>
           </p:cNvPr>
@@ -2300,7 +2393,7 @@
           <p:cNvPr id="3" name="Inhaltsplatzhalter 2">
             <a:extLst>
               <a:ext uri="{FF2B5EF4-FFF2-40B4-BE49-F238E27FC236}">
-                <a16:creationId xmlns="" xmlns:a16="http://schemas.microsoft.com/office/drawing/2014/main" id="{38D1AAA1-BE3D-4A43-91C4-A2C3C6173375}"/>
+                <a16:creationId xmlns:a16="http://schemas.microsoft.com/office/drawing/2014/main" xmlns="" id="{38D1AAA1-BE3D-4A43-91C4-A2C3C6173375}"/>
               </a:ext>
             </a:extLst>
           </p:cNvPr>
@@ -2357,7 +2450,7 @@
           <p:cNvPr id="4" name="Datumsplatzhalter 3">
             <a:extLst>
               <a:ext uri="{FF2B5EF4-FFF2-40B4-BE49-F238E27FC236}">
-                <a16:creationId xmlns="" xmlns:a16="http://schemas.microsoft.com/office/drawing/2014/main" id="{48884C8B-06F5-44CC-B1D1-2A02463EC226}"/>
+                <a16:creationId xmlns:a16="http://schemas.microsoft.com/office/drawing/2014/main" xmlns="" id="{48884C8B-06F5-44CC-B1D1-2A02463EC226}"/>
               </a:ext>
             </a:extLst>
           </p:cNvPr>
@@ -2375,7 +2468,7 @@
           <a:p>
             <a:fld id="{4024E20C-7573-48C0-8A49-245EB35E8773}" type="datetime1">
               <a:rPr lang="de-DE" smtClean="0"/>
-              <a:t>28.05.2020</a:t>
+              <a:t>03.06.2020</a:t>
             </a:fld>
             <a:endParaRPr lang="de-DE"/>
           </a:p>
@@ -2386,7 +2479,7 @@
           <p:cNvPr id="5" name="Fußzeilenplatzhalter 4">
             <a:extLst>
               <a:ext uri="{FF2B5EF4-FFF2-40B4-BE49-F238E27FC236}">
-                <a16:creationId xmlns="" xmlns:a16="http://schemas.microsoft.com/office/drawing/2014/main" id="{2EE480CA-0EC1-4AF7-9F30-F143FE83D99B}"/>
+                <a16:creationId xmlns:a16="http://schemas.microsoft.com/office/drawing/2014/main" xmlns="" id="{2EE480CA-0EC1-4AF7-9F30-F143FE83D99B}"/>
               </a:ext>
             </a:extLst>
           </p:cNvPr>
@@ -2411,7 +2504,7 @@
           <p:cNvPr id="6" name="Foliennummernplatzhalter 5">
             <a:extLst>
               <a:ext uri="{FF2B5EF4-FFF2-40B4-BE49-F238E27FC236}">
-                <a16:creationId xmlns="" xmlns:a16="http://schemas.microsoft.com/office/drawing/2014/main" id="{13337EC3-94DD-4B09-A484-F0141C1CB8B0}"/>
+                <a16:creationId xmlns:a16="http://schemas.microsoft.com/office/drawing/2014/main" xmlns="" id="{13337EC3-94DD-4B09-A484-F0141C1CB8B0}"/>
               </a:ext>
             </a:extLst>
           </p:cNvPr>
@@ -2478,7 +2571,7 @@
           <p:cNvPr id="2" name="Titel 1">
             <a:extLst>
               <a:ext uri="{FF2B5EF4-FFF2-40B4-BE49-F238E27FC236}">
-                <a16:creationId xmlns="" xmlns:a16="http://schemas.microsoft.com/office/drawing/2014/main" id="{CBDD584A-A976-4556-9716-DA9197EACC6F}"/>
+                <a16:creationId xmlns:a16="http://schemas.microsoft.com/office/drawing/2014/main" xmlns="" id="{CBDD584A-A976-4556-9716-DA9197EACC6F}"/>
               </a:ext>
             </a:extLst>
           </p:cNvPr>
@@ -2515,7 +2608,7 @@
           <p:cNvPr id="3" name="Textplatzhalter 2">
             <a:extLst>
               <a:ext uri="{FF2B5EF4-FFF2-40B4-BE49-F238E27FC236}">
-                <a16:creationId xmlns="" xmlns:a16="http://schemas.microsoft.com/office/drawing/2014/main" id="{C713F004-8C3B-4899-9F30-C6CC20E50B36}"/>
+                <a16:creationId xmlns:a16="http://schemas.microsoft.com/office/drawing/2014/main" xmlns="" id="{C713F004-8C3B-4899-9F30-C6CC20E50B36}"/>
               </a:ext>
             </a:extLst>
           </p:cNvPr>
@@ -2640,7 +2733,7 @@
           <p:cNvPr id="4" name="Datumsplatzhalter 3">
             <a:extLst>
               <a:ext uri="{FF2B5EF4-FFF2-40B4-BE49-F238E27FC236}">
-                <a16:creationId xmlns="" xmlns:a16="http://schemas.microsoft.com/office/drawing/2014/main" id="{B300BECA-2226-430E-B31A-3A70D7FB0DD4}"/>
+                <a16:creationId xmlns:a16="http://schemas.microsoft.com/office/drawing/2014/main" xmlns="" id="{B300BECA-2226-430E-B31A-3A70D7FB0DD4}"/>
               </a:ext>
             </a:extLst>
           </p:cNvPr>
@@ -2658,7 +2751,7 @@
           <a:p>
             <a:fld id="{807C9D00-4D9E-48A7-BDED-1B8B1E833BC9}" type="datetime1">
               <a:rPr lang="de-DE" smtClean="0"/>
-              <a:t>28.05.2020</a:t>
+              <a:t>03.06.2020</a:t>
             </a:fld>
             <a:endParaRPr lang="de-DE"/>
           </a:p>
@@ -2669,7 +2762,7 @@
           <p:cNvPr id="5" name="Fußzeilenplatzhalter 4">
             <a:extLst>
               <a:ext uri="{FF2B5EF4-FFF2-40B4-BE49-F238E27FC236}">
-                <a16:creationId xmlns="" xmlns:a16="http://schemas.microsoft.com/office/drawing/2014/main" id="{9D2C0B24-C4C7-4E3E-A30D-AD2B22A8CAC5}"/>
+                <a16:creationId xmlns:a16="http://schemas.microsoft.com/office/drawing/2014/main" xmlns="" id="{9D2C0B24-C4C7-4E3E-A30D-AD2B22A8CAC5}"/>
               </a:ext>
             </a:extLst>
           </p:cNvPr>
@@ -2694,7 +2787,7 @@
           <p:cNvPr id="6" name="Foliennummernplatzhalter 5">
             <a:extLst>
               <a:ext uri="{FF2B5EF4-FFF2-40B4-BE49-F238E27FC236}">
-                <a16:creationId xmlns="" xmlns:a16="http://schemas.microsoft.com/office/drawing/2014/main" id="{15EF3485-89F1-47E8-AB99-914FE8775138}"/>
+                <a16:creationId xmlns:a16="http://schemas.microsoft.com/office/drawing/2014/main" xmlns="" id="{15EF3485-89F1-47E8-AB99-914FE8775138}"/>
               </a:ext>
             </a:extLst>
           </p:cNvPr>
@@ -2761,7 +2854,7 @@
           <p:cNvPr id="2" name="Titel 1">
             <a:extLst>
               <a:ext uri="{FF2B5EF4-FFF2-40B4-BE49-F238E27FC236}">
-                <a16:creationId xmlns="" xmlns:a16="http://schemas.microsoft.com/office/drawing/2014/main" id="{6B45D284-4E4F-4976-80EC-400821F99BCF}"/>
+                <a16:creationId xmlns:a16="http://schemas.microsoft.com/office/drawing/2014/main" xmlns="" id="{6B45D284-4E4F-4976-80EC-400821F99BCF}"/>
               </a:ext>
             </a:extLst>
           </p:cNvPr>
@@ -2789,7 +2882,7 @@
           <p:cNvPr id="3" name="Inhaltsplatzhalter 2">
             <a:extLst>
               <a:ext uri="{FF2B5EF4-FFF2-40B4-BE49-F238E27FC236}">
-                <a16:creationId xmlns="" xmlns:a16="http://schemas.microsoft.com/office/drawing/2014/main" id="{61C980E4-B51F-4860-A848-EB6955BA36AF}"/>
+                <a16:creationId xmlns:a16="http://schemas.microsoft.com/office/drawing/2014/main" xmlns="" id="{61C980E4-B51F-4860-A848-EB6955BA36AF}"/>
               </a:ext>
             </a:extLst>
           </p:cNvPr>
@@ -2851,7 +2944,7 @@
           <p:cNvPr id="4" name="Inhaltsplatzhalter 3">
             <a:extLst>
               <a:ext uri="{FF2B5EF4-FFF2-40B4-BE49-F238E27FC236}">
-                <a16:creationId xmlns="" xmlns:a16="http://schemas.microsoft.com/office/drawing/2014/main" id="{8D7C296F-6044-4CF6-BBE5-CEA4560EEEB9}"/>
+                <a16:creationId xmlns:a16="http://schemas.microsoft.com/office/drawing/2014/main" xmlns="" id="{8D7C296F-6044-4CF6-BBE5-CEA4560EEEB9}"/>
               </a:ext>
             </a:extLst>
           </p:cNvPr>
@@ -2913,7 +3006,7 @@
           <p:cNvPr id="5" name="Datumsplatzhalter 4">
             <a:extLst>
               <a:ext uri="{FF2B5EF4-FFF2-40B4-BE49-F238E27FC236}">
-                <a16:creationId xmlns="" xmlns:a16="http://schemas.microsoft.com/office/drawing/2014/main" id="{F87A09FB-245D-407E-94D1-C81BBB221DC2}"/>
+                <a16:creationId xmlns:a16="http://schemas.microsoft.com/office/drawing/2014/main" xmlns="" id="{F87A09FB-245D-407E-94D1-C81BBB221DC2}"/>
               </a:ext>
             </a:extLst>
           </p:cNvPr>
@@ -2931,7 +3024,7 @@
           <a:p>
             <a:fld id="{2D3DC56E-0927-4473-AB68-5B4331BC2E5A}" type="datetime1">
               <a:rPr lang="de-DE" smtClean="0"/>
-              <a:t>28.05.2020</a:t>
+              <a:t>03.06.2020</a:t>
             </a:fld>
             <a:endParaRPr lang="de-DE"/>
           </a:p>
@@ -2942,7 +3035,7 @@
           <p:cNvPr id="6" name="Fußzeilenplatzhalter 5">
             <a:extLst>
               <a:ext uri="{FF2B5EF4-FFF2-40B4-BE49-F238E27FC236}">
-                <a16:creationId xmlns="" xmlns:a16="http://schemas.microsoft.com/office/drawing/2014/main" id="{7713AD3F-FB16-4761-97DD-7D2895FBAF79}"/>
+                <a16:creationId xmlns:a16="http://schemas.microsoft.com/office/drawing/2014/main" xmlns="" id="{7713AD3F-FB16-4761-97DD-7D2895FBAF79}"/>
               </a:ext>
             </a:extLst>
           </p:cNvPr>
@@ -2967,7 +3060,7 @@
           <p:cNvPr id="7" name="Foliennummernplatzhalter 6">
             <a:extLst>
               <a:ext uri="{FF2B5EF4-FFF2-40B4-BE49-F238E27FC236}">
-                <a16:creationId xmlns="" xmlns:a16="http://schemas.microsoft.com/office/drawing/2014/main" id="{E08B0646-8FC5-4829-A454-55B654DBA3C4}"/>
+                <a16:creationId xmlns:a16="http://schemas.microsoft.com/office/drawing/2014/main" xmlns="" id="{E08B0646-8FC5-4829-A454-55B654DBA3C4}"/>
               </a:ext>
             </a:extLst>
           </p:cNvPr>
@@ -3034,7 +3127,7 @@
           <p:cNvPr id="2" name="Titel 1">
             <a:extLst>
               <a:ext uri="{FF2B5EF4-FFF2-40B4-BE49-F238E27FC236}">
-                <a16:creationId xmlns="" xmlns:a16="http://schemas.microsoft.com/office/drawing/2014/main" id="{87FFCFA6-D29A-4DD6-8A93-5742D6DB0521}"/>
+                <a16:creationId xmlns:a16="http://schemas.microsoft.com/office/drawing/2014/main" xmlns="" id="{87FFCFA6-D29A-4DD6-8A93-5742D6DB0521}"/>
               </a:ext>
             </a:extLst>
           </p:cNvPr>
@@ -3067,7 +3160,7 @@
           <p:cNvPr id="3" name="Textplatzhalter 2">
             <a:extLst>
               <a:ext uri="{FF2B5EF4-FFF2-40B4-BE49-F238E27FC236}">
-                <a16:creationId xmlns="" xmlns:a16="http://schemas.microsoft.com/office/drawing/2014/main" id="{52A062D5-F9A3-40F3-940E-784410DB79B5}"/>
+                <a16:creationId xmlns:a16="http://schemas.microsoft.com/office/drawing/2014/main" xmlns="" id="{52A062D5-F9A3-40F3-940E-784410DB79B5}"/>
               </a:ext>
             </a:extLst>
           </p:cNvPr>
@@ -3138,7 +3231,7 @@
           <p:cNvPr id="4" name="Inhaltsplatzhalter 3">
             <a:extLst>
               <a:ext uri="{FF2B5EF4-FFF2-40B4-BE49-F238E27FC236}">
-                <a16:creationId xmlns="" xmlns:a16="http://schemas.microsoft.com/office/drawing/2014/main" id="{0F2C725F-CDA6-419C-9990-237B92011EB3}"/>
+                <a16:creationId xmlns:a16="http://schemas.microsoft.com/office/drawing/2014/main" xmlns="" id="{0F2C725F-CDA6-419C-9990-237B92011EB3}"/>
               </a:ext>
             </a:extLst>
           </p:cNvPr>
@@ -3200,7 +3293,7 @@
           <p:cNvPr id="5" name="Textplatzhalter 4">
             <a:extLst>
               <a:ext uri="{FF2B5EF4-FFF2-40B4-BE49-F238E27FC236}">
-                <a16:creationId xmlns="" xmlns:a16="http://schemas.microsoft.com/office/drawing/2014/main" id="{57D0AB86-7ACC-4F81-BA1E-EABC81375E4C}"/>
+                <a16:creationId xmlns:a16="http://schemas.microsoft.com/office/drawing/2014/main" xmlns="" id="{57D0AB86-7ACC-4F81-BA1E-EABC81375E4C}"/>
               </a:ext>
             </a:extLst>
           </p:cNvPr>
@@ -3271,7 +3364,7 @@
           <p:cNvPr id="6" name="Inhaltsplatzhalter 5">
             <a:extLst>
               <a:ext uri="{FF2B5EF4-FFF2-40B4-BE49-F238E27FC236}">
-                <a16:creationId xmlns="" xmlns:a16="http://schemas.microsoft.com/office/drawing/2014/main" id="{1A5FCBEC-2F64-4023-881F-8C2D77F12391}"/>
+                <a16:creationId xmlns:a16="http://schemas.microsoft.com/office/drawing/2014/main" xmlns="" id="{1A5FCBEC-2F64-4023-881F-8C2D77F12391}"/>
               </a:ext>
             </a:extLst>
           </p:cNvPr>
@@ -3333,7 +3426,7 @@
           <p:cNvPr id="7" name="Datumsplatzhalter 6">
             <a:extLst>
               <a:ext uri="{FF2B5EF4-FFF2-40B4-BE49-F238E27FC236}">
-                <a16:creationId xmlns="" xmlns:a16="http://schemas.microsoft.com/office/drawing/2014/main" id="{1B579458-8146-4585-8116-8815B1984C10}"/>
+                <a16:creationId xmlns:a16="http://schemas.microsoft.com/office/drawing/2014/main" xmlns="" id="{1B579458-8146-4585-8116-8815B1984C10}"/>
               </a:ext>
             </a:extLst>
           </p:cNvPr>
@@ -3351,7 +3444,7 @@
           <a:p>
             <a:fld id="{57371510-7249-4C5F-946A-A4F834E6D9AE}" type="datetime1">
               <a:rPr lang="de-DE" smtClean="0"/>
-              <a:t>28.05.2020</a:t>
+              <a:t>03.06.2020</a:t>
             </a:fld>
             <a:endParaRPr lang="de-DE"/>
           </a:p>
@@ -3362,7 +3455,7 @@
           <p:cNvPr id="8" name="Fußzeilenplatzhalter 7">
             <a:extLst>
               <a:ext uri="{FF2B5EF4-FFF2-40B4-BE49-F238E27FC236}">
-                <a16:creationId xmlns="" xmlns:a16="http://schemas.microsoft.com/office/drawing/2014/main" id="{B8FE971A-3252-4BEE-AE2A-ED9DD64D786C}"/>
+                <a16:creationId xmlns:a16="http://schemas.microsoft.com/office/drawing/2014/main" xmlns="" id="{B8FE971A-3252-4BEE-AE2A-ED9DD64D786C}"/>
               </a:ext>
             </a:extLst>
           </p:cNvPr>
@@ -3387,7 +3480,7 @@
           <p:cNvPr id="9" name="Foliennummernplatzhalter 8">
             <a:extLst>
               <a:ext uri="{FF2B5EF4-FFF2-40B4-BE49-F238E27FC236}">
-                <a16:creationId xmlns="" xmlns:a16="http://schemas.microsoft.com/office/drawing/2014/main" id="{224F811E-098E-42CD-BF79-561DBDB14DE9}"/>
+                <a16:creationId xmlns:a16="http://schemas.microsoft.com/office/drawing/2014/main" xmlns="" id="{224F811E-098E-42CD-BF79-561DBDB14DE9}"/>
               </a:ext>
             </a:extLst>
           </p:cNvPr>
@@ -3454,7 +3547,7 @@
           <p:cNvPr id="2" name="Titel 1">
             <a:extLst>
               <a:ext uri="{FF2B5EF4-FFF2-40B4-BE49-F238E27FC236}">
-                <a16:creationId xmlns="" xmlns:a16="http://schemas.microsoft.com/office/drawing/2014/main" id="{466DE76C-FB01-463F-B2AD-A897695D3F41}"/>
+                <a16:creationId xmlns:a16="http://schemas.microsoft.com/office/drawing/2014/main" xmlns="" id="{466DE76C-FB01-463F-B2AD-A897695D3F41}"/>
               </a:ext>
             </a:extLst>
           </p:cNvPr>
@@ -3482,7 +3575,7 @@
           <p:cNvPr id="3" name="Datumsplatzhalter 2">
             <a:extLst>
               <a:ext uri="{FF2B5EF4-FFF2-40B4-BE49-F238E27FC236}">
-                <a16:creationId xmlns="" xmlns:a16="http://schemas.microsoft.com/office/drawing/2014/main" id="{6F7936C0-FCFE-4A57-9E63-31F514892227}"/>
+                <a16:creationId xmlns:a16="http://schemas.microsoft.com/office/drawing/2014/main" xmlns="" id="{6F7936C0-FCFE-4A57-9E63-31F514892227}"/>
               </a:ext>
             </a:extLst>
           </p:cNvPr>
@@ -3500,7 +3593,7 @@
           <a:p>
             <a:fld id="{D029DBCD-B4B9-401C-B851-F8823136D507}" type="datetime1">
               <a:rPr lang="de-DE" smtClean="0"/>
-              <a:t>28.05.2020</a:t>
+              <a:t>03.06.2020</a:t>
             </a:fld>
             <a:endParaRPr lang="de-DE"/>
           </a:p>
@@ -3511,7 +3604,7 @@
           <p:cNvPr id="4" name="Fußzeilenplatzhalter 3">
             <a:extLst>
               <a:ext uri="{FF2B5EF4-FFF2-40B4-BE49-F238E27FC236}">
-                <a16:creationId xmlns="" xmlns:a16="http://schemas.microsoft.com/office/drawing/2014/main" id="{BF4C0BEA-1F74-43B8-B16A-0B93A98AF74A}"/>
+                <a16:creationId xmlns:a16="http://schemas.microsoft.com/office/drawing/2014/main" xmlns="" id="{BF4C0BEA-1F74-43B8-B16A-0B93A98AF74A}"/>
               </a:ext>
             </a:extLst>
           </p:cNvPr>
@@ -3536,7 +3629,7 @@
           <p:cNvPr id="5" name="Foliennummernplatzhalter 4">
             <a:extLst>
               <a:ext uri="{FF2B5EF4-FFF2-40B4-BE49-F238E27FC236}">
-                <a16:creationId xmlns="" xmlns:a16="http://schemas.microsoft.com/office/drawing/2014/main" id="{FDC612F2-A418-4792-A4B4-C0ABBAAB10A0}"/>
+                <a16:creationId xmlns:a16="http://schemas.microsoft.com/office/drawing/2014/main" xmlns="" id="{FDC612F2-A418-4792-A4B4-C0ABBAAB10A0}"/>
               </a:ext>
             </a:extLst>
           </p:cNvPr>
@@ -3603,7 +3696,7 @@
           <p:cNvPr id="2" name="Datumsplatzhalter 1">
             <a:extLst>
               <a:ext uri="{FF2B5EF4-FFF2-40B4-BE49-F238E27FC236}">
-                <a16:creationId xmlns="" xmlns:a16="http://schemas.microsoft.com/office/drawing/2014/main" id="{F1A16BA6-C843-4946-87C4-F009F9659E53}"/>
+                <a16:creationId xmlns:a16="http://schemas.microsoft.com/office/drawing/2014/main" xmlns="" id="{F1A16BA6-C843-4946-87C4-F009F9659E53}"/>
               </a:ext>
             </a:extLst>
           </p:cNvPr>
@@ -3621,7 +3714,7 @@
           <a:p>
             <a:fld id="{5CFE0376-D301-44AE-AD11-2BFFE5B1AA68}" type="datetime1">
               <a:rPr lang="de-DE" smtClean="0"/>
-              <a:t>28.05.2020</a:t>
+              <a:t>03.06.2020</a:t>
             </a:fld>
             <a:endParaRPr lang="de-DE"/>
           </a:p>
@@ -3632,7 +3725,7 @@
           <p:cNvPr id="3" name="Fußzeilenplatzhalter 2">
             <a:extLst>
               <a:ext uri="{FF2B5EF4-FFF2-40B4-BE49-F238E27FC236}">
-                <a16:creationId xmlns="" xmlns:a16="http://schemas.microsoft.com/office/drawing/2014/main" id="{74AD0BED-584B-4312-BC56-F22A5A97A8EA}"/>
+                <a16:creationId xmlns:a16="http://schemas.microsoft.com/office/drawing/2014/main" xmlns="" id="{74AD0BED-584B-4312-BC56-F22A5A97A8EA}"/>
               </a:ext>
             </a:extLst>
           </p:cNvPr>
@@ -3657,7 +3750,7 @@
           <p:cNvPr id="4" name="Foliennummernplatzhalter 3">
             <a:extLst>
               <a:ext uri="{FF2B5EF4-FFF2-40B4-BE49-F238E27FC236}">
-                <a16:creationId xmlns="" xmlns:a16="http://schemas.microsoft.com/office/drawing/2014/main" id="{ECAC19A7-F328-409E-92C0-6618959AF8AB}"/>
+                <a16:creationId xmlns:a16="http://schemas.microsoft.com/office/drawing/2014/main" xmlns="" id="{ECAC19A7-F328-409E-92C0-6618959AF8AB}"/>
               </a:ext>
             </a:extLst>
           </p:cNvPr>
@@ -3724,7 +3817,7 @@
           <p:cNvPr id="2" name="Titel 1">
             <a:extLst>
               <a:ext uri="{FF2B5EF4-FFF2-40B4-BE49-F238E27FC236}">
-                <a16:creationId xmlns="" xmlns:a16="http://schemas.microsoft.com/office/drawing/2014/main" id="{36B5D893-6A5A-4F5D-9559-23E40882374B}"/>
+                <a16:creationId xmlns:a16="http://schemas.microsoft.com/office/drawing/2014/main" xmlns="" id="{36B5D893-6A5A-4F5D-9559-23E40882374B}"/>
               </a:ext>
             </a:extLst>
           </p:cNvPr>
@@ -3761,7 +3854,7 @@
           <p:cNvPr id="3" name="Inhaltsplatzhalter 2">
             <a:extLst>
               <a:ext uri="{FF2B5EF4-FFF2-40B4-BE49-F238E27FC236}">
-                <a16:creationId xmlns="" xmlns:a16="http://schemas.microsoft.com/office/drawing/2014/main" id="{46211E4B-EF89-4D03-A97A-6EB546C0498D}"/>
+                <a16:creationId xmlns:a16="http://schemas.microsoft.com/office/drawing/2014/main" xmlns="" id="{46211E4B-EF89-4D03-A97A-6EB546C0498D}"/>
               </a:ext>
             </a:extLst>
           </p:cNvPr>
@@ -3851,7 +3944,7 @@
           <p:cNvPr id="4" name="Textplatzhalter 3">
             <a:extLst>
               <a:ext uri="{FF2B5EF4-FFF2-40B4-BE49-F238E27FC236}">
-                <a16:creationId xmlns="" xmlns:a16="http://schemas.microsoft.com/office/drawing/2014/main" id="{D4BEF54F-E067-4073-A803-29399235D78F}"/>
+                <a16:creationId xmlns:a16="http://schemas.microsoft.com/office/drawing/2014/main" xmlns="" id="{D4BEF54F-E067-4073-A803-29399235D78F}"/>
               </a:ext>
             </a:extLst>
           </p:cNvPr>
@@ -3922,7 +4015,7 @@
           <p:cNvPr id="5" name="Datumsplatzhalter 4">
             <a:extLst>
               <a:ext uri="{FF2B5EF4-FFF2-40B4-BE49-F238E27FC236}">
-                <a16:creationId xmlns="" xmlns:a16="http://schemas.microsoft.com/office/drawing/2014/main" id="{FF25F891-DBFE-4A5B-99B6-66F48C54174B}"/>
+                <a16:creationId xmlns:a16="http://schemas.microsoft.com/office/drawing/2014/main" xmlns="" id="{FF25F891-DBFE-4A5B-99B6-66F48C54174B}"/>
               </a:ext>
             </a:extLst>
           </p:cNvPr>
@@ -3940,7 +4033,7 @@
           <a:p>
             <a:fld id="{E68C6B95-8C89-49D3-8465-88E05211F0D1}" type="datetime1">
               <a:rPr lang="de-DE" smtClean="0"/>
-              <a:t>28.05.2020</a:t>
+              <a:t>03.06.2020</a:t>
             </a:fld>
             <a:endParaRPr lang="de-DE"/>
           </a:p>
@@ -3951,7 +4044,7 @@
           <p:cNvPr id="6" name="Fußzeilenplatzhalter 5">
             <a:extLst>
               <a:ext uri="{FF2B5EF4-FFF2-40B4-BE49-F238E27FC236}">
-                <a16:creationId xmlns="" xmlns:a16="http://schemas.microsoft.com/office/drawing/2014/main" id="{C508CE39-F26E-4C31-84CD-D89EC83686D4}"/>
+                <a16:creationId xmlns:a16="http://schemas.microsoft.com/office/drawing/2014/main" xmlns="" id="{C508CE39-F26E-4C31-84CD-D89EC83686D4}"/>
               </a:ext>
             </a:extLst>
           </p:cNvPr>
@@ -3976,7 +4069,7 @@
           <p:cNvPr id="7" name="Foliennummernplatzhalter 6">
             <a:extLst>
               <a:ext uri="{FF2B5EF4-FFF2-40B4-BE49-F238E27FC236}">
-                <a16:creationId xmlns="" xmlns:a16="http://schemas.microsoft.com/office/drawing/2014/main" id="{5E1B48FE-614D-4BF1-8C39-73558F055C10}"/>
+                <a16:creationId xmlns:a16="http://schemas.microsoft.com/office/drawing/2014/main" xmlns="" id="{5E1B48FE-614D-4BF1-8C39-73558F055C10}"/>
               </a:ext>
             </a:extLst>
           </p:cNvPr>
@@ -4043,7 +4136,7 @@
           <p:cNvPr id="2" name="Titel 1">
             <a:extLst>
               <a:ext uri="{FF2B5EF4-FFF2-40B4-BE49-F238E27FC236}">
-                <a16:creationId xmlns="" xmlns:a16="http://schemas.microsoft.com/office/drawing/2014/main" id="{F9563009-E30B-45AC-BDD7-44EA72F78222}"/>
+                <a16:creationId xmlns:a16="http://schemas.microsoft.com/office/drawing/2014/main" xmlns="" id="{F9563009-E30B-45AC-BDD7-44EA72F78222}"/>
               </a:ext>
             </a:extLst>
           </p:cNvPr>
@@ -4080,7 +4173,7 @@
           <p:cNvPr id="3" name="Bildplatzhalter 2">
             <a:extLst>
               <a:ext uri="{FF2B5EF4-FFF2-40B4-BE49-F238E27FC236}">
-                <a16:creationId xmlns="" xmlns:a16="http://schemas.microsoft.com/office/drawing/2014/main" id="{11F2FF9F-8E72-4929-BF76-ED1330B5F674}"/>
+                <a16:creationId xmlns:a16="http://schemas.microsoft.com/office/drawing/2014/main" xmlns="" id="{11F2FF9F-8E72-4929-BF76-ED1330B5F674}"/>
               </a:ext>
             </a:extLst>
           </p:cNvPr>
@@ -4147,7 +4240,7 @@
           <p:cNvPr id="4" name="Textplatzhalter 3">
             <a:extLst>
               <a:ext uri="{FF2B5EF4-FFF2-40B4-BE49-F238E27FC236}">
-                <a16:creationId xmlns="" xmlns:a16="http://schemas.microsoft.com/office/drawing/2014/main" id="{4A21AA90-B6A3-4F03-A71E-8D4EFEBB4E8A}"/>
+                <a16:creationId xmlns:a16="http://schemas.microsoft.com/office/drawing/2014/main" xmlns="" id="{4A21AA90-B6A3-4F03-A71E-8D4EFEBB4E8A}"/>
               </a:ext>
             </a:extLst>
           </p:cNvPr>
@@ -4218,7 +4311,7 @@
           <p:cNvPr id="5" name="Datumsplatzhalter 4">
             <a:extLst>
               <a:ext uri="{FF2B5EF4-FFF2-40B4-BE49-F238E27FC236}">
-                <a16:creationId xmlns="" xmlns:a16="http://schemas.microsoft.com/office/drawing/2014/main" id="{B9A970BA-F10E-430D-9B5F-218F0B6AAD68}"/>
+                <a16:creationId xmlns:a16="http://schemas.microsoft.com/office/drawing/2014/main" xmlns="" id="{B9A970BA-F10E-430D-9B5F-218F0B6AAD68}"/>
               </a:ext>
             </a:extLst>
           </p:cNvPr>
@@ -4236,7 +4329,7 @@
           <a:p>
             <a:fld id="{15BDDDEE-EC33-4B17-B9B5-A149A54A861D}" type="datetime1">
               <a:rPr lang="de-DE" smtClean="0"/>
-              <a:t>28.05.2020</a:t>
+              <a:t>03.06.2020</a:t>
             </a:fld>
             <a:endParaRPr lang="de-DE"/>
           </a:p>
@@ -4247,7 +4340,7 @@
           <p:cNvPr id="6" name="Fußzeilenplatzhalter 5">
             <a:extLst>
               <a:ext uri="{FF2B5EF4-FFF2-40B4-BE49-F238E27FC236}">
-                <a16:creationId xmlns="" xmlns:a16="http://schemas.microsoft.com/office/drawing/2014/main" id="{A141BF1C-61CE-44FF-8ABE-F08D6373AD97}"/>
+                <a16:creationId xmlns:a16="http://schemas.microsoft.com/office/drawing/2014/main" xmlns="" id="{A141BF1C-61CE-44FF-8ABE-F08D6373AD97}"/>
               </a:ext>
             </a:extLst>
           </p:cNvPr>
@@ -4272,7 +4365,7 @@
           <p:cNvPr id="7" name="Foliennummernplatzhalter 6">
             <a:extLst>
               <a:ext uri="{FF2B5EF4-FFF2-40B4-BE49-F238E27FC236}">
-                <a16:creationId xmlns="" xmlns:a16="http://schemas.microsoft.com/office/drawing/2014/main" id="{E76983E8-6FBA-42E6-85DE-B77806E23CA0}"/>
+                <a16:creationId xmlns:a16="http://schemas.microsoft.com/office/drawing/2014/main" xmlns="" id="{E76983E8-6FBA-42E6-85DE-B77806E23CA0}"/>
               </a:ext>
             </a:extLst>
           </p:cNvPr>
@@ -4344,7 +4437,7 @@
           <p:cNvPr id="2" name="Titelplatzhalter 1">
             <a:extLst>
               <a:ext uri="{FF2B5EF4-FFF2-40B4-BE49-F238E27FC236}">
-                <a16:creationId xmlns="" xmlns:a16="http://schemas.microsoft.com/office/drawing/2014/main" id="{F1B54F3D-85D6-4E2A-A184-2AD8788616C7}"/>
+                <a16:creationId xmlns:a16="http://schemas.microsoft.com/office/drawing/2014/main" xmlns="" id="{F1B54F3D-85D6-4E2A-A184-2AD8788616C7}"/>
               </a:ext>
             </a:extLst>
           </p:cNvPr>
@@ -4382,7 +4475,7 @@
           <p:cNvPr id="3" name="Textplatzhalter 2">
             <a:extLst>
               <a:ext uri="{FF2B5EF4-FFF2-40B4-BE49-F238E27FC236}">
-                <a16:creationId xmlns="" xmlns:a16="http://schemas.microsoft.com/office/drawing/2014/main" id="{62C62B55-DAE8-4571-9836-D8A9517A6717}"/>
+                <a16:creationId xmlns:a16="http://schemas.microsoft.com/office/drawing/2014/main" xmlns="" id="{62C62B55-DAE8-4571-9836-D8A9517A6717}"/>
               </a:ext>
             </a:extLst>
           </p:cNvPr>
@@ -4449,7 +4542,7 @@
           <p:cNvPr id="4" name="Datumsplatzhalter 3">
             <a:extLst>
               <a:ext uri="{FF2B5EF4-FFF2-40B4-BE49-F238E27FC236}">
-                <a16:creationId xmlns="" xmlns:a16="http://schemas.microsoft.com/office/drawing/2014/main" id="{202396F9-D19B-4197-A727-060829339B6B}"/>
+                <a16:creationId xmlns:a16="http://schemas.microsoft.com/office/drawing/2014/main" xmlns="" id="{202396F9-D19B-4197-A727-060829339B6B}"/>
               </a:ext>
             </a:extLst>
           </p:cNvPr>
@@ -4485,7 +4578,7 @@
           <a:p>
             <a:fld id="{EF190999-BFCE-4023-9996-314DB13E7002}" type="datetime1">
               <a:rPr lang="de-DE" smtClean="0"/>
-              <a:t>28.05.2020</a:t>
+              <a:t>03.06.2020</a:t>
             </a:fld>
             <a:endParaRPr lang="de-DE" dirty="0"/>
           </a:p>
@@ -4496,7 +4589,7 @@
           <p:cNvPr id="5" name="Fußzeilenplatzhalter 4">
             <a:extLst>
               <a:ext uri="{FF2B5EF4-FFF2-40B4-BE49-F238E27FC236}">
-                <a16:creationId xmlns="" xmlns:a16="http://schemas.microsoft.com/office/drawing/2014/main" id="{B1EA6A1B-5C13-45F1-9B85-4169FD91138A}"/>
+                <a16:creationId xmlns:a16="http://schemas.microsoft.com/office/drawing/2014/main" xmlns="" id="{B1EA6A1B-5C13-45F1-9B85-4169FD91138A}"/>
               </a:ext>
             </a:extLst>
           </p:cNvPr>
@@ -4539,7 +4632,7 @@
           <p:cNvPr id="7" name="Grafik 6">
             <a:extLst>
               <a:ext uri="{FF2B5EF4-FFF2-40B4-BE49-F238E27FC236}">
-                <a16:creationId xmlns="" xmlns:a16="http://schemas.microsoft.com/office/drawing/2014/main" id="{C59B35B2-0CE6-4FF9-984D-F5719598069C}"/>
+                <a16:creationId xmlns:a16="http://schemas.microsoft.com/office/drawing/2014/main" xmlns="" id="{C59B35B2-0CE6-4FF9-984D-F5719598069C}"/>
               </a:ext>
             </a:extLst>
           </p:cNvPr>
@@ -4575,7 +4668,7 @@
           <p:cNvPr id="8" name="Foliennummernplatzhalter 7">
             <a:extLst>
               <a:ext uri="{FF2B5EF4-FFF2-40B4-BE49-F238E27FC236}">
-                <a16:creationId xmlns="" xmlns:a16="http://schemas.microsoft.com/office/drawing/2014/main" id="{8B9E18AC-CAF1-4471-BF04-547435D80DDB}"/>
+                <a16:creationId xmlns:a16="http://schemas.microsoft.com/office/drawing/2014/main" xmlns="" id="{8B9E18AC-CAF1-4471-BF04-547435D80DDB}"/>
               </a:ext>
             </a:extLst>
           </p:cNvPr>
@@ -4944,7 +5037,7 @@
           <p:cNvPr id="2" name="Titel 1">
             <a:extLst>
               <a:ext uri="{FF2B5EF4-FFF2-40B4-BE49-F238E27FC236}">
-                <a16:creationId xmlns="" xmlns:a16="http://schemas.microsoft.com/office/drawing/2014/main" id="{19B6AC69-F81D-4459-ACD2-8110FA9FCE24}"/>
+                <a16:creationId xmlns:a16="http://schemas.microsoft.com/office/drawing/2014/main" xmlns="" id="{19B6AC69-F81D-4459-ACD2-8110FA9FCE24}"/>
               </a:ext>
             </a:extLst>
           </p:cNvPr>
@@ -4972,7 +5065,7 @@
           <p:cNvPr id="3" name="Untertitel 2">
             <a:extLst>
               <a:ext uri="{FF2B5EF4-FFF2-40B4-BE49-F238E27FC236}">
-                <a16:creationId xmlns="" xmlns:a16="http://schemas.microsoft.com/office/drawing/2014/main" id="{13737FBA-E6BC-4517-8A74-4336C01F7072}"/>
+                <a16:creationId xmlns:a16="http://schemas.microsoft.com/office/drawing/2014/main" xmlns="" id="{13737FBA-E6BC-4517-8A74-4336C01F7072}"/>
               </a:ext>
             </a:extLst>
           </p:cNvPr>
@@ -5366,7 +5459,7 @@
         </p:nvSpPr>
         <p:spPr>
           <a:xfrm>
-            <a:off x="2804845" y="3585681"/>
+            <a:off x="2591401" y="3585681"/>
             <a:ext cx="616449" cy="311427"/>
           </a:xfrm>
           <a:prstGeom prst="rightArrow">
@@ -5500,7 +5593,7 @@
         </p:blipFill>
         <p:spPr>
           <a:xfrm>
-            <a:off x="707217" y="2292872"/>
+            <a:off x="347826" y="2292872"/>
             <a:ext cx="2097628" cy="3591046"/>
           </a:xfrm>
           <a:prstGeom prst="rect">
@@ -5560,7 +5653,7 @@
         </p:blipFill>
         <p:spPr>
           <a:xfrm>
-            <a:off x="3583685" y="2941005"/>
+            <a:off x="3823233" y="2870747"/>
             <a:ext cx="2158482" cy="2074538"/>
           </a:xfrm>
           <a:prstGeom prst="rect">
@@ -5598,6 +5691,59 @@
           </a:prstGeom>
         </p:spPr>
       </p:pic>
+      <p:sp>
+        <p:nvSpPr>
+          <p:cNvPr id="3" name="Rectangle 2"/>
+          <p:cNvSpPr/>
+          <p:nvPr/>
+        </p:nvSpPr>
+        <p:spPr>
+          <a:xfrm>
+            <a:off x="3393385" y="3121783"/>
+            <a:ext cx="1819692" cy="1477328"/>
+          </a:xfrm>
+          <a:prstGeom prst="rect">
+            <a:avLst/>
+          </a:prstGeom>
+        </p:spPr>
+        <p:txBody>
+          <a:bodyPr wrap="square">
+            <a:spAutoFit/>
+          </a:bodyPr>
+          <a:lstStyle/>
+          <a:p>
+            <a:r>
+              <a:rPr lang="en-US" b="1" dirty="0" smtClean="0"/>
+              <a:t>1</a:t>
+            </a:r>
+          </a:p>
+          <a:p>
+            <a:r>
+              <a:rPr lang="en-US" b="1" dirty="0" smtClean="0"/>
+              <a:t>2</a:t>
+            </a:r>
+          </a:p>
+          <a:p>
+            <a:r>
+              <a:rPr lang="en-US" b="1" dirty="0" smtClean="0"/>
+              <a:t>0</a:t>
+            </a:r>
+          </a:p>
+          <a:p>
+            <a:r>
+              <a:rPr lang="en-US" b="1" dirty="0" smtClean="0"/>
+              <a:t>3</a:t>
+            </a:r>
+          </a:p>
+          <a:p>
+            <a:r>
+              <a:rPr lang="en-US" b="1" dirty="0"/>
+              <a:t>4</a:t>
+            </a:r>
+            <a:endParaRPr lang="en-US" b="1" dirty="0" smtClean="0"/>
+          </a:p>
+        </p:txBody>
+      </p:sp>
     </p:spTree>
     <p:extLst>
       <p:ext uri="{BB962C8B-B14F-4D97-AF65-F5344CB8AC3E}">
@@ -5672,7 +5818,7 @@
             <p:ph idx="1"/>
             <p:extLst>
               <p:ext uri="{D42A27DB-BD31-4B8C-83A1-F6EECF244321}">
-                <p14:modId xmlns:p14="http://schemas.microsoft.com/office/powerpoint/2010/main" val="2345818008"/>
+                <p14:modId xmlns:p14="http://schemas.microsoft.com/office/powerpoint/2010/main" val="820058207"/>
               </p:ext>
             </p:extLst>
           </p:nvPr>
@@ -5756,7 +5902,11 @@
                       </a:r>
                       <a:r>
                         <a:rPr lang="en-US" baseline="0" dirty="0" smtClean="0"/>
-                        <a:t> -0.75]</a:t>
+                        <a:t> -</a:t>
+                      </a:r>
+                      <a:r>
+                        <a:rPr lang="en-US" baseline="0" dirty="0" smtClean="0"/>
+                        <a:t>0.75[</a:t>
                       </a:r>
                       <a:endParaRPr lang="en-US" dirty="0"/>
                     </a:p>
@@ -5821,7 +5971,11 @@
                       </a:r>
                       <a:r>
                         <a:rPr lang="en-US" baseline="0" dirty="0" smtClean="0"/>
-                        <a:t> -0.25]</a:t>
+                        <a:t> -</a:t>
+                      </a:r>
+                      <a:r>
+                        <a:rPr lang="en-US" baseline="0" dirty="0" smtClean="0"/>
+                        <a:t>0.25[</a:t>
                       </a:r>
                       <a:endParaRPr lang="en-US" dirty="0" smtClean="0"/>
                     </a:p>
@@ -5886,7 +6040,11 @@
                       </a:r>
                       <a:r>
                         <a:rPr lang="en-US" baseline="0" dirty="0" smtClean="0"/>
-                        <a:t> 0.25]</a:t>
+                        <a:t> </a:t>
+                      </a:r>
+                      <a:r>
+                        <a:rPr lang="en-US" baseline="0" dirty="0" smtClean="0"/>
+                        <a:t>0.25[</a:t>
                       </a:r>
                       <a:endParaRPr lang="en-US" dirty="0" smtClean="0"/>
                     </a:p>
@@ -5951,7 +6109,11 @@
                       </a:r>
                       <a:r>
                         <a:rPr lang="en-US" baseline="0" dirty="0" smtClean="0"/>
-                        <a:t> 0.75]</a:t>
+                        <a:t> </a:t>
+                      </a:r>
+                      <a:r>
+                        <a:rPr lang="en-US" baseline="0" dirty="0" smtClean="0"/>
+                        <a:t>0.75[</a:t>
                       </a:r>
                       <a:endParaRPr lang="en-US" dirty="0" smtClean="0"/>
                     </a:p>
@@ -6798,12 +6960,28 @@
               <a:t>Test Multi Target </a:t>
             </a:r>
             <a:r>
-              <a:rPr lang="en-US" b="1" dirty="0" err="1"/>
+              <a:rPr lang="en-US" b="1" dirty="0" err="1" smtClean="0"/>
               <a:t>Regressors</a:t>
             </a:r>
             <a:r>
+              <a:rPr lang="en-US" b="1" dirty="0" smtClean="0"/>
+              <a:t> (</a:t>
+            </a:r>
+            <a:r>
+              <a:rPr lang="en-US" b="1" dirty="0" err="1" smtClean="0"/>
+              <a:t>Scikit</a:t>
+            </a:r>
+            <a:r>
+              <a:rPr lang="en-US" b="1" dirty="0" smtClean="0"/>
+              <a:t>)</a:t>
+            </a:r>
+            <a:r>
+              <a:rPr lang="en-US" b="1" dirty="0" smtClean="0"/>
+              <a:t> </a:t>
+            </a:r>
+            <a:r>
               <a:rPr lang="en-US" b="1" dirty="0"/>
-              <a:t> </a:t>
+              <a:t/>
             </a:r>
             <a:br>
               <a:rPr lang="en-US" b="1" dirty="0"/>
@@ -7198,6 +7376,287 @@
 </file>
 
 <file path=ppt/slides/slide7.xml><?xml version="1.0" encoding="utf-8"?>
+<p:sld xmlns:a="http://schemas.openxmlformats.org/drawingml/2006/main" xmlns:r="http://schemas.openxmlformats.org/officeDocument/2006/relationships" xmlns:p="http://schemas.openxmlformats.org/presentationml/2006/main">
+  <p:cSld>
+    <p:spTree>
+      <p:nvGrpSpPr>
+        <p:cNvPr id="1" name=""/>
+        <p:cNvGrpSpPr/>
+        <p:nvPr/>
+      </p:nvGrpSpPr>
+      <p:grpSpPr>
+        <a:xfrm>
+          <a:off x="0" y="0"/>
+          <a:ext cx="0" cy="0"/>
+          <a:chOff x="0" y="0"/>
+          <a:chExt cx="0" cy="0"/>
+        </a:xfrm>
+      </p:grpSpPr>
+      <p:sp>
+        <p:nvSpPr>
+          <p:cNvPr id="2" name="Titre 1"/>
+          <p:cNvSpPr>
+            <a:spLocks noGrp="1"/>
+          </p:cNvSpPr>
+          <p:nvPr>
+            <p:ph type="title"/>
+          </p:nvPr>
+        </p:nvSpPr>
+        <p:spPr/>
+        <p:txBody>
+          <a:bodyPr>
+            <a:normAutofit/>
+          </a:bodyPr>
+          <a:lstStyle/>
+          <a:p>
+            <a:r>
+              <a:rPr lang="en-US" b="1" dirty="0" smtClean="0"/>
+              <a:t>Regression using </a:t>
+            </a:r>
+            <a:r>
+              <a:rPr lang="en-US" b="1" dirty="0" err="1" smtClean="0"/>
+              <a:t>Tensorflow</a:t>
+            </a:r>
+            <a:r>
+              <a:rPr lang="en-US" b="1" dirty="0" smtClean="0"/>
+              <a:t> ANN</a:t>
+            </a:r>
+            <a:r>
+              <a:rPr lang="en-US" b="1" dirty="0"/>
+              <a:t/>
+            </a:r>
+            <a:br>
+              <a:rPr lang="en-US" b="1" dirty="0"/>
+            </a:br>
+            <a:r>
+              <a:rPr lang="en-US" sz="4300" b="1" dirty="0"/>
+              <a:t>(Scored </a:t>
+            </a:r>
+            <a:r>
+              <a:rPr lang="en-US" sz="4300" b="1" dirty="0" smtClean="0"/>
+              <a:t>Goals)</a:t>
+            </a:r>
+            <a:endParaRPr lang="en-US" sz="4300" b="1" dirty="0"/>
+          </a:p>
+        </p:txBody>
+      </p:sp>
+      <p:sp>
+        <p:nvSpPr>
+          <p:cNvPr id="3" name="Espace réservé du contenu 2"/>
+          <p:cNvSpPr>
+            <a:spLocks noGrp="1"/>
+          </p:cNvSpPr>
+          <p:nvPr>
+            <p:ph idx="1"/>
+          </p:nvPr>
+        </p:nvSpPr>
+        <p:spPr/>
+        <p:txBody>
+          <a:bodyPr>
+            <a:normAutofit/>
+          </a:bodyPr>
+          <a:lstStyle/>
+          <a:p>
+            <a:pPr marL="285750" indent="-285750">
+              <a:buClr>
+                <a:schemeClr val="accent1">
+                  <a:lumMod val="75000"/>
+                </a:schemeClr>
+              </a:buClr>
+              <a:buFont typeface="Arial" panose="020B0604020202020204" pitchFamily="34" charset="0"/>
+              <a:buChar char="▌"/>
+            </a:pPr>
+            <a:r>
+              <a:rPr lang="en-US" b="1" dirty="0" smtClean="0"/>
+              <a:t>ANN</a:t>
+            </a:r>
+            <a:endParaRPr lang="en-US" b="1" dirty="0"/>
+          </a:p>
+          <a:p>
+            <a:pPr marL="742950" lvl="1" indent="-285750">
+              <a:buClr>
+                <a:schemeClr val="accent1">
+                  <a:lumMod val="60000"/>
+                  <a:lumOff val="40000"/>
+                </a:schemeClr>
+              </a:buClr>
+              <a:buFont typeface="Arial" panose="020B0604020202020204" pitchFamily="34" charset="0"/>
+              <a:buChar char="►"/>
+            </a:pPr>
+            <a:r>
+              <a:rPr lang="en-US" dirty="0"/>
+              <a:t> </a:t>
+            </a:r>
+            <a:r>
+              <a:rPr lang="en-US" dirty="0" smtClean="0"/>
+              <a:t>21 features in Input layer, 3 Hidden layers (30,20,10) and Output layer (2)</a:t>
+            </a:r>
+          </a:p>
+          <a:p>
+            <a:pPr marL="742950" lvl="1" indent="-285750">
+              <a:buClr>
+                <a:schemeClr val="accent1">
+                  <a:lumMod val="60000"/>
+                  <a:lumOff val="40000"/>
+                </a:schemeClr>
+              </a:buClr>
+              <a:buFont typeface="Arial" panose="020B0604020202020204" pitchFamily="34" charset="0"/>
+              <a:buChar char="►"/>
+            </a:pPr>
+            <a:r>
+              <a:rPr lang="en-US" dirty="0" smtClean="0"/>
+              <a:t> Quality </a:t>
+            </a:r>
+            <a:r>
+              <a:rPr lang="en-US" dirty="0" smtClean="0"/>
+              <a:t>Model: </a:t>
+            </a:r>
+            <a:endParaRPr lang="en-US" dirty="0" smtClean="0"/>
+          </a:p>
+          <a:p>
+            <a:pPr marL="1200150" lvl="2" indent="-285750">
+              <a:buClr>
+                <a:schemeClr val="accent1">
+                  <a:lumMod val="60000"/>
+                  <a:lumOff val="40000"/>
+                </a:schemeClr>
+              </a:buClr>
+              <a:buFont typeface="Arial" panose="020B0604020202020204" pitchFamily="34" charset="0"/>
+              <a:buChar char="►"/>
+            </a:pPr>
+            <a:r>
+              <a:rPr lang="en-US" dirty="0" smtClean="0"/>
+              <a:t>Training: 79</a:t>
+            </a:r>
+            <a:r>
+              <a:rPr lang="en-US" dirty="0" smtClean="0"/>
+              <a:t>% (Home</a:t>
+            </a:r>
+            <a:r>
+              <a:rPr lang="en-US" dirty="0"/>
+              <a:t>: </a:t>
+            </a:r>
+            <a:r>
+              <a:rPr lang="en-US" dirty="0" smtClean="0"/>
+              <a:t>78%, Away:80%)</a:t>
+            </a:r>
+          </a:p>
+          <a:p>
+            <a:pPr marL="1200150" lvl="2" indent="-285750">
+              <a:buClr>
+                <a:schemeClr val="accent1">
+                  <a:lumMod val="60000"/>
+                  <a:lumOff val="40000"/>
+                </a:schemeClr>
+              </a:buClr>
+              <a:buFont typeface="Arial" panose="020B0604020202020204" pitchFamily="34" charset="0"/>
+              <a:buChar char="►"/>
+            </a:pPr>
+            <a:r>
+              <a:rPr lang="en-US" dirty="0" smtClean="0"/>
+              <a:t>Test: 78% </a:t>
+            </a:r>
+            <a:r>
+              <a:rPr lang="en-US" dirty="0"/>
+              <a:t>(Home: 77%, </a:t>
+            </a:r>
+            <a:r>
+              <a:rPr lang="en-US" dirty="0" smtClean="0"/>
+              <a:t>Away:80%)</a:t>
+            </a:r>
+            <a:endParaRPr lang="en-US" dirty="0"/>
+          </a:p>
+          <a:p>
+            <a:pPr marL="1200150" lvl="2" indent="-285750">
+              <a:buClr>
+                <a:schemeClr val="accent1">
+                  <a:lumMod val="60000"/>
+                  <a:lumOff val="40000"/>
+                </a:schemeClr>
+              </a:buClr>
+              <a:buFont typeface="Arial" panose="020B0604020202020204" pitchFamily="34" charset="0"/>
+              <a:buChar char="►"/>
+            </a:pPr>
+            <a:endParaRPr lang="en-US" dirty="0" smtClean="0"/>
+          </a:p>
+          <a:p>
+            <a:pPr marL="742950" lvl="1" indent="-285750">
+              <a:buClr>
+                <a:schemeClr val="accent1">
+                  <a:lumMod val="60000"/>
+                  <a:lumOff val="40000"/>
+                </a:schemeClr>
+              </a:buClr>
+              <a:buFont typeface="Arial" panose="020B0604020202020204" pitchFamily="34" charset="0"/>
+              <a:buChar char="►"/>
+            </a:pPr>
+            <a:endParaRPr lang="en-US" dirty="0"/>
+          </a:p>
+          <a:p>
+            <a:pPr marL="0" indent="0">
+              <a:buClr>
+                <a:schemeClr val="accent1">
+                  <a:lumMod val="75000"/>
+                </a:schemeClr>
+              </a:buClr>
+              <a:buNone/>
+            </a:pPr>
+            <a:endParaRPr lang="en-US" dirty="0" smtClean="0"/>
+          </a:p>
+          <a:p>
+            <a:pPr marL="457200" lvl="1" indent="0">
+              <a:buClr>
+                <a:schemeClr val="accent1">
+                  <a:lumMod val="60000"/>
+                  <a:lumOff val="40000"/>
+                </a:schemeClr>
+              </a:buClr>
+              <a:buNone/>
+            </a:pPr>
+            <a:endParaRPr lang="en-US" dirty="0"/>
+          </a:p>
+        </p:txBody>
+      </p:sp>
+      <p:sp>
+        <p:nvSpPr>
+          <p:cNvPr id="5" name="Espace réservé du pied de page 4"/>
+          <p:cNvSpPr>
+            <a:spLocks noGrp="1"/>
+          </p:cNvSpPr>
+          <p:nvPr>
+            <p:ph type="ftr" sz="quarter" idx="11"/>
+          </p:nvPr>
+        </p:nvSpPr>
+        <p:spPr/>
+        <p:txBody>
+          <a:bodyPr/>
+          <a:lstStyle/>
+          <a:p>
+            <a:endParaRPr lang="de-DE" dirty="0"/>
+          </a:p>
+        </p:txBody>
+      </p:sp>
+    </p:spTree>
+    <p:extLst>
+      <p:ext uri="{BB962C8B-B14F-4D97-AF65-F5344CB8AC3E}">
+        <p14:creationId xmlns:p14="http://schemas.microsoft.com/office/powerpoint/2010/main" val="2591475609"/>
+      </p:ext>
+    </p:extLst>
+  </p:cSld>
+  <p:clrMapOvr>
+    <a:masterClrMapping/>
+  </p:clrMapOvr>
+  <p:timing>
+    <p:tnLst>
+      <p:par>
+        <p:cTn id="1" dur="indefinite" restart="never" nodeType="tmRoot"/>
+      </p:par>
+    </p:tnLst>
+  </p:timing>
+</p:sld>
+</file>
+
+<file path=ppt/slides/slide8.xml><?xml version="1.0" encoding="utf-8"?>
 <p:sld xmlns:a="http://schemas.openxmlformats.org/drawingml/2006/main" xmlns:r="http://schemas.openxmlformats.org/officeDocument/2006/relationships" xmlns:p="http://schemas.openxmlformats.org/presentationml/2006/main">
   <p:cSld>
     <p:spTree>

--- a/Daily/sprint8/Sprint8_Review.pptx
+++ b/Daily/sprint8/Sprint8_Review.pptx
@@ -5,7 +5,7 @@
     <p:sldMasterId id="2147483648" r:id="rId1"/>
   </p:sldMasterIdLst>
   <p:notesMasterIdLst>
-    <p:notesMasterId r:id="rId10"/>
+    <p:notesMasterId r:id="rId11"/>
   </p:notesMasterIdLst>
   <p:sldIdLst>
     <p:sldId id="256" r:id="rId2"/>
@@ -15,7 +15,8 @@
     <p:sldId id="272" r:id="rId6"/>
     <p:sldId id="261" r:id="rId7"/>
     <p:sldId id="273" r:id="rId8"/>
-    <p:sldId id="262" r:id="rId9"/>
+    <p:sldId id="274" r:id="rId9"/>
+    <p:sldId id="262" r:id="rId10"/>
   </p:sldIdLst>
   <p:sldSz cx="12192000" cy="6858000"/>
   <p:notesSz cx="6858000" cy="9144000"/>
@@ -126,12 +127,12 @@
 <p1510:revInfo xmlns:a="http://schemas.openxmlformats.org/drawingml/2006/main" xmlns:r="http://schemas.openxmlformats.org/officeDocument/2006/relationships" xmlns:p1510="http://schemas.microsoft.com/office/powerpoint/2015/10/main">
   <p1510:revLst>
     <p1510:client id="{20A3EE01-A5DE-4061-8792-411F3BD47289}" v="42" dt="2020-01-19T10:03:37.844"/>
+    <p1510:client id="{C631908C-1A98-4B70-95DA-3D04A3C60BBB}" v="171" dt="2020-01-21T12:32:07.929"/>
     <p1510:client id="{45FD4B75-A3FC-44CB-82E5-76D6F7DD7E3B}" v="375" dt="2020-01-19T13:46:40.518"/>
     <p1510:client id="{5343ECE3-9E46-444C-A3E7-13AED39F1A6F}" v="194" dt="2020-01-19T09:07:38.824"/>
     <p1510:client id="{6F85AB3B-9C26-4979-A8FD-2AB86F961360}" v="566" dt="2020-01-19T11:36:28.921"/>
+    <p1510:client id="{FE7B93E8-EE30-4C20-B6B5-A7FAB8A0E614}" v="635" dt="2020-01-19T13:03:37.165"/>
     <p1510:client id="{88307E76-9AA9-468C-AF85-650B13E9EA55}" v="12" dt="2020-01-19T09:35:01.725"/>
-    <p1510:client id="{C631908C-1A98-4B70-95DA-3D04A3C60BBB}" v="171" dt="2020-01-21T12:32:07.929"/>
-    <p1510:client id="{FE7B93E8-EE30-4C20-B6B5-A7FAB8A0E614}" v="635" dt="2020-01-19T13:03:37.165"/>
   </p1510:revLst>
 </p1510:revInfo>
 </file>
@@ -848,7 +849,7 @@
           <a:p>
             <a:fld id="{9CDC8AA7-8D38-46C0-86D3-87BDB8133F92}" type="datetimeFigureOut">
               <a:rPr lang="de-DE" smtClean="0"/>
-              <a:t>03.06.2020</a:t>
+              <a:t>08.06.2020</a:t>
             </a:fld>
             <a:endParaRPr lang="de-DE"/>
           </a:p>
@@ -1006,7 +1007,7 @@
           <a:p>
             <a:fld id="{10D08ABD-147D-43D8-AD0E-C56070E2C69D}" type="slidenum">
               <a:rPr lang="de-DE" smtClean="0"/>
-              <a:t>‹N°›</a:t>
+              <a:t>‹Nr.›</a:t>
             </a:fld>
             <a:endParaRPr lang="de-DE"/>
           </a:p>
@@ -1261,10 +1262,9 @@
           <a:lstStyle/>
           <a:p>
             <a:r>
-              <a:rPr lang="en-US" dirty="0" smtClean="0"/>
+              <a:rPr lang="en-US" dirty="0"/>
               <a:t>Decoded to 0 1 2 3 4 </a:t>
             </a:r>
-            <a:endParaRPr lang="en-US" dirty="0"/>
           </a:p>
         </p:txBody>
       </p:sp>
@@ -1366,90 +1366,89 @@
               <a:defRPr/>
             </a:pPr>
             <a:r>
-              <a:rPr lang="en-US" dirty="0" smtClean="0"/>
+              <a:rPr lang="en-US" dirty="0"/>
               <a:t>abs (</a:t>
             </a:r>
             <a:r>
-              <a:rPr lang="en-US" dirty="0" err="1" smtClean="0"/>
+              <a:rPr lang="en-US" dirty="0" err="1"/>
               <a:t>yoriginal_home</a:t>
             </a:r>
             <a:r>
-              <a:rPr lang="en-US" dirty="0" smtClean="0"/>
+              <a:rPr lang="en-US" dirty="0"/>
               <a:t> – </a:t>
             </a:r>
             <a:r>
-              <a:rPr lang="en-US" dirty="0" err="1" smtClean="0"/>
+              <a:rPr lang="en-US" dirty="0" err="1"/>
               <a:t>ypred_home</a:t>
             </a:r>
             <a:r>
-              <a:rPr lang="en-US" dirty="0" smtClean="0"/>
+              <a:rPr lang="en-US" dirty="0"/>
               <a:t>) + abs (</a:t>
             </a:r>
             <a:r>
-              <a:rPr lang="en-US" dirty="0" err="1" smtClean="0"/>
+              <a:rPr lang="en-US" dirty="0" err="1"/>
               <a:t>yoriginal_away</a:t>
             </a:r>
             <a:r>
-              <a:rPr lang="en-US" dirty="0" smtClean="0"/>
+              <a:rPr lang="en-US" dirty="0"/>
               <a:t> – </a:t>
             </a:r>
             <a:r>
-              <a:rPr lang="en-US" dirty="0" err="1" smtClean="0"/>
+              <a:rPr lang="en-US" dirty="0" err="1"/>
               <a:t>ypred_away</a:t>
             </a:r>
             <a:r>
-              <a:rPr lang="en-US" dirty="0" smtClean="0"/>
+              <a:rPr lang="en-US" dirty="0"/>
               <a:t>) =&gt; score !!</a:t>
             </a:r>
           </a:p>
           <a:p>
             <a:r>
-              <a:rPr lang="en-US" dirty="0" smtClean="0"/>
+              <a:rPr lang="en-US" dirty="0"/>
               <a:t>OR </a:t>
             </a:r>
           </a:p>
           <a:p>
             <a:r>
-              <a:rPr lang="en-US" dirty="0" smtClean="0"/>
+              <a:rPr lang="en-US" dirty="0"/>
               <a:t>abs (</a:t>
             </a:r>
             <a:r>
-              <a:rPr lang="en-US" dirty="0" err="1" smtClean="0"/>
+              <a:rPr lang="en-US" dirty="0" err="1"/>
               <a:t>yoriginal_home</a:t>
             </a:r>
             <a:r>
-              <a:rPr lang="en-US" dirty="0" smtClean="0"/>
+              <a:rPr lang="en-US" dirty="0"/>
               <a:t> – </a:t>
             </a:r>
             <a:r>
-              <a:rPr lang="en-US" dirty="0" err="1" smtClean="0"/>
+              <a:rPr lang="en-US" dirty="0" err="1"/>
               <a:t>ypred_home</a:t>
             </a:r>
             <a:r>
-              <a:rPr lang="en-US" dirty="0" smtClean="0"/>
+              <a:rPr lang="en-US" dirty="0"/>
               <a:t>) :  </a:t>
             </a:r>
           </a:p>
           <a:p>
-            <a:endParaRPr lang="en-US" dirty="0" smtClean="0"/>
-          </a:p>
-          <a:p>
-            <a:endParaRPr lang="en-US" dirty="0" smtClean="0"/>
-          </a:p>
-          <a:p>
-            <a:r>
-              <a:rPr lang="en-US" dirty="0" smtClean="0"/>
+            <a:endParaRPr lang="en-US" dirty="0"/>
+          </a:p>
+          <a:p>
+            <a:endParaRPr lang="en-US" dirty="0"/>
+          </a:p>
+          <a:p>
+            <a:r>
+              <a:rPr lang="en-US" dirty="0"/>
               <a:t>Difference between them! Are they independent or not (goals</a:t>
             </a:r>
             <a:r>
-              <a:rPr lang="en-US" baseline="0" dirty="0" smtClean="0"/>
+              <a:rPr lang="en-US" baseline="0" dirty="0"/>
               <a:t>)</a:t>
             </a:r>
             <a:r>
-              <a:rPr lang="en-US" dirty="0" smtClean="0"/>
+              <a:rPr lang="en-US" dirty="0"/>
               <a:t>!!</a:t>
             </a:r>
-            <a:endParaRPr lang="en-US" dirty="0"/>
           </a:p>
         </p:txBody>
       </p:sp>
@@ -1534,19 +1533,19 @@
           <a:lstStyle/>
           <a:p>
             <a:r>
-              <a:rPr lang="en-US" dirty="0" smtClean="0"/>
+              <a:rPr lang="en-US" dirty="0"/>
               <a:t>R^2 (coefficient of determination) regression score function.</a:t>
             </a:r>
           </a:p>
           <a:p>
             <a:r>
-              <a:rPr lang="en-US" dirty="0" smtClean="0"/>
+              <a:rPr lang="en-US" dirty="0"/>
               <a:t>Best possible score is 1.0 and it can be negative (because the model can be arbitrarily worse). A constant model that always predicts the expected value of y, disregarding the input features, would get a R^2 score of 0.0.</a:t>
             </a:r>
           </a:p>
           <a:p>
             <a:r>
-              <a:rPr lang="en-US" dirty="0" smtClean="0"/>
+              <a:rPr lang="en-US" dirty="0"/>
               <a:t>https://scikit-learn.org/stable/modules/generated/sklearn.metrics.r2_score.html#sklearn.metrics.r2_score</a:t>
             </a:r>
           </a:p>
@@ -1636,19 +1635,19 @@
           <a:lstStyle/>
           <a:p>
             <a:r>
-              <a:rPr lang="en-US" dirty="0" smtClean="0"/>
+              <a:rPr lang="en-US" dirty="0"/>
               <a:t>R^2 (coefficient of determination) regression score function.</a:t>
             </a:r>
           </a:p>
           <a:p>
             <a:r>
-              <a:rPr lang="en-US" dirty="0" smtClean="0"/>
+              <a:rPr lang="en-US" dirty="0"/>
               <a:t>Best possible score is 1.0 and it can be negative (because the model can be arbitrarily worse). A constant model that always predicts the expected value of y, disregarding the input features, would get a R^2 score of 0.0.</a:t>
             </a:r>
           </a:p>
           <a:p>
             <a:r>
-              <a:rPr lang="en-US" dirty="0" smtClean="0"/>
+              <a:rPr lang="en-US" dirty="0"/>
               <a:t>https://scikit-learn.org/stable/modules/generated/sklearn.metrics.r2_score.html#sklearn.metrics.r2_score</a:t>
             </a:r>
           </a:p>
@@ -1684,6 +1683,90 @@
     <p:extLst>
       <p:ext uri="{BB962C8B-B14F-4D97-AF65-F5344CB8AC3E}">
         <p14:creationId xmlns:p14="http://schemas.microsoft.com/office/powerpoint/2010/main" val="1832176729"/>
+      </p:ext>
+    </p:extLst>
+  </p:cSld>
+  <p:clrMapOvr>
+    <a:masterClrMapping/>
+  </p:clrMapOvr>
+</p:notes>
+</file>
+
+<file path=ppt/notesSlides/notesSlide6.xml><?xml version="1.0" encoding="utf-8"?>
+<p:notes xmlns:a="http://schemas.openxmlformats.org/drawingml/2006/main" xmlns:r="http://schemas.openxmlformats.org/officeDocument/2006/relationships" xmlns:p="http://schemas.openxmlformats.org/presentationml/2006/main">
+  <p:cSld>
+    <p:spTree>
+      <p:nvGrpSpPr>
+        <p:cNvPr id="1" name=""/>
+        <p:cNvGrpSpPr/>
+        <p:nvPr/>
+      </p:nvGrpSpPr>
+      <p:grpSpPr>
+        <a:xfrm>
+          <a:off x="0" y="0"/>
+          <a:ext cx="0" cy="0"/>
+          <a:chOff x="0" y="0"/>
+          <a:chExt cx="0" cy="0"/>
+        </a:xfrm>
+      </p:grpSpPr>
+      <p:sp>
+        <p:nvSpPr>
+          <p:cNvPr id="2" name="Espace réservé de l'image des diapositives 1"/>
+          <p:cNvSpPr>
+            <a:spLocks noGrp="1" noRot="1" noChangeAspect="1"/>
+          </p:cNvSpPr>
+          <p:nvPr>
+            <p:ph type="sldImg"/>
+          </p:nvPr>
+        </p:nvSpPr>
+        <p:spPr/>
+      </p:sp>
+      <p:sp>
+        <p:nvSpPr>
+          <p:cNvPr id="3" name="Espace réservé des commentaires 2"/>
+          <p:cNvSpPr>
+            <a:spLocks noGrp="1"/>
+          </p:cNvSpPr>
+          <p:nvPr>
+            <p:ph type="body" idx="1"/>
+          </p:nvPr>
+        </p:nvSpPr>
+        <p:spPr/>
+        <p:txBody>
+          <a:bodyPr/>
+          <a:lstStyle/>
+          <a:p>
+            <a:endParaRPr lang="en-US" dirty="0"/>
+          </a:p>
+        </p:txBody>
+      </p:sp>
+      <p:sp>
+        <p:nvSpPr>
+          <p:cNvPr id="4" name="Espace réservé du numéro de diapositive 3"/>
+          <p:cNvSpPr>
+            <a:spLocks noGrp="1"/>
+          </p:cNvSpPr>
+          <p:nvPr>
+            <p:ph type="sldNum" sz="quarter" idx="10"/>
+          </p:nvPr>
+        </p:nvSpPr>
+        <p:spPr/>
+        <p:txBody>
+          <a:bodyPr/>
+          <a:lstStyle/>
+          <a:p>
+            <a:fld id="{10D08ABD-147D-43D8-AD0E-C56070E2C69D}" type="slidenum">
+              <a:rPr lang="de-DE" smtClean="0"/>
+              <a:t>8</a:t>
+            </a:fld>
+            <a:endParaRPr lang="de-DE"/>
+          </a:p>
+        </p:txBody>
+      </p:sp>
+    </p:spTree>
+    <p:extLst>
+      <p:ext uri="{BB962C8B-B14F-4D97-AF65-F5344CB8AC3E}">
+        <p14:creationId xmlns:p14="http://schemas.microsoft.com/office/powerpoint/2010/main" val="51832169"/>
       </p:ext>
     </p:extLst>
   </p:cSld>
@@ -1715,7 +1798,7 @@
           <p:cNvPr id="2" name="Titel 1">
             <a:extLst>
               <a:ext uri="{FF2B5EF4-FFF2-40B4-BE49-F238E27FC236}">
-                <a16:creationId xmlns:a16="http://schemas.microsoft.com/office/drawing/2014/main" xmlns="" id="{701EABE2-81DB-4A57-87BD-BAC9B81DA953}"/>
+                <a16:creationId xmlns:a16="http://schemas.microsoft.com/office/drawing/2014/main" id="{701EABE2-81DB-4A57-87BD-BAC9B81DA953}"/>
               </a:ext>
             </a:extLst>
           </p:cNvPr>
@@ -1752,7 +1835,7 @@
           <p:cNvPr id="3" name="Untertitel 2">
             <a:extLst>
               <a:ext uri="{FF2B5EF4-FFF2-40B4-BE49-F238E27FC236}">
-                <a16:creationId xmlns:a16="http://schemas.microsoft.com/office/drawing/2014/main" xmlns="" id="{9E44B19B-9953-4462-B98C-34C559DFD4BA}"/>
+                <a16:creationId xmlns:a16="http://schemas.microsoft.com/office/drawing/2014/main" id="{9E44B19B-9953-4462-B98C-34C559DFD4BA}"/>
               </a:ext>
             </a:extLst>
           </p:cNvPr>
@@ -1822,7 +1905,7 @@
           <p:cNvPr id="4" name="Datumsplatzhalter 3">
             <a:extLst>
               <a:ext uri="{FF2B5EF4-FFF2-40B4-BE49-F238E27FC236}">
-                <a16:creationId xmlns:a16="http://schemas.microsoft.com/office/drawing/2014/main" xmlns="" id="{85282A0B-87AA-4F5C-9252-AB7E74ABF29B}"/>
+                <a16:creationId xmlns:a16="http://schemas.microsoft.com/office/drawing/2014/main" id="{85282A0B-87AA-4F5C-9252-AB7E74ABF29B}"/>
               </a:ext>
             </a:extLst>
           </p:cNvPr>
@@ -1840,7 +1923,7 @@
           <a:p>
             <a:fld id="{A0154FCB-26A0-42BF-A80B-20225EC23B31}" type="datetime1">
               <a:rPr lang="de-DE" smtClean="0"/>
-              <a:t>03.06.2020</a:t>
+              <a:t>08.06.2020</a:t>
             </a:fld>
             <a:endParaRPr lang="de-DE" dirty="0"/>
           </a:p>
@@ -1851,7 +1934,7 @@
           <p:cNvPr id="5" name="Fußzeilenplatzhalter 4">
             <a:extLst>
               <a:ext uri="{FF2B5EF4-FFF2-40B4-BE49-F238E27FC236}">
-                <a16:creationId xmlns:a16="http://schemas.microsoft.com/office/drawing/2014/main" xmlns="" id="{CCE46F71-BCF6-41F3-8C17-381DF36140FE}"/>
+                <a16:creationId xmlns:a16="http://schemas.microsoft.com/office/drawing/2014/main" id="{CCE46F71-BCF6-41F3-8C17-381DF36140FE}"/>
               </a:ext>
             </a:extLst>
           </p:cNvPr>
@@ -1876,7 +1959,7 @@
           <p:cNvPr id="6" name="Foliennummernplatzhalter 5">
             <a:extLst>
               <a:ext uri="{FF2B5EF4-FFF2-40B4-BE49-F238E27FC236}">
-                <a16:creationId xmlns:a16="http://schemas.microsoft.com/office/drawing/2014/main" xmlns="" id="{DF41A37E-A33B-4798-9922-3B8B5AE5A27B}"/>
+                <a16:creationId xmlns:a16="http://schemas.microsoft.com/office/drawing/2014/main" id="{DF41A37E-A33B-4798-9922-3B8B5AE5A27B}"/>
               </a:ext>
             </a:extLst>
           </p:cNvPr>
@@ -1902,7 +1985,7 @@
           <a:p>
             <a:fld id="{9A48FC86-4651-46AF-9E4A-D3FC30E17613}" type="slidenum">
               <a:rPr lang="de-DE" smtClean="0"/>
-              <a:t>‹N°›</a:t>
+              <a:t>‹Nr.›</a:t>
             </a:fld>
             <a:endParaRPr lang="de-DE"/>
           </a:p>
@@ -1943,7 +2026,7 @@
           <p:cNvPr id="2" name="Titel 1">
             <a:extLst>
               <a:ext uri="{FF2B5EF4-FFF2-40B4-BE49-F238E27FC236}">
-                <a16:creationId xmlns:a16="http://schemas.microsoft.com/office/drawing/2014/main" xmlns="" id="{FCE4A30D-3A8C-4B77-B82E-724CCF54EFD5}"/>
+                <a16:creationId xmlns:a16="http://schemas.microsoft.com/office/drawing/2014/main" id="{FCE4A30D-3A8C-4B77-B82E-724CCF54EFD5}"/>
               </a:ext>
             </a:extLst>
           </p:cNvPr>
@@ -1971,7 +2054,7 @@
           <p:cNvPr id="3" name="Vertikaler Textplatzhalter 2">
             <a:extLst>
               <a:ext uri="{FF2B5EF4-FFF2-40B4-BE49-F238E27FC236}">
-                <a16:creationId xmlns:a16="http://schemas.microsoft.com/office/drawing/2014/main" xmlns="" id="{D0312C4C-DD67-420D-AE80-FBF20CAD00FE}"/>
+                <a16:creationId xmlns:a16="http://schemas.microsoft.com/office/drawing/2014/main" id="{D0312C4C-DD67-420D-AE80-FBF20CAD00FE}"/>
               </a:ext>
             </a:extLst>
           </p:cNvPr>
@@ -2028,7 +2111,7 @@
           <p:cNvPr id="4" name="Datumsplatzhalter 3">
             <a:extLst>
               <a:ext uri="{FF2B5EF4-FFF2-40B4-BE49-F238E27FC236}">
-                <a16:creationId xmlns:a16="http://schemas.microsoft.com/office/drawing/2014/main" xmlns="" id="{752D94C2-424D-4096-8FAE-F12A3D4A5C7D}"/>
+                <a16:creationId xmlns:a16="http://schemas.microsoft.com/office/drawing/2014/main" id="{752D94C2-424D-4096-8FAE-F12A3D4A5C7D}"/>
               </a:ext>
             </a:extLst>
           </p:cNvPr>
@@ -2046,7 +2129,7 @@
           <a:p>
             <a:fld id="{C77B1F25-795A-4991-A2E6-423F583D3AC9}" type="datetime1">
               <a:rPr lang="de-DE" smtClean="0"/>
-              <a:t>03.06.2020</a:t>
+              <a:t>08.06.2020</a:t>
             </a:fld>
             <a:endParaRPr lang="de-DE"/>
           </a:p>
@@ -2057,7 +2140,7 @@
           <p:cNvPr id="5" name="Fußzeilenplatzhalter 4">
             <a:extLst>
               <a:ext uri="{FF2B5EF4-FFF2-40B4-BE49-F238E27FC236}">
-                <a16:creationId xmlns:a16="http://schemas.microsoft.com/office/drawing/2014/main" xmlns="" id="{02BB29D6-C358-4D1F-90A7-5282C5CF3A2B}"/>
+                <a16:creationId xmlns:a16="http://schemas.microsoft.com/office/drawing/2014/main" id="{02BB29D6-C358-4D1F-90A7-5282C5CF3A2B}"/>
               </a:ext>
             </a:extLst>
           </p:cNvPr>
@@ -2082,7 +2165,7 @@
           <p:cNvPr id="6" name="Foliennummernplatzhalter 5">
             <a:extLst>
               <a:ext uri="{FF2B5EF4-FFF2-40B4-BE49-F238E27FC236}">
-                <a16:creationId xmlns:a16="http://schemas.microsoft.com/office/drawing/2014/main" xmlns="" id="{AE9CFC43-FC34-49A0-9C58-C1BA7EAB4CD1}"/>
+                <a16:creationId xmlns:a16="http://schemas.microsoft.com/office/drawing/2014/main" id="{AE9CFC43-FC34-49A0-9C58-C1BA7EAB4CD1}"/>
               </a:ext>
             </a:extLst>
           </p:cNvPr>
@@ -2108,7 +2191,7 @@
           <a:p>
             <a:fld id="{9A48FC86-4651-46AF-9E4A-D3FC30E17613}" type="slidenum">
               <a:rPr lang="de-DE" smtClean="0"/>
-              <a:t>‹N°›</a:t>
+              <a:t>‹Nr.›</a:t>
             </a:fld>
             <a:endParaRPr lang="de-DE"/>
           </a:p>
@@ -2149,7 +2232,7 @@
           <p:cNvPr id="2" name="Vertikaler Titel 1">
             <a:extLst>
               <a:ext uri="{FF2B5EF4-FFF2-40B4-BE49-F238E27FC236}">
-                <a16:creationId xmlns:a16="http://schemas.microsoft.com/office/drawing/2014/main" xmlns="" id="{C6AE7126-CFA4-458D-B5F5-AA476ABB117D}"/>
+                <a16:creationId xmlns:a16="http://schemas.microsoft.com/office/drawing/2014/main" id="{C6AE7126-CFA4-458D-B5F5-AA476ABB117D}"/>
               </a:ext>
             </a:extLst>
           </p:cNvPr>
@@ -2182,7 +2265,7 @@
           <p:cNvPr id="3" name="Vertikaler Textplatzhalter 2">
             <a:extLst>
               <a:ext uri="{FF2B5EF4-FFF2-40B4-BE49-F238E27FC236}">
-                <a16:creationId xmlns:a16="http://schemas.microsoft.com/office/drawing/2014/main" xmlns="" id="{E4719945-B69E-4CB7-AF62-A8E248C097C4}"/>
+                <a16:creationId xmlns:a16="http://schemas.microsoft.com/office/drawing/2014/main" id="{E4719945-B69E-4CB7-AF62-A8E248C097C4}"/>
               </a:ext>
             </a:extLst>
           </p:cNvPr>
@@ -2244,7 +2327,7 @@
           <p:cNvPr id="4" name="Datumsplatzhalter 3">
             <a:extLst>
               <a:ext uri="{FF2B5EF4-FFF2-40B4-BE49-F238E27FC236}">
-                <a16:creationId xmlns:a16="http://schemas.microsoft.com/office/drawing/2014/main" xmlns="" id="{194C9456-1825-45D5-AFC8-7437C4E58D48}"/>
+                <a16:creationId xmlns:a16="http://schemas.microsoft.com/office/drawing/2014/main" id="{194C9456-1825-45D5-AFC8-7437C4E58D48}"/>
               </a:ext>
             </a:extLst>
           </p:cNvPr>
@@ -2262,7 +2345,7 @@
           <a:p>
             <a:fld id="{B0B66C0B-9FFA-4059-8B50-27472F44F5CF}" type="datetime1">
               <a:rPr lang="de-DE" smtClean="0"/>
-              <a:t>03.06.2020</a:t>
+              <a:t>08.06.2020</a:t>
             </a:fld>
             <a:endParaRPr lang="de-DE"/>
           </a:p>
@@ -2273,7 +2356,7 @@
           <p:cNvPr id="5" name="Fußzeilenplatzhalter 4">
             <a:extLst>
               <a:ext uri="{FF2B5EF4-FFF2-40B4-BE49-F238E27FC236}">
-                <a16:creationId xmlns:a16="http://schemas.microsoft.com/office/drawing/2014/main" xmlns="" id="{0B1CC9B3-FE3E-4DC0-B71D-312C93D1814D}"/>
+                <a16:creationId xmlns:a16="http://schemas.microsoft.com/office/drawing/2014/main" id="{0B1CC9B3-FE3E-4DC0-B71D-312C93D1814D}"/>
               </a:ext>
             </a:extLst>
           </p:cNvPr>
@@ -2298,7 +2381,7 @@
           <p:cNvPr id="6" name="Foliennummernplatzhalter 5">
             <a:extLst>
               <a:ext uri="{FF2B5EF4-FFF2-40B4-BE49-F238E27FC236}">
-                <a16:creationId xmlns:a16="http://schemas.microsoft.com/office/drawing/2014/main" xmlns="" id="{41E050D8-C164-4E85-94F4-BA2B19D46D58}"/>
+                <a16:creationId xmlns:a16="http://schemas.microsoft.com/office/drawing/2014/main" id="{41E050D8-C164-4E85-94F4-BA2B19D46D58}"/>
               </a:ext>
             </a:extLst>
           </p:cNvPr>
@@ -2324,7 +2407,7 @@
           <a:p>
             <a:fld id="{9A48FC86-4651-46AF-9E4A-D3FC30E17613}" type="slidenum">
               <a:rPr lang="de-DE" smtClean="0"/>
-              <a:t>‹N°›</a:t>
+              <a:t>‹Nr.›</a:t>
             </a:fld>
             <a:endParaRPr lang="de-DE"/>
           </a:p>
@@ -2365,7 +2448,7 @@
           <p:cNvPr id="2" name="Titel 1">
             <a:extLst>
               <a:ext uri="{FF2B5EF4-FFF2-40B4-BE49-F238E27FC236}">
-                <a16:creationId xmlns:a16="http://schemas.microsoft.com/office/drawing/2014/main" xmlns="" id="{C9100C2D-6625-4AF5-8937-424086BE0285}"/>
+                <a16:creationId xmlns:a16="http://schemas.microsoft.com/office/drawing/2014/main" id="{C9100C2D-6625-4AF5-8937-424086BE0285}"/>
               </a:ext>
             </a:extLst>
           </p:cNvPr>
@@ -2393,7 +2476,7 @@
           <p:cNvPr id="3" name="Inhaltsplatzhalter 2">
             <a:extLst>
               <a:ext uri="{FF2B5EF4-FFF2-40B4-BE49-F238E27FC236}">
-                <a16:creationId xmlns:a16="http://schemas.microsoft.com/office/drawing/2014/main" xmlns="" id="{38D1AAA1-BE3D-4A43-91C4-A2C3C6173375}"/>
+                <a16:creationId xmlns:a16="http://schemas.microsoft.com/office/drawing/2014/main" id="{38D1AAA1-BE3D-4A43-91C4-A2C3C6173375}"/>
               </a:ext>
             </a:extLst>
           </p:cNvPr>
@@ -2450,7 +2533,7 @@
           <p:cNvPr id="4" name="Datumsplatzhalter 3">
             <a:extLst>
               <a:ext uri="{FF2B5EF4-FFF2-40B4-BE49-F238E27FC236}">
-                <a16:creationId xmlns:a16="http://schemas.microsoft.com/office/drawing/2014/main" xmlns="" id="{48884C8B-06F5-44CC-B1D1-2A02463EC226}"/>
+                <a16:creationId xmlns:a16="http://schemas.microsoft.com/office/drawing/2014/main" id="{48884C8B-06F5-44CC-B1D1-2A02463EC226}"/>
               </a:ext>
             </a:extLst>
           </p:cNvPr>
@@ -2468,7 +2551,7 @@
           <a:p>
             <a:fld id="{4024E20C-7573-48C0-8A49-245EB35E8773}" type="datetime1">
               <a:rPr lang="de-DE" smtClean="0"/>
-              <a:t>03.06.2020</a:t>
+              <a:t>08.06.2020</a:t>
             </a:fld>
             <a:endParaRPr lang="de-DE"/>
           </a:p>
@@ -2479,7 +2562,7 @@
           <p:cNvPr id="5" name="Fußzeilenplatzhalter 4">
             <a:extLst>
               <a:ext uri="{FF2B5EF4-FFF2-40B4-BE49-F238E27FC236}">
-                <a16:creationId xmlns:a16="http://schemas.microsoft.com/office/drawing/2014/main" xmlns="" id="{2EE480CA-0EC1-4AF7-9F30-F143FE83D99B}"/>
+                <a16:creationId xmlns:a16="http://schemas.microsoft.com/office/drawing/2014/main" id="{2EE480CA-0EC1-4AF7-9F30-F143FE83D99B}"/>
               </a:ext>
             </a:extLst>
           </p:cNvPr>
@@ -2504,7 +2587,7 @@
           <p:cNvPr id="6" name="Foliennummernplatzhalter 5">
             <a:extLst>
               <a:ext uri="{FF2B5EF4-FFF2-40B4-BE49-F238E27FC236}">
-                <a16:creationId xmlns:a16="http://schemas.microsoft.com/office/drawing/2014/main" xmlns="" id="{13337EC3-94DD-4B09-A484-F0141C1CB8B0}"/>
+                <a16:creationId xmlns:a16="http://schemas.microsoft.com/office/drawing/2014/main" id="{13337EC3-94DD-4B09-A484-F0141C1CB8B0}"/>
               </a:ext>
             </a:extLst>
           </p:cNvPr>
@@ -2530,7 +2613,7 @@
           <a:p>
             <a:fld id="{9A48FC86-4651-46AF-9E4A-D3FC30E17613}" type="slidenum">
               <a:rPr lang="de-DE" smtClean="0"/>
-              <a:t>‹N°›</a:t>
+              <a:t>‹Nr.›</a:t>
             </a:fld>
             <a:endParaRPr lang="de-DE"/>
           </a:p>
@@ -2571,7 +2654,7 @@
           <p:cNvPr id="2" name="Titel 1">
             <a:extLst>
               <a:ext uri="{FF2B5EF4-FFF2-40B4-BE49-F238E27FC236}">
-                <a16:creationId xmlns:a16="http://schemas.microsoft.com/office/drawing/2014/main" xmlns="" id="{CBDD584A-A976-4556-9716-DA9197EACC6F}"/>
+                <a16:creationId xmlns:a16="http://schemas.microsoft.com/office/drawing/2014/main" id="{CBDD584A-A976-4556-9716-DA9197EACC6F}"/>
               </a:ext>
             </a:extLst>
           </p:cNvPr>
@@ -2608,7 +2691,7 @@
           <p:cNvPr id="3" name="Textplatzhalter 2">
             <a:extLst>
               <a:ext uri="{FF2B5EF4-FFF2-40B4-BE49-F238E27FC236}">
-                <a16:creationId xmlns:a16="http://schemas.microsoft.com/office/drawing/2014/main" xmlns="" id="{C713F004-8C3B-4899-9F30-C6CC20E50B36}"/>
+                <a16:creationId xmlns:a16="http://schemas.microsoft.com/office/drawing/2014/main" id="{C713F004-8C3B-4899-9F30-C6CC20E50B36}"/>
               </a:ext>
             </a:extLst>
           </p:cNvPr>
@@ -2733,7 +2816,7 @@
           <p:cNvPr id="4" name="Datumsplatzhalter 3">
             <a:extLst>
               <a:ext uri="{FF2B5EF4-FFF2-40B4-BE49-F238E27FC236}">
-                <a16:creationId xmlns:a16="http://schemas.microsoft.com/office/drawing/2014/main" xmlns="" id="{B300BECA-2226-430E-B31A-3A70D7FB0DD4}"/>
+                <a16:creationId xmlns:a16="http://schemas.microsoft.com/office/drawing/2014/main" id="{B300BECA-2226-430E-B31A-3A70D7FB0DD4}"/>
               </a:ext>
             </a:extLst>
           </p:cNvPr>
@@ -2751,7 +2834,7 @@
           <a:p>
             <a:fld id="{807C9D00-4D9E-48A7-BDED-1B8B1E833BC9}" type="datetime1">
               <a:rPr lang="de-DE" smtClean="0"/>
-              <a:t>03.06.2020</a:t>
+              <a:t>08.06.2020</a:t>
             </a:fld>
             <a:endParaRPr lang="de-DE"/>
           </a:p>
@@ -2762,7 +2845,7 @@
           <p:cNvPr id="5" name="Fußzeilenplatzhalter 4">
             <a:extLst>
               <a:ext uri="{FF2B5EF4-FFF2-40B4-BE49-F238E27FC236}">
-                <a16:creationId xmlns:a16="http://schemas.microsoft.com/office/drawing/2014/main" xmlns="" id="{9D2C0B24-C4C7-4E3E-A30D-AD2B22A8CAC5}"/>
+                <a16:creationId xmlns:a16="http://schemas.microsoft.com/office/drawing/2014/main" id="{9D2C0B24-C4C7-4E3E-A30D-AD2B22A8CAC5}"/>
               </a:ext>
             </a:extLst>
           </p:cNvPr>
@@ -2787,7 +2870,7 @@
           <p:cNvPr id="6" name="Foliennummernplatzhalter 5">
             <a:extLst>
               <a:ext uri="{FF2B5EF4-FFF2-40B4-BE49-F238E27FC236}">
-                <a16:creationId xmlns:a16="http://schemas.microsoft.com/office/drawing/2014/main" xmlns="" id="{15EF3485-89F1-47E8-AB99-914FE8775138}"/>
+                <a16:creationId xmlns:a16="http://schemas.microsoft.com/office/drawing/2014/main" id="{15EF3485-89F1-47E8-AB99-914FE8775138}"/>
               </a:ext>
             </a:extLst>
           </p:cNvPr>
@@ -2813,7 +2896,7 @@
           <a:p>
             <a:fld id="{9A48FC86-4651-46AF-9E4A-D3FC30E17613}" type="slidenum">
               <a:rPr lang="de-DE" smtClean="0"/>
-              <a:t>‹N°›</a:t>
+              <a:t>‹Nr.›</a:t>
             </a:fld>
             <a:endParaRPr lang="de-DE"/>
           </a:p>
@@ -2854,7 +2937,7 @@
           <p:cNvPr id="2" name="Titel 1">
             <a:extLst>
               <a:ext uri="{FF2B5EF4-FFF2-40B4-BE49-F238E27FC236}">
-                <a16:creationId xmlns:a16="http://schemas.microsoft.com/office/drawing/2014/main" xmlns="" id="{6B45D284-4E4F-4976-80EC-400821F99BCF}"/>
+                <a16:creationId xmlns:a16="http://schemas.microsoft.com/office/drawing/2014/main" id="{6B45D284-4E4F-4976-80EC-400821F99BCF}"/>
               </a:ext>
             </a:extLst>
           </p:cNvPr>
@@ -2882,7 +2965,7 @@
           <p:cNvPr id="3" name="Inhaltsplatzhalter 2">
             <a:extLst>
               <a:ext uri="{FF2B5EF4-FFF2-40B4-BE49-F238E27FC236}">
-                <a16:creationId xmlns:a16="http://schemas.microsoft.com/office/drawing/2014/main" xmlns="" id="{61C980E4-B51F-4860-A848-EB6955BA36AF}"/>
+                <a16:creationId xmlns:a16="http://schemas.microsoft.com/office/drawing/2014/main" id="{61C980E4-B51F-4860-A848-EB6955BA36AF}"/>
               </a:ext>
             </a:extLst>
           </p:cNvPr>
@@ -2944,7 +3027,7 @@
           <p:cNvPr id="4" name="Inhaltsplatzhalter 3">
             <a:extLst>
               <a:ext uri="{FF2B5EF4-FFF2-40B4-BE49-F238E27FC236}">
-                <a16:creationId xmlns:a16="http://schemas.microsoft.com/office/drawing/2014/main" xmlns="" id="{8D7C296F-6044-4CF6-BBE5-CEA4560EEEB9}"/>
+                <a16:creationId xmlns:a16="http://schemas.microsoft.com/office/drawing/2014/main" id="{8D7C296F-6044-4CF6-BBE5-CEA4560EEEB9}"/>
               </a:ext>
             </a:extLst>
           </p:cNvPr>
@@ -3006,7 +3089,7 @@
           <p:cNvPr id="5" name="Datumsplatzhalter 4">
             <a:extLst>
               <a:ext uri="{FF2B5EF4-FFF2-40B4-BE49-F238E27FC236}">
-                <a16:creationId xmlns:a16="http://schemas.microsoft.com/office/drawing/2014/main" xmlns="" id="{F87A09FB-245D-407E-94D1-C81BBB221DC2}"/>
+                <a16:creationId xmlns:a16="http://schemas.microsoft.com/office/drawing/2014/main" id="{F87A09FB-245D-407E-94D1-C81BBB221DC2}"/>
               </a:ext>
             </a:extLst>
           </p:cNvPr>
@@ -3024,7 +3107,7 @@
           <a:p>
             <a:fld id="{2D3DC56E-0927-4473-AB68-5B4331BC2E5A}" type="datetime1">
               <a:rPr lang="de-DE" smtClean="0"/>
-              <a:t>03.06.2020</a:t>
+              <a:t>08.06.2020</a:t>
             </a:fld>
             <a:endParaRPr lang="de-DE"/>
           </a:p>
@@ -3035,7 +3118,7 @@
           <p:cNvPr id="6" name="Fußzeilenplatzhalter 5">
             <a:extLst>
               <a:ext uri="{FF2B5EF4-FFF2-40B4-BE49-F238E27FC236}">
-                <a16:creationId xmlns:a16="http://schemas.microsoft.com/office/drawing/2014/main" xmlns="" id="{7713AD3F-FB16-4761-97DD-7D2895FBAF79}"/>
+                <a16:creationId xmlns:a16="http://schemas.microsoft.com/office/drawing/2014/main" id="{7713AD3F-FB16-4761-97DD-7D2895FBAF79}"/>
               </a:ext>
             </a:extLst>
           </p:cNvPr>
@@ -3060,7 +3143,7 @@
           <p:cNvPr id="7" name="Foliennummernplatzhalter 6">
             <a:extLst>
               <a:ext uri="{FF2B5EF4-FFF2-40B4-BE49-F238E27FC236}">
-                <a16:creationId xmlns:a16="http://schemas.microsoft.com/office/drawing/2014/main" xmlns="" id="{E08B0646-8FC5-4829-A454-55B654DBA3C4}"/>
+                <a16:creationId xmlns:a16="http://schemas.microsoft.com/office/drawing/2014/main" id="{E08B0646-8FC5-4829-A454-55B654DBA3C4}"/>
               </a:ext>
             </a:extLst>
           </p:cNvPr>
@@ -3086,7 +3169,7 @@
           <a:p>
             <a:fld id="{9A48FC86-4651-46AF-9E4A-D3FC30E17613}" type="slidenum">
               <a:rPr lang="de-DE" smtClean="0"/>
-              <a:t>‹N°›</a:t>
+              <a:t>‹Nr.›</a:t>
             </a:fld>
             <a:endParaRPr lang="de-DE"/>
           </a:p>
@@ -3127,7 +3210,7 @@
           <p:cNvPr id="2" name="Titel 1">
             <a:extLst>
               <a:ext uri="{FF2B5EF4-FFF2-40B4-BE49-F238E27FC236}">
-                <a16:creationId xmlns:a16="http://schemas.microsoft.com/office/drawing/2014/main" xmlns="" id="{87FFCFA6-D29A-4DD6-8A93-5742D6DB0521}"/>
+                <a16:creationId xmlns:a16="http://schemas.microsoft.com/office/drawing/2014/main" id="{87FFCFA6-D29A-4DD6-8A93-5742D6DB0521}"/>
               </a:ext>
             </a:extLst>
           </p:cNvPr>
@@ -3160,7 +3243,7 @@
           <p:cNvPr id="3" name="Textplatzhalter 2">
             <a:extLst>
               <a:ext uri="{FF2B5EF4-FFF2-40B4-BE49-F238E27FC236}">
-                <a16:creationId xmlns:a16="http://schemas.microsoft.com/office/drawing/2014/main" xmlns="" id="{52A062D5-F9A3-40F3-940E-784410DB79B5}"/>
+                <a16:creationId xmlns:a16="http://schemas.microsoft.com/office/drawing/2014/main" id="{52A062D5-F9A3-40F3-940E-784410DB79B5}"/>
               </a:ext>
             </a:extLst>
           </p:cNvPr>
@@ -3231,7 +3314,7 @@
           <p:cNvPr id="4" name="Inhaltsplatzhalter 3">
             <a:extLst>
               <a:ext uri="{FF2B5EF4-FFF2-40B4-BE49-F238E27FC236}">
-                <a16:creationId xmlns:a16="http://schemas.microsoft.com/office/drawing/2014/main" xmlns="" id="{0F2C725F-CDA6-419C-9990-237B92011EB3}"/>
+                <a16:creationId xmlns:a16="http://schemas.microsoft.com/office/drawing/2014/main" id="{0F2C725F-CDA6-419C-9990-237B92011EB3}"/>
               </a:ext>
             </a:extLst>
           </p:cNvPr>
@@ -3293,7 +3376,7 @@
           <p:cNvPr id="5" name="Textplatzhalter 4">
             <a:extLst>
               <a:ext uri="{FF2B5EF4-FFF2-40B4-BE49-F238E27FC236}">
-                <a16:creationId xmlns:a16="http://schemas.microsoft.com/office/drawing/2014/main" xmlns="" id="{57D0AB86-7ACC-4F81-BA1E-EABC81375E4C}"/>
+                <a16:creationId xmlns:a16="http://schemas.microsoft.com/office/drawing/2014/main" id="{57D0AB86-7ACC-4F81-BA1E-EABC81375E4C}"/>
               </a:ext>
             </a:extLst>
           </p:cNvPr>
@@ -3364,7 +3447,7 @@
           <p:cNvPr id="6" name="Inhaltsplatzhalter 5">
             <a:extLst>
               <a:ext uri="{FF2B5EF4-FFF2-40B4-BE49-F238E27FC236}">
-                <a16:creationId xmlns:a16="http://schemas.microsoft.com/office/drawing/2014/main" xmlns="" id="{1A5FCBEC-2F64-4023-881F-8C2D77F12391}"/>
+                <a16:creationId xmlns:a16="http://schemas.microsoft.com/office/drawing/2014/main" id="{1A5FCBEC-2F64-4023-881F-8C2D77F12391}"/>
               </a:ext>
             </a:extLst>
           </p:cNvPr>
@@ -3426,7 +3509,7 @@
           <p:cNvPr id="7" name="Datumsplatzhalter 6">
             <a:extLst>
               <a:ext uri="{FF2B5EF4-FFF2-40B4-BE49-F238E27FC236}">
-                <a16:creationId xmlns:a16="http://schemas.microsoft.com/office/drawing/2014/main" xmlns="" id="{1B579458-8146-4585-8116-8815B1984C10}"/>
+                <a16:creationId xmlns:a16="http://schemas.microsoft.com/office/drawing/2014/main" id="{1B579458-8146-4585-8116-8815B1984C10}"/>
               </a:ext>
             </a:extLst>
           </p:cNvPr>
@@ -3444,7 +3527,7 @@
           <a:p>
             <a:fld id="{57371510-7249-4C5F-946A-A4F834E6D9AE}" type="datetime1">
               <a:rPr lang="de-DE" smtClean="0"/>
-              <a:t>03.06.2020</a:t>
+              <a:t>08.06.2020</a:t>
             </a:fld>
             <a:endParaRPr lang="de-DE"/>
           </a:p>
@@ -3455,7 +3538,7 @@
           <p:cNvPr id="8" name="Fußzeilenplatzhalter 7">
             <a:extLst>
               <a:ext uri="{FF2B5EF4-FFF2-40B4-BE49-F238E27FC236}">
-                <a16:creationId xmlns:a16="http://schemas.microsoft.com/office/drawing/2014/main" xmlns="" id="{B8FE971A-3252-4BEE-AE2A-ED9DD64D786C}"/>
+                <a16:creationId xmlns:a16="http://schemas.microsoft.com/office/drawing/2014/main" id="{B8FE971A-3252-4BEE-AE2A-ED9DD64D786C}"/>
               </a:ext>
             </a:extLst>
           </p:cNvPr>
@@ -3480,7 +3563,7 @@
           <p:cNvPr id="9" name="Foliennummernplatzhalter 8">
             <a:extLst>
               <a:ext uri="{FF2B5EF4-FFF2-40B4-BE49-F238E27FC236}">
-                <a16:creationId xmlns:a16="http://schemas.microsoft.com/office/drawing/2014/main" xmlns="" id="{224F811E-098E-42CD-BF79-561DBDB14DE9}"/>
+                <a16:creationId xmlns:a16="http://schemas.microsoft.com/office/drawing/2014/main" id="{224F811E-098E-42CD-BF79-561DBDB14DE9}"/>
               </a:ext>
             </a:extLst>
           </p:cNvPr>
@@ -3506,7 +3589,7 @@
           <a:p>
             <a:fld id="{9A48FC86-4651-46AF-9E4A-D3FC30E17613}" type="slidenum">
               <a:rPr lang="de-DE" smtClean="0"/>
-              <a:t>‹N°›</a:t>
+              <a:t>‹Nr.›</a:t>
             </a:fld>
             <a:endParaRPr lang="de-DE"/>
           </a:p>
@@ -3547,7 +3630,7 @@
           <p:cNvPr id="2" name="Titel 1">
             <a:extLst>
               <a:ext uri="{FF2B5EF4-FFF2-40B4-BE49-F238E27FC236}">
-                <a16:creationId xmlns:a16="http://schemas.microsoft.com/office/drawing/2014/main" xmlns="" id="{466DE76C-FB01-463F-B2AD-A897695D3F41}"/>
+                <a16:creationId xmlns:a16="http://schemas.microsoft.com/office/drawing/2014/main" id="{466DE76C-FB01-463F-B2AD-A897695D3F41}"/>
               </a:ext>
             </a:extLst>
           </p:cNvPr>
@@ -3575,7 +3658,7 @@
           <p:cNvPr id="3" name="Datumsplatzhalter 2">
             <a:extLst>
               <a:ext uri="{FF2B5EF4-FFF2-40B4-BE49-F238E27FC236}">
-                <a16:creationId xmlns:a16="http://schemas.microsoft.com/office/drawing/2014/main" xmlns="" id="{6F7936C0-FCFE-4A57-9E63-31F514892227}"/>
+                <a16:creationId xmlns:a16="http://schemas.microsoft.com/office/drawing/2014/main" id="{6F7936C0-FCFE-4A57-9E63-31F514892227}"/>
               </a:ext>
             </a:extLst>
           </p:cNvPr>
@@ -3593,7 +3676,7 @@
           <a:p>
             <a:fld id="{D029DBCD-B4B9-401C-B851-F8823136D507}" type="datetime1">
               <a:rPr lang="de-DE" smtClean="0"/>
-              <a:t>03.06.2020</a:t>
+              <a:t>08.06.2020</a:t>
             </a:fld>
             <a:endParaRPr lang="de-DE"/>
           </a:p>
@@ -3604,7 +3687,7 @@
           <p:cNvPr id="4" name="Fußzeilenplatzhalter 3">
             <a:extLst>
               <a:ext uri="{FF2B5EF4-FFF2-40B4-BE49-F238E27FC236}">
-                <a16:creationId xmlns:a16="http://schemas.microsoft.com/office/drawing/2014/main" xmlns="" id="{BF4C0BEA-1F74-43B8-B16A-0B93A98AF74A}"/>
+                <a16:creationId xmlns:a16="http://schemas.microsoft.com/office/drawing/2014/main" id="{BF4C0BEA-1F74-43B8-B16A-0B93A98AF74A}"/>
               </a:ext>
             </a:extLst>
           </p:cNvPr>
@@ -3629,7 +3712,7 @@
           <p:cNvPr id="5" name="Foliennummernplatzhalter 4">
             <a:extLst>
               <a:ext uri="{FF2B5EF4-FFF2-40B4-BE49-F238E27FC236}">
-                <a16:creationId xmlns:a16="http://schemas.microsoft.com/office/drawing/2014/main" xmlns="" id="{FDC612F2-A418-4792-A4B4-C0ABBAAB10A0}"/>
+                <a16:creationId xmlns:a16="http://schemas.microsoft.com/office/drawing/2014/main" id="{FDC612F2-A418-4792-A4B4-C0ABBAAB10A0}"/>
               </a:ext>
             </a:extLst>
           </p:cNvPr>
@@ -3655,7 +3738,7 @@
           <a:p>
             <a:fld id="{9A48FC86-4651-46AF-9E4A-D3FC30E17613}" type="slidenum">
               <a:rPr lang="de-DE" smtClean="0"/>
-              <a:t>‹N°›</a:t>
+              <a:t>‹Nr.›</a:t>
             </a:fld>
             <a:endParaRPr lang="de-DE"/>
           </a:p>
@@ -3696,7 +3779,7 @@
           <p:cNvPr id="2" name="Datumsplatzhalter 1">
             <a:extLst>
               <a:ext uri="{FF2B5EF4-FFF2-40B4-BE49-F238E27FC236}">
-                <a16:creationId xmlns:a16="http://schemas.microsoft.com/office/drawing/2014/main" xmlns="" id="{F1A16BA6-C843-4946-87C4-F009F9659E53}"/>
+                <a16:creationId xmlns:a16="http://schemas.microsoft.com/office/drawing/2014/main" id="{F1A16BA6-C843-4946-87C4-F009F9659E53}"/>
               </a:ext>
             </a:extLst>
           </p:cNvPr>
@@ -3714,7 +3797,7 @@
           <a:p>
             <a:fld id="{5CFE0376-D301-44AE-AD11-2BFFE5B1AA68}" type="datetime1">
               <a:rPr lang="de-DE" smtClean="0"/>
-              <a:t>03.06.2020</a:t>
+              <a:t>08.06.2020</a:t>
             </a:fld>
             <a:endParaRPr lang="de-DE"/>
           </a:p>
@@ -3725,7 +3808,7 @@
           <p:cNvPr id="3" name="Fußzeilenplatzhalter 2">
             <a:extLst>
               <a:ext uri="{FF2B5EF4-FFF2-40B4-BE49-F238E27FC236}">
-                <a16:creationId xmlns:a16="http://schemas.microsoft.com/office/drawing/2014/main" xmlns="" id="{74AD0BED-584B-4312-BC56-F22A5A97A8EA}"/>
+                <a16:creationId xmlns:a16="http://schemas.microsoft.com/office/drawing/2014/main" id="{74AD0BED-584B-4312-BC56-F22A5A97A8EA}"/>
               </a:ext>
             </a:extLst>
           </p:cNvPr>
@@ -3750,7 +3833,7 @@
           <p:cNvPr id="4" name="Foliennummernplatzhalter 3">
             <a:extLst>
               <a:ext uri="{FF2B5EF4-FFF2-40B4-BE49-F238E27FC236}">
-                <a16:creationId xmlns:a16="http://schemas.microsoft.com/office/drawing/2014/main" xmlns="" id="{ECAC19A7-F328-409E-92C0-6618959AF8AB}"/>
+                <a16:creationId xmlns:a16="http://schemas.microsoft.com/office/drawing/2014/main" id="{ECAC19A7-F328-409E-92C0-6618959AF8AB}"/>
               </a:ext>
             </a:extLst>
           </p:cNvPr>
@@ -3776,7 +3859,7 @@
           <a:p>
             <a:fld id="{9A48FC86-4651-46AF-9E4A-D3FC30E17613}" type="slidenum">
               <a:rPr lang="de-DE" smtClean="0"/>
-              <a:t>‹N°›</a:t>
+              <a:t>‹Nr.›</a:t>
             </a:fld>
             <a:endParaRPr lang="de-DE"/>
           </a:p>
@@ -3817,7 +3900,7 @@
           <p:cNvPr id="2" name="Titel 1">
             <a:extLst>
               <a:ext uri="{FF2B5EF4-FFF2-40B4-BE49-F238E27FC236}">
-                <a16:creationId xmlns:a16="http://schemas.microsoft.com/office/drawing/2014/main" xmlns="" id="{36B5D893-6A5A-4F5D-9559-23E40882374B}"/>
+                <a16:creationId xmlns:a16="http://schemas.microsoft.com/office/drawing/2014/main" id="{36B5D893-6A5A-4F5D-9559-23E40882374B}"/>
               </a:ext>
             </a:extLst>
           </p:cNvPr>
@@ -3854,7 +3937,7 @@
           <p:cNvPr id="3" name="Inhaltsplatzhalter 2">
             <a:extLst>
               <a:ext uri="{FF2B5EF4-FFF2-40B4-BE49-F238E27FC236}">
-                <a16:creationId xmlns:a16="http://schemas.microsoft.com/office/drawing/2014/main" xmlns="" id="{46211E4B-EF89-4D03-A97A-6EB546C0498D}"/>
+                <a16:creationId xmlns:a16="http://schemas.microsoft.com/office/drawing/2014/main" id="{46211E4B-EF89-4D03-A97A-6EB546C0498D}"/>
               </a:ext>
             </a:extLst>
           </p:cNvPr>
@@ -3944,7 +4027,7 @@
           <p:cNvPr id="4" name="Textplatzhalter 3">
             <a:extLst>
               <a:ext uri="{FF2B5EF4-FFF2-40B4-BE49-F238E27FC236}">
-                <a16:creationId xmlns:a16="http://schemas.microsoft.com/office/drawing/2014/main" xmlns="" id="{D4BEF54F-E067-4073-A803-29399235D78F}"/>
+                <a16:creationId xmlns:a16="http://schemas.microsoft.com/office/drawing/2014/main" id="{D4BEF54F-E067-4073-A803-29399235D78F}"/>
               </a:ext>
             </a:extLst>
           </p:cNvPr>
@@ -4015,7 +4098,7 @@
           <p:cNvPr id="5" name="Datumsplatzhalter 4">
             <a:extLst>
               <a:ext uri="{FF2B5EF4-FFF2-40B4-BE49-F238E27FC236}">
-                <a16:creationId xmlns:a16="http://schemas.microsoft.com/office/drawing/2014/main" xmlns="" id="{FF25F891-DBFE-4A5B-99B6-66F48C54174B}"/>
+                <a16:creationId xmlns:a16="http://schemas.microsoft.com/office/drawing/2014/main" id="{FF25F891-DBFE-4A5B-99B6-66F48C54174B}"/>
               </a:ext>
             </a:extLst>
           </p:cNvPr>
@@ -4033,7 +4116,7 @@
           <a:p>
             <a:fld id="{E68C6B95-8C89-49D3-8465-88E05211F0D1}" type="datetime1">
               <a:rPr lang="de-DE" smtClean="0"/>
-              <a:t>03.06.2020</a:t>
+              <a:t>08.06.2020</a:t>
             </a:fld>
             <a:endParaRPr lang="de-DE"/>
           </a:p>
@@ -4044,7 +4127,7 @@
           <p:cNvPr id="6" name="Fußzeilenplatzhalter 5">
             <a:extLst>
               <a:ext uri="{FF2B5EF4-FFF2-40B4-BE49-F238E27FC236}">
-                <a16:creationId xmlns:a16="http://schemas.microsoft.com/office/drawing/2014/main" xmlns="" id="{C508CE39-F26E-4C31-84CD-D89EC83686D4}"/>
+                <a16:creationId xmlns:a16="http://schemas.microsoft.com/office/drawing/2014/main" id="{C508CE39-F26E-4C31-84CD-D89EC83686D4}"/>
               </a:ext>
             </a:extLst>
           </p:cNvPr>
@@ -4069,7 +4152,7 @@
           <p:cNvPr id="7" name="Foliennummernplatzhalter 6">
             <a:extLst>
               <a:ext uri="{FF2B5EF4-FFF2-40B4-BE49-F238E27FC236}">
-                <a16:creationId xmlns:a16="http://schemas.microsoft.com/office/drawing/2014/main" xmlns="" id="{5E1B48FE-614D-4BF1-8C39-73558F055C10}"/>
+                <a16:creationId xmlns:a16="http://schemas.microsoft.com/office/drawing/2014/main" id="{5E1B48FE-614D-4BF1-8C39-73558F055C10}"/>
               </a:ext>
             </a:extLst>
           </p:cNvPr>
@@ -4095,7 +4178,7 @@
           <a:p>
             <a:fld id="{9A48FC86-4651-46AF-9E4A-D3FC30E17613}" type="slidenum">
               <a:rPr lang="de-DE" smtClean="0"/>
-              <a:t>‹N°›</a:t>
+              <a:t>‹Nr.›</a:t>
             </a:fld>
             <a:endParaRPr lang="de-DE"/>
           </a:p>
@@ -4136,7 +4219,7 @@
           <p:cNvPr id="2" name="Titel 1">
             <a:extLst>
               <a:ext uri="{FF2B5EF4-FFF2-40B4-BE49-F238E27FC236}">
-                <a16:creationId xmlns:a16="http://schemas.microsoft.com/office/drawing/2014/main" xmlns="" id="{F9563009-E30B-45AC-BDD7-44EA72F78222}"/>
+                <a16:creationId xmlns:a16="http://schemas.microsoft.com/office/drawing/2014/main" id="{F9563009-E30B-45AC-BDD7-44EA72F78222}"/>
               </a:ext>
             </a:extLst>
           </p:cNvPr>
@@ -4173,7 +4256,7 @@
           <p:cNvPr id="3" name="Bildplatzhalter 2">
             <a:extLst>
               <a:ext uri="{FF2B5EF4-FFF2-40B4-BE49-F238E27FC236}">
-                <a16:creationId xmlns:a16="http://schemas.microsoft.com/office/drawing/2014/main" xmlns="" id="{11F2FF9F-8E72-4929-BF76-ED1330B5F674}"/>
+                <a16:creationId xmlns:a16="http://schemas.microsoft.com/office/drawing/2014/main" id="{11F2FF9F-8E72-4929-BF76-ED1330B5F674}"/>
               </a:ext>
             </a:extLst>
           </p:cNvPr>
@@ -4240,7 +4323,7 @@
           <p:cNvPr id="4" name="Textplatzhalter 3">
             <a:extLst>
               <a:ext uri="{FF2B5EF4-FFF2-40B4-BE49-F238E27FC236}">
-                <a16:creationId xmlns:a16="http://schemas.microsoft.com/office/drawing/2014/main" xmlns="" id="{4A21AA90-B6A3-4F03-A71E-8D4EFEBB4E8A}"/>
+                <a16:creationId xmlns:a16="http://schemas.microsoft.com/office/drawing/2014/main" id="{4A21AA90-B6A3-4F03-A71E-8D4EFEBB4E8A}"/>
               </a:ext>
             </a:extLst>
           </p:cNvPr>
@@ -4311,7 +4394,7 @@
           <p:cNvPr id="5" name="Datumsplatzhalter 4">
             <a:extLst>
               <a:ext uri="{FF2B5EF4-FFF2-40B4-BE49-F238E27FC236}">
-                <a16:creationId xmlns:a16="http://schemas.microsoft.com/office/drawing/2014/main" xmlns="" id="{B9A970BA-F10E-430D-9B5F-218F0B6AAD68}"/>
+                <a16:creationId xmlns:a16="http://schemas.microsoft.com/office/drawing/2014/main" id="{B9A970BA-F10E-430D-9B5F-218F0B6AAD68}"/>
               </a:ext>
             </a:extLst>
           </p:cNvPr>
@@ -4329,7 +4412,7 @@
           <a:p>
             <a:fld id="{15BDDDEE-EC33-4B17-B9B5-A149A54A861D}" type="datetime1">
               <a:rPr lang="de-DE" smtClean="0"/>
-              <a:t>03.06.2020</a:t>
+              <a:t>08.06.2020</a:t>
             </a:fld>
             <a:endParaRPr lang="de-DE"/>
           </a:p>
@@ -4340,7 +4423,7 @@
           <p:cNvPr id="6" name="Fußzeilenplatzhalter 5">
             <a:extLst>
               <a:ext uri="{FF2B5EF4-FFF2-40B4-BE49-F238E27FC236}">
-                <a16:creationId xmlns:a16="http://schemas.microsoft.com/office/drawing/2014/main" xmlns="" id="{A141BF1C-61CE-44FF-8ABE-F08D6373AD97}"/>
+                <a16:creationId xmlns:a16="http://schemas.microsoft.com/office/drawing/2014/main" id="{A141BF1C-61CE-44FF-8ABE-F08D6373AD97}"/>
               </a:ext>
             </a:extLst>
           </p:cNvPr>
@@ -4365,7 +4448,7 @@
           <p:cNvPr id="7" name="Foliennummernplatzhalter 6">
             <a:extLst>
               <a:ext uri="{FF2B5EF4-FFF2-40B4-BE49-F238E27FC236}">
-                <a16:creationId xmlns:a16="http://schemas.microsoft.com/office/drawing/2014/main" xmlns="" id="{E76983E8-6FBA-42E6-85DE-B77806E23CA0}"/>
+                <a16:creationId xmlns:a16="http://schemas.microsoft.com/office/drawing/2014/main" id="{E76983E8-6FBA-42E6-85DE-B77806E23CA0}"/>
               </a:ext>
             </a:extLst>
           </p:cNvPr>
@@ -4391,7 +4474,7 @@
           <a:p>
             <a:fld id="{9A48FC86-4651-46AF-9E4A-D3FC30E17613}" type="slidenum">
               <a:rPr lang="de-DE" smtClean="0"/>
-              <a:t>‹N°›</a:t>
+              <a:t>‹Nr.›</a:t>
             </a:fld>
             <a:endParaRPr lang="de-DE"/>
           </a:p>
@@ -4437,7 +4520,7 @@
           <p:cNvPr id="2" name="Titelplatzhalter 1">
             <a:extLst>
               <a:ext uri="{FF2B5EF4-FFF2-40B4-BE49-F238E27FC236}">
-                <a16:creationId xmlns:a16="http://schemas.microsoft.com/office/drawing/2014/main" xmlns="" id="{F1B54F3D-85D6-4E2A-A184-2AD8788616C7}"/>
+                <a16:creationId xmlns:a16="http://schemas.microsoft.com/office/drawing/2014/main" id="{F1B54F3D-85D6-4E2A-A184-2AD8788616C7}"/>
               </a:ext>
             </a:extLst>
           </p:cNvPr>
@@ -4475,7 +4558,7 @@
           <p:cNvPr id="3" name="Textplatzhalter 2">
             <a:extLst>
               <a:ext uri="{FF2B5EF4-FFF2-40B4-BE49-F238E27FC236}">
-                <a16:creationId xmlns:a16="http://schemas.microsoft.com/office/drawing/2014/main" xmlns="" id="{62C62B55-DAE8-4571-9836-D8A9517A6717}"/>
+                <a16:creationId xmlns:a16="http://schemas.microsoft.com/office/drawing/2014/main" id="{62C62B55-DAE8-4571-9836-D8A9517A6717}"/>
               </a:ext>
             </a:extLst>
           </p:cNvPr>
@@ -4542,7 +4625,7 @@
           <p:cNvPr id="4" name="Datumsplatzhalter 3">
             <a:extLst>
               <a:ext uri="{FF2B5EF4-FFF2-40B4-BE49-F238E27FC236}">
-                <a16:creationId xmlns:a16="http://schemas.microsoft.com/office/drawing/2014/main" xmlns="" id="{202396F9-D19B-4197-A727-060829339B6B}"/>
+                <a16:creationId xmlns:a16="http://schemas.microsoft.com/office/drawing/2014/main" id="{202396F9-D19B-4197-A727-060829339B6B}"/>
               </a:ext>
             </a:extLst>
           </p:cNvPr>
@@ -4578,7 +4661,7 @@
           <a:p>
             <a:fld id="{EF190999-BFCE-4023-9996-314DB13E7002}" type="datetime1">
               <a:rPr lang="de-DE" smtClean="0"/>
-              <a:t>03.06.2020</a:t>
+              <a:t>08.06.2020</a:t>
             </a:fld>
             <a:endParaRPr lang="de-DE" dirty="0"/>
           </a:p>
@@ -4589,7 +4672,7 @@
           <p:cNvPr id="5" name="Fußzeilenplatzhalter 4">
             <a:extLst>
               <a:ext uri="{FF2B5EF4-FFF2-40B4-BE49-F238E27FC236}">
-                <a16:creationId xmlns:a16="http://schemas.microsoft.com/office/drawing/2014/main" xmlns="" id="{B1EA6A1B-5C13-45F1-9B85-4169FD91138A}"/>
+                <a16:creationId xmlns:a16="http://schemas.microsoft.com/office/drawing/2014/main" id="{B1EA6A1B-5C13-45F1-9B85-4169FD91138A}"/>
               </a:ext>
             </a:extLst>
           </p:cNvPr>
@@ -4632,7 +4715,7 @@
           <p:cNvPr id="7" name="Grafik 6">
             <a:extLst>
               <a:ext uri="{FF2B5EF4-FFF2-40B4-BE49-F238E27FC236}">
-                <a16:creationId xmlns:a16="http://schemas.microsoft.com/office/drawing/2014/main" xmlns="" id="{C59B35B2-0CE6-4FF9-984D-F5719598069C}"/>
+                <a16:creationId xmlns:a16="http://schemas.microsoft.com/office/drawing/2014/main" id="{C59B35B2-0CE6-4FF9-984D-F5719598069C}"/>
               </a:ext>
             </a:extLst>
           </p:cNvPr>
@@ -4668,7 +4751,7 @@
           <p:cNvPr id="8" name="Foliennummernplatzhalter 7">
             <a:extLst>
               <a:ext uri="{FF2B5EF4-FFF2-40B4-BE49-F238E27FC236}">
-                <a16:creationId xmlns:a16="http://schemas.microsoft.com/office/drawing/2014/main" xmlns="" id="{8B9E18AC-CAF1-4471-BF04-547435D80DDB}"/>
+                <a16:creationId xmlns:a16="http://schemas.microsoft.com/office/drawing/2014/main" id="{8B9E18AC-CAF1-4471-BF04-547435D80DDB}"/>
               </a:ext>
             </a:extLst>
           </p:cNvPr>
@@ -4704,7 +4787,7 @@
           <a:p>
             <a:fld id="{5999A4A4-2D96-49E3-B364-04D265390CD4}" type="slidenum">
               <a:rPr lang="de-DE" smtClean="0"/>
-              <a:t>‹N°›</a:t>
+              <a:t>‹Nr.›</a:t>
             </a:fld>
             <a:endParaRPr lang="de-DE"/>
           </a:p>
@@ -5037,7 +5120,7 @@
           <p:cNvPr id="2" name="Titel 1">
             <a:extLst>
               <a:ext uri="{FF2B5EF4-FFF2-40B4-BE49-F238E27FC236}">
-                <a16:creationId xmlns:a16="http://schemas.microsoft.com/office/drawing/2014/main" xmlns="" id="{19B6AC69-F81D-4459-ACD2-8110FA9FCE24}"/>
+                <a16:creationId xmlns:a16="http://schemas.microsoft.com/office/drawing/2014/main" id="{19B6AC69-F81D-4459-ACD2-8110FA9FCE24}"/>
               </a:ext>
             </a:extLst>
           </p:cNvPr>
@@ -5065,7 +5148,7 @@
           <p:cNvPr id="3" name="Untertitel 2">
             <a:extLst>
               <a:ext uri="{FF2B5EF4-FFF2-40B4-BE49-F238E27FC236}">
-                <a16:creationId xmlns:a16="http://schemas.microsoft.com/office/drawing/2014/main" xmlns="" id="{13737FBA-E6BC-4517-8A74-4336C01F7072}"/>
+                <a16:creationId xmlns:a16="http://schemas.microsoft.com/office/drawing/2014/main" id="{13737FBA-E6BC-4517-8A74-4336C01F7072}"/>
               </a:ext>
             </a:extLst>
           </p:cNvPr>
@@ -5217,7 +5300,7 @@
               <a:buChar char="▌"/>
             </a:pPr>
             <a:r>
-              <a:rPr lang="en-US" dirty="0" smtClean="0"/>
+              <a:rPr lang="en-US" dirty="0"/>
               <a:t>Data Preprocessing</a:t>
             </a:r>
           </a:p>
@@ -5233,11 +5316,7 @@
             </a:pPr>
             <a:r>
               <a:rPr lang="en-US" dirty="0"/>
-              <a:t>Round predicted </a:t>
-            </a:r>
-            <a:r>
-              <a:rPr lang="en-US" dirty="0" smtClean="0"/>
-              <a:t>value</a:t>
+              <a:t>Round predicted value</a:t>
             </a:r>
           </a:p>
           <a:p>
@@ -5254,7 +5333,6 @@
               <a:rPr lang="en-US" dirty="0"/>
               <a:t>Quality Model</a:t>
             </a:r>
-            <a:endParaRPr lang="en-US" dirty="0" smtClean="0"/>
           </a:p>
           <a:p>
             <a:pPr marL="285750" indent="-285750">
@@ -5267,15 +5345,15 @@
               <a:buChar char="▌"/>
             </a:pPr>
             <a:r>
-              <a:rPr lang="en-US" dirty="0" smtClean="0"/>
+              <a:rPr lang="en-US" dirty="0"/>
               <a:t>Test Multi Target </a:t>
             </a:r>
             <a:r>
-              <a:rPr lang="en-US" dirty="0" err="1" smtClean="0"/>
+              <a:rPr lang="en-US" dirty="0" err="1"/>
               <a:t>Regressors</a:t>
             </a:r>
             <a:r>
-              <a:rPr lang="en-US" dirty="0" smtClean="0"/>
+              <a:rPr lang="en-US" dirty="0"/>
               <a:t> (Scored Goals)</a:t>
             </a:r>
           </a:p>
@@ -5313,13 +5391,6 @@
   <p:clrMapOvr>
     <a:masterClrMapping/>
   </p:clrMapOvr>
-  <p:timing>
-    <p:tnLst>
-      <p:par>
-        <p:cTn id="1" dur="indefinite" restart="never" nodeType="tmRoot"/>
-      </p:par>
-    </p:tnLst>
-  </p:timing>
 </p:sld>
 </file>
 
@@ -5418,34 +5489,7 @@
                 </a:solidFill>
                 <a:latin typeface="Arial" panose="020B0604020202020204" pitchFamily="34" charset="0"/>
               </a:rPr>
-              <a:t>Goals [</a:t>
-            </a:r>
-            <a:r>
-              <a:rPr lang="en-US" sz="2000" b="1" dirty="0" smtClean="0">
-                <a:solidFill>
-                  <a:srgbClr val="000000"/>
-                </a:solidFill>
-                <a:latin typeface="Arial" panose="020B0604020202020204" pitchFamily="34" charset="0"/>
-              </a:rPr>
-              <a:t>0,10] </a:t>
-            </a:r>
-            <a:r>
-              <a:rPr lang="en-US" sz="2000" b="1" dirty="0">
-                <a:solidFill>
-                  <a:srgbClr val="000000"/>
-                </a:solidFill>
-                <a:latin typeface="Arial" panose="020B0604020202020204" pitchFamily="34" charset="0"/>
-              </a:rPr>
-              <a:t>=&gt; </a:t>
-            </a:r>
-            <a:r>
-              <a:rPr lang="en-US" sz="2000" b="1" dirty="0" smtClean="0">
-                <a:solidFill>
-                  <a:srgbClr val="000000"/>
-                </a:solidFill>
-                <a:latin typeface="Arial" panose="020B0604020202020204" pitchFamily="34" charset="0"/>
-              </a:rPr>
-              <a:t>Goals [0.4]</a:t>
+              <a:t>Goals [0,10] =&gt; Goals [0.4]</a:t>
             </a:r>
             <a:endParaRPr lang="en-US" sz="2000" b="1" dirty="0"/>
           </a:p>
@@ -5713,25 +5757,25 @@
           <a:lstStyle/>
           <a:p>
             <a:r>
-              <a:rPr lang="en-US" b="1" dirty="0" smtClean="0"/>
+              <a:rPr lang="en-US" b="1" dirty="0"/>
               <a:t>1</a:t>
             </a:r>
           </a:p>
           <a:p>
             <a:r>
-              <a:rPr lang="en-US" b="1" dirty="0" smtClean="0"/>
+              <a:rPr lang="en-US" b="1" dirty="0"/>
               <a:t>2</a:t>
             </a:r>
           </a:p>
           <a:p>
             <a:r>
-              <a:rPr lang="en-US" b="1" dirty="0" smtClean="0"/>
+              <a:rPr lang="en-US" b="1" dirty="0"/>
               <a:t>0</a:t>
             </a:r>
           </a:p>
           <a:p>
             <a:r>
-              <a:rPr lang="en-US" b="1" dirty="0" smtClean="0"/>
+              <a:rPr lang="en-US" b="1" dirty="0"/>
               <a:t>3</a:t>
             </a:r>
           </a:p>
@@ -5740,7 +5784,6 @@
               <a:rPr lang="en-US" b="1" dirty="0"/>
               <a:t>4</a:t>
             </a:r>
-            <a:endParaRPr lang="en-US" b="1" dirty="0" smtClean="0"/>
           </a:p>
         </p:txBody>
       </p:sp>
@@ -5754,13 +5797,6 @@
   <p:clrMapOvr>
     <a:masterClrMapping/>
   </p:clrMapOvr>
-  <p:timing>
-    <p:tnLst>
-      <p:par>
-        <p:cTn id="1" dur="indefinite" restart="never" nodeType="tmRoot"/>
-      </p:par>
-    </p:tnLst>
-  </p:timing>
 </p:sld>
 </file>
 
@@ -5798,13 +5834,8 @@
           <a:p>
             <a:r>
               <a:rPr lang="en-US" b="1" dirty="0"/>
-              <a:t>Round predicted </a:t>
-            </a:r>
-            <a:r>
-              <a:rPr lang="en-US" b="1" dirty="0" smtClean="0"/>
-              <a:t>value</a:t>
-            </a:r>
-            <a:endParaRPr lang="en-US" b="1" dirty="0"/>
+              <a:t>Round predicted value</a:t>
+            </a:r>
           </a:p>
         </p:txBody>
       </p:sp>
@@ -5834,9 +5865,27 @@
                 <a:tableStyleId>{5C22544A-7EE6-4342-B048-85BDC9FD1C3A}</a:tableStyleId>
               </a:tblPr>
               <a:tblGrid>
-                <a:gridCol w="3505200"/>
-                <a:gridCol w="3505200"/>
-                <a:gridCol w="3505200"/>
+                <a:gridCol w="3505200">
+                  <a:extLst>
+                    <a:ext uri="{9D8B030D-6E8A-4147-A177-3AD203B41FA5}">
+                      <a16:colId xmlns:a16="http://schemas.microsoft.com/office/drawing/2014/main" val="20000"/>
+                    </a:ext>
+                  </a:extLst>
+                </a:gridCol>
+                <a:gridCol w="3505200">
+                  <a:extLst>
+                    <a:ext uri="{9D8B030D-6E8A-4147-A177-3AD203B41FA5}">
+                      <a16:colId xmlns:a16="http://schemas.microsoft.com/office/drawing/2014/main" val="20001"/>
+                    </a:ext>
+                  </a:extLst>
+                </a:gridCol>
+                <a:gridCol w="3505200">
+                  <a:extLst>
+                    <a:ext uri="{9D8B030D-6E8A-4147-A177-3AD203B41FA5}">
+                      <a16:colId xmlns:a16="http://schemas.microsoft.com/office/drawing/2014/main" val="20002"/>
+                    </a:ext>
+                  </a:extLst>
+                </a:gridCol>
               </a:tblGrid>
               <a:tr h="370840">
                 <a:tc>
@@ -5845,10 +5894,9 @@
                     <a:lstStyle/>
                     <a:p>
                       <a:r>
-                        <a:rPr lang="en-US" dirty="0" smtClean="0"/>
+                        <a:rPr lang="en-US" dirty="0"/>
                         <a:t>Predicted value</a:t>
                       </a:r>
-                      <a:endParaRPr lang="en-US" dirty="0"/>
                     </a:p>
                   </a:txBody>
                   <a:tcPr/>
@@ -5859,11 +5907,11 @@
                     <a:lstStyle/>
                     <a:p>
                       <a:r>
-                        <a:rPr lang="en-US" dirty="0" smtClean="0"/>
+                        <a:rPr lang="en-US" dirty="0"/>
                         <a:t>Round predicted</a:t>
                       </a:r>
                       <a:r>
-                        <a:rPr lang="en-US" baseline="0" dirty="0" smtClean="0"/>
+                        <a:rPr lang="en-US" baseline="0" dirty="0"/>
                         <a:t> value</a:t>
                       </a:r>
                       <a:endParaRPr lang="en-US" dirty="0"/>
@@ -5877,11 +5925,11 @@
                     <a:lstStyle/>
                     <a:p>
                       <a:r>
-                        <a:rPr lang="en-US" dirty="0" smtClean="0"/>
+                        <a:rPr lang="en-US" dirty="0"/>
                         <a:t>Decoded</a:t>
                       </a:r>
                       <a:r>
-                        <a:rPr lang="en-US" baseline="0" dirty="0" smtClean="0"/>
+                        <a:rPr lang="en-US" baseline="0" dirty="0"/>
                         <a:t> value</a:t>
                       </a:r>
                       <a:endParaRPr lang="en-US" dirty="0"/>
@@ -5889,6 +5937,11 @@
                   </a:txBody>
                   <a:tcPr/>
                 </a:tc>
+                <a:extLst>
+                  <a:ext uri="{0D108BD9-81ED-4DB2-BD59-A6C34878D82A}">
+                    <a16:rowId xmlns:a16="http://schemas.microsoft.com/office/drawing/2014/main" val="10000"/>
+                  </a:ext>
+                </a:extLst>
               </a:tr>
               <a:tr h="370840">
                 <a:tc>
@@ -5897,16 +5950,12 @@
                     <a:lstStyle/>
                     <a:p>
                       <a:r>
-                        <a:rPr lang="en-US" dirty="0" smtClean="0"/>
+                        <a:rPr lang="en-US" dirty="0"/>
                         <a:t>[-1,</a:t>
                       </a:r>
                       <a:r>
-                        <a:rPr lang="en-US" baseline="0" dirty="0" smtClean="0"/>
-                        <a:t> -</a:t>
-                      </a:r>
-                      <a:r>
-                        <a:rPr lang="en-US" baseline="0" dirty="0" smtClean="0"/>
-                        <a:t>0.75[</a:t>
+                        <a:rPr lang="en-US" baseline="0" dirty="0"/>
+                        <a:t> -0.75[</a:t>
                       </a:r>
                       <a:endParaRPr lang="en-US" dirty="0"/>
                     </a:p>
@@ -5919,10 +5968,9 @@
                     <a:lstStyle/>
                     <a:p>
                       <a:r>
-                        <a:rPr lang="en-US" dirty="0" smtClean="0"/>
+                        <a:rPr lang="en-US" dirty="0"/>
                         <a:t>-1</a:t>
                       </a:r>
-                      <a:endParaRPr lang="en-US" dirty="0"/>
                     </a:p>
                   </a:txBody>
                   <a:tcPr/>
@@ -5933,14 +5981,18 @@
                     <a:lstStyle/>
                     <a:p>
                       <a:r>
-                        <a:rPr lang="en-US" dirty="0" smtClean="0"/>
+                        <a:rPr lang="en-US" dirty="0"/>
                         <a:t>0</a:t>
                       </a:r>
-                      <a:endParaRPr lang="en-US" dirty="0"/>
                     </a:p>
                   </a:txBody>
                   <a:tcPr/>
                 </a:tc>
+                <a:extLst>
+                  <a:ext uri="{0D108BD9-81ED-4DB2-BD59-A6C34878D82A}">
+                    <a16:rowId xmlns:a16="http://schemas.microsoft.com/office/drawing/2014/main" val="10001"/>
+                  </a:ext>
+                </a:extLst>
               </a:tr>
               <a:tr h="370840">
                 <a:tc>
@@ -5966,30 +6018,12 @@
                         <a:defRPr/>
                       </a:pPr>
                       <a:r>
-                        <a:rPr lang="en-US" dirty="0" smtClean="0"/>
+                        <a:rPr lang="en-US" dirty="0"/>
                         <a:t>[-0.75,</a:t>
                       </a:r>
                       <a:r>
-                        <a:rPr lang="en-US" baseline="0" dirty="0" smtClean="0"/>
-                        <a:t> -</a:t>
-                      </a:r>
-                      <a:r>
-                        <a:rPr lang="en-US" baseline="0" dirty="0" smtClean="0"/>
-                        <a:t>0.25[</a:t>
-                      </a:r>
-                      <a:endParaRPr lang="en-US" dirty="0" smtClean="0"/>
-                    </a:p>
-                  </a:txBody>
-                  <a:tcPr/>
-                </a:tc>
-                <a:tc>
-                  <a:txBody>
-                    <a:bodyPr/>
-                    <a:lstStyle/>
-                    <a:p>
-                      <a:r>
-                        <a:rPr lang="en-US" dirty="0" smtClean="0"/>
-                        <a:t>-0.5</a:t>
+                        <a:rPr lang="en-US" baseline="0" dirty="0"/>
+                        <a:t> -0.25[</a:t>
                       </a:r>
                       <a:endParaRPr lang="en-US" dirty="0"/>
                     </a:p>
@@ -6002,14 +6036,31 @@
                     <a:lstStyle/>
                     <a:p>
                       <a:r>
-                        <a:rPr lang="en-US" dirty="0" smtClean="0"/>
-                        <a:t>1</a:t>
+                        <a:rPr lang="en-US" dirty="0"/>
+                        <a:t>-0.5</a:t>
                       </a:r>
-                      <a:endParaRPr lang="en-US" dirty="0"/>
                     </a:p>
                   </a:txBody>
                   <a:tcPr/>
                 </a:tc>
+                <a:tc>
+                  <a:txBody>
+                    <a:bodyPr/>
+                    <a:lstStyle/>
+                    <a:p>
+                      <a:r>
+                        <a:rPr lang="en-US" dirty="0"/>
+                        <a:t>1</a:t>
+                      </a:r>
+                    </a:p>
+                  </a:txBody>
+                  <a:tcPr/>
+                </a:tc>
+                <a:extLst>
+                  <a:ext uri="{0D108BD9-81ED-4DB2-BD59-A6C34878D82A}">
+                    <a16:rowId xmlns:a16="http://schemas.microsoft.com/office/drawing/2014/main" val="10002"/>
+                  </a:ext>
+                </a:extLst>
               </a:tr>
               <a:tr h="370840">
                 <a:tc>
@@ -6035,30 +6086,12 @@
                         <a:defRPr/>
                       </a:pPr>
                       <a:r>
-                        <a:rPr lang="en-US" dirty="0" smtClean="0"/>
+                        <a:rPr lang="en-US" dirty="0"/>
                         <a:t>[-0.25,</a:t>
                       </a:r>
                       <a:r>
-                        <a:rPr lang="en-US" baseline="0" dirty="0" smtClean="0"/>
-                        <a:t> </a:t>
-                      </a:r>
-                      <a:r>
-                        <a:rPr lang="en-US" baseline="0" dirty="0" smtClean="0"/>
-                        <a:t>0.25[</a:t>
-                      </a:r>
-                      <a:endParaRPr lang="en-US" dirty="0" smtClean="0"/>
-                    </a:p>
-                  </a:txBody>
-                  <a:tcPr/>
-                </a:tc>
-                <a:tc>
-                  <a:txBody>
-                    <a:bodyPr/>
-                    <a:lstStyle/>
-                    <a:p>
-                      <a:r>
-                        <a:rPr lang="en-US" dirty="0" smtClean="0"/>
-                        <a:t>0</a:t>
+                        <a:rPr lang="en-US" baseline="0" dirty="0"/>
+                        <a:t> 0.25[</a:t>
                       </a:r>
                       <a:endParaRPr lang="en-US" dirty="0"/>
                     </a:p>
@@ -6071,14 +6104,31 @@
                     <a:lstStyle/>
                     <a:p>
                       <a:r>
-                        <a:rPr lang="en-US" dirty="0" smtClean="0"/>
-                        <a:t>2</a:t>
+                        <a:rPr lang="en-US" dirty="0"/>
+                        <a:t>0</a:t>
                       </a:r>
-                      <a:endParaRPr lang="en-US" dirty="0"/>
                     </a:p>
                   </a:txBody>
                   <a:tcPr/>
                 </a:tc>
+                <a:tc>
+                  <a:txBody>
+                    <a:bodyPr/>
+                    <a:lstStyle/>
+                    <a:p>
+                      <a:r>
+                        <a:rPr lang="en-US" dirty="0"/>
+                        <a:t>2</a:t>
+                      </a:r>
+                    </a:p>
+                  </a:txBody>
+                  <a:tcPr/>
+                </a:tc>
+                <a:extLst>
+                  <a:ext uri="{0D108BD9-81ED-4DB2-BD59-A6C34878D82A}">
+                    <a16:rowId xmlns:a16="http://schemas.microsoft.com/office/drawing/2014/main" val="10003"/>
+                  </a:ext>
+                </a:extLst>
               </a:tr>
               <a:tr h="370840">
                 <a:tc>
@@ -6104,30 +6154,12 @@
                         <a:defRPr/>
                       </a:pPr>
                       <a:r>
-                        <a:rPr lang="en-US" dirty="0" smtClean="0"/>
+                        <a:rPr lang="en-US" dirty="0"/>
                         <a:t>[0.25,</a:t>
                       </a:r>
                       <a:r>
-                        <a:rPr lang="en-US" baseline="0" dirty="0" smtClean="0"/>
-                        <a:t> </a:t>
-                      </a:r>
-                      <a:r>
-                        <a:rPr lang="en-US" baseline="0" dirty="0" smtClean="0"/>
-                        <a:t>0.75[</a:t>
-                      </a:r>
-                      <a:endParaRPr lang="en-US" dirty="0" smtClean="0"/>
-                    </a:p>
-                  </a:txBody>
-                  <a:tcPr/>
-                </a:tc>
-                <a:tc>
-                  <a:txBody>
-                    <a:bodyPr/>
-                    <a:lstStyle/>
-                    <a:p>
-                      <a:r>
-                        <a:rPr lang="en-US" dirty="0" smtClean="0"/>
-                        <a:t>0.5</a:t>
+                        <a:rPr lang="en-US" baseline="0" dirty="0"/>
+                        <a:t> 0.75[</a:t>
                       </a:r>
                       <a:endParaRPr lang="en-US" dirty="0"/>
                     </a:p>
@@ -6140,14 +6172,31 @@
                     <a:lstStyle/>
                     <a:p>
                       <a:r>
-                        <a:rPr lang="en-US" dirty="0" smtClean="0"/>
-                        <a:t>3</a:t>
+                        <a:rPr lang="en-US" dirty="0"/>
+                        <a:t>0.5</a:t>
                       </a:r>
-                      <a:endParaRPr lang="en-US" dirty="0"/>
                     </a:p>
                   </a:txBody>
                   <a:tcPr/>
                 </a:tc>
+                <a:tc>
+                  <a:txBody>
+                    <a:bodyPr/>
+                    <a:lstStyle/>
+                    <a:p>
+                      <a:r>
+                        <a:rPr lang="en-US" dirty="0"/>
+                        <a:t>3</a:t>
+                      </a:r>
+                    </a:p>
+                  </a:txBody>
+                  <a:tcPr/>
+                </a:tc>
+                <a:extLst>
+                  <a:ext uri="{0D108BD9-81ED-4DB2-BD59-A6C34878D82A}">
+                    <a16:rowId xmlns:a16="http://schemas.microsoft.com/office/drawing/2014/main" val="10004"/>
+                  </a:ext>
+                </a:extLst>
               </a:tr>
               <a:tr h="370840">
                 <a:tc>
@@ -6173,26 +6222,12 @@
                         <a:defRPr/>
                       </a:pPr>
                       <a:r>
-                        <a:rPr lang="en-US" dirty="0" smtClean="0"/>
+                        <a:rPr lang="en-US" dirty="0"/>
                         <a:t>[0.75, </a:t>
                       </a:r>
                       <a:r>
-                        <a:rPr lang="en-US" baseline="0" dirty="0" smtClean="0"/>
+                        <a:rPr lang="en-US" baseline="0" dirty="0"/>
                         <a:t>1]</a:t>
-                      </a:r>
-                      <a:endParaRPr lang="en-US" dirty="0" smtClean="0"/>
-                    </a:p>
-                  </a:txBody>
-                  <a:tcPr/>
-                </a:tc>
-                <a:tc>
-                  <a:txBody>
-                    <a:bodyPr/>
-                    <a:lstStyle/>
-                    <a:p>
-                      <a:r>
-                        <a:rPr lang="en-US" dirty="0" smtClean="0"/>
-                        <a:t>1</a:t>
                       </a:r>
                       <a:endParaRPr lang="en-US" dirty="0"/>
                     </a:p>
@@ -6205,14 +6240,31 @@
                     <a:lstStyle/>
                     <a:p>
                       <a:r>
-                        <a:rPr lang="en-US" dirty="0" smtClean="0"/>
-                        <a:t>4</a:t>
+                        <a:rPr lang="en-US" dirty="0"/>
+                        <a:t>1</a:t>
                       </a:r>
-                      <a:endParaRPr lang="en-US" dirty="0"/>
                     </a:p>
                   </a:txBody>
                   <a:tcPr/>
                 </a:tc>
+                <a:tc>
+                  <a:txBody>
+                    <a:bodyPr/>
+                    <a:lstStyle/>
+                    <a:p>
+                      <a:r>
+                        <a:rPr lang="en-US" dirty="0"/>
+                        <a:t>4</a:t>
+                      </a:r>
+                    </a:p>
+                  </a:txBody>
+                  <a:tcPr/>
+                </a:tc>
+                <a:extLst>
+                  <a:ext uri="{0D108BD9-81ED-4DB2-BD59-A6C34878D82A}">
+                    <a16:rowId xmlns:a16="http://schemas.microsoft.com/office/drawing/2014/main" val="10005"/>
+                  </a:ext>
+                </a:extLst>
               </a:tr>
             </a:tbl>
           </a:graphicData>
@@ -6268,21 +6320,13 @@
               <a:buChar char="▌"/>
             </a:pPr>
             <a:r>
-              <a:rPr lang="en-US" sz="2200" dirty="0" smtClean="0"/>
-              <a:t>Round and </a:t>
-            </a:r>
-            <a:r>
               <a:rPr lang="en-US" sz="2200" dirty="0"/>
-              <a:t>decode </a:t>
-            </a:r>
-            <a:r>
-              <a:rPr lang="en-US" sz="2200" dirty="0" smtClean="0"/>
-              <a:t>the predicted value</a:t>
+              <a:t>Round and decode the predicted value</a:t>
             </a:r>
             <a:br>
-              <a:rPr lang="en-US" sz="2200" dirty="0" smtClean="0"/>
+              <a:rPr lang="en-US" sz="2200" dirty="0"/>
             </a:br>
-            <a:endParaRPr lang="en-US" sz="2200" dirty="0" smtClean="0"/>
+            <a:endParaRPr lang="en-US" sz="2200" dirty="0"/>
           </a:p>
           <a:p>
             <a:pPr marL="285750" indent="-285750">
@@ -6295,13 +6339,13 @@
               <a:buChar char="▌"/>
             </a:pPr>
             <a:r>
-              <a:rPr lang="en-US" sz="2200" dirty="0" smtClean="0"/>
+              <a:rPr lang="en-US" sz="2200" dirty="0"/>
               <a:t>Decode the original value</a:t>
             </a:r>
             <a:br>
-              <a:rPr lang="en-US" sz="2200" dirty="0" smtClean="0"/>
+              <a:rPr lang="en-US" sz="2200" dirty="0"/>
             </a:br>
-            <a:endParaRPr lang="en-US" sz="2200" dirty="0" smtClean="0"/>
+            <a:endParaRPr lang="en-US" sz="2200" dirty="0"/>
           </a:p>
           <a:p>
             <a:pPr marL="285750" indent="-285750">
@@ -6314,7 +6358,7 @@
               <a:buChar char="▌"/>
             </a:pPr>
             <a:r>
-              <a:rPr lang="en-US" sz="2200" dirty="0" smtClean="0"/>
+              <a:rPr lang="en-US" sz="2200" dirty="0"/>
               <a:t>Compare them =&gt; </a:t>
             </a:r>
             <a:r>
@@ -6322,10 +6366,9 @@
               <a:t>Quality Model</a:t>
             </a:r>
             <a:r>
-              <a:rPr lang="en-US" sz="2200" b="1" dirty="0" smtClean="0"/>
+              <a:rPr lang="en-US" sz="2200" b="1" dirty="0"/>
               <a:t> </a:t>
             </a:r>
-            <a:endParaRPr lang="en-US" sz="2200" b="1" dirty="0"/>
           </a:p>
         </p:txBody>
       </p:sp>
@@ -6339,13 +6382,6 @@
   <p:clrMapOvr>
     <a:masterClrMapping/>
   </p:clrMapOvr>
-  <p:timing>
-    <p:tnLst>
-      <p:par>
-        <p:cTn id="1" dur="indefinite" restart="never" nodeType="tmRoot"/>
-      </p:par>
-    </p:tnLst>
-  </p:timing>
 </p:sld>
 </file>
 
@@ -6382,10 +6418,9 @@
           <a:lstStyle/>
           <a:p>
             <a:r>
-              <a:rPr lang="en-US" b="1" dirty="0" smtClean="0"/>
+              <a:rPr lang="en-US" b="1" dirty="0"/>
               <a:t>Quality Model</a:t>
             </a:r>
-            <a:endParaRPr lang="en-US" b="1" dirty="0"/>
           </a:p>
         </p:txBody>
       </p:sp>
@@ -6435,16 +6470,8 @@
               <a:buChar char="▌"/>
             </a:pPr>
             <a:r>
-              <a:rPr lang="en-US" b="1" dirty="0" smtClean="0"/>
-              <a:t>Based </a:t>
-            </a:r>
-            <a:r>
               <a:rPr lang="en-US" b="1" dirty="0"/>
-              <a:t>on </a:t>
-            </a:r>
-            <a:r>
-              <a:rPr lang="en-US" b="1" dirty="0" smtClean="0"/>
-              <a:t>Degree difference:</a:t>
+              <a:t>Based on Degree difference:</a:t>
             </a:r>
             <a:endParaRPr lang="en-US" dirty="0"/>
           </a:p>
@@ -6461,42 +6488,25 @@
             </a:pPr>
             <a:r>
               <a:rPr lang="en-US" dirty="0"/>
-              <a:t> </a:t>
-            </a:r>
-            <a:r>
-              <a:rPr lang="en-US" dirty="0" smtClean="0"/>
-              <a:t>abs (</a:t>
-            </a:r>
-            <a:r>
-              <a:rPr lang="en-US" dirty="0" err="1" smtClean="0"/>
+              <a:t> abs (</a:t>
+            </a:r>
+            <a:r>
+              <a:rPr lang="en-US" dirty="0" err="1"/>
               <a:t>yoriginal_home</a:t>
             </a:r>
             <a:r>
-              <a:rPr lang="en-US" dirty="0" smtClean="0"/>
+              <a:rPr lang="en-US" dirty="0"/>
               <a:t> – </a:t>
             </a:r>
             <a:r>
-              <a:rPr lang="en-US" dirty="0" err="1" smtClean="0"/>
+              <a:rPr lang="en-US" dirty="0" err="1"/>
               <a:t>ypred_home</a:t>
             </a:r>
             <a:r>
-              <a:rPr lang="en-US" dirty="0" smtClean="0"/>
+              <a:rPr lang="en-US" dirty="0"/>
               <a:t>)</a:t>
             </a:r>
             <a:endParaRPr lang="en-US" b="1" dirty="0"/>
-          </a:p>
-          <a:p>
-            <a:pPr marL="742950" lvl="1" indent="-285750">
-              <a:buClr>
-                <a:schemeClr val="accent1">
-                  <a:lumMod val="60000"/>
-                  <a:lumOff val="40000"/>
-                </a:schemeClr>
-              </a:buClr>
-              <a:buFont typeface="Arial" panose="020B0604020202020204" pitchFamily="34" charset="0"/>
-              <a:buChar char="►"/>
-            </a:pPr>
-            <a:endParaRPr lang="en-US" b="1" dirty="0" smtClean="0"/>
           </a:p>
           <a:p>
             <a:pPr marL="742950" lvl="1" indent="-285750">
@@ -6522,7 +6532,7 @@
               <a:buFont typeface="Arial" panose="020B0604020202020204" pitchFamily="34" charset="0"/>
               <a:buChar char="►"/>
             </a:pPr>
-            <a:endParaRPr lang="en-US" b="1" dirty="0" smtClean="0"/>
+            <a:endParaRPr lang="en-US" b="1" dirty="0"/>
           </a:p>
           <a:p>
             <a:pPr marL="742950" lvl="1" indent="-285750">
@@ -6548,7 +6558,7 @@
               <a:buFont typeface="Arial" panose="020B0604020202020204" pitchFamily="34" charset="0"/>
               <a:buChar char="►"/>
             </a:pPr>
-            <a:endParaRPr lang="en-US" b="1" dirty="0" smtClean="0"/>
+            <a:endParaRPr lang="en-US" b="1" dirty="0"/>
           </a:p>
           <a:p>
             <a:pPr marL="742950" lvl="1" indent="-285750">
@@ -6561,7 +6571,7 @@
               <a:buFont typeface="Arial" panose="020B0604020202020204" pitchFamily="34" charset="0"/>
               <a:buChar char="►"/>
             </a:pPr>
-            <a:endParaRPr lang="en-US" b="1" dirty="0" smtClean="0"/>
+            <a:endParaRPr lang="en-US" b="1" dirty="0"/>
           </a:p>
           <a:p>
             <a:pPr marL="742950" lvl="1" indent="-285750">
@@ -6574,7 +6584,20 @@
               <a:buFont typeface="Arial" panose="020B0604020202020204" pitchFamily="34" charset="0"/>
               <a:buChar char="►"/>
             </a:pPr>
-            <a:endParaRPr lang="en-US" b="1" dirty="0" smtClean="0"/>
+            <a:endParaRPr lang="en-US" b="1" dirty="0"/>
+          </a:p>
+          <a:p>
+            <a:pPr marL="742950" lvl="1" indent="-285750">
+              <a:buClr>
+                <a:schemeClr val="accent1">
+                  <a:lumMod val="60000"/>
+                  <a:lumOff val="40000"/>
+                </a:schemeClr>
+              </a:buClr>
+              <a:buFont typeface="Arial" panose="020B0604020202020204" pitchFamily="34" charset="0"/>
+              <a:buChar char="►"/>
+            </a:pPr>
+            <a:endParaRPr lang="en-US" b="1" dirty="0"/>
           </a:p>
           <a:p>
             <a:pPr marL="285750" indent="-285750">
@@ -6587,18 +6610,17 @@
               <a:buChar char="▌"/>
             </a:pPr>
             <a:r>
-              <a:rPr lang="en-US" b="1" dirty="0" smtClean="0"/>
+              <a:rPr lang="en-US" b="1" dirty="0"/>
               <a:t>The final result:</a:t>
             </a:r>
             <a:r>
-              <a:rPr lang="en-US" dirty="0" smtClean="0"/>
+              <a:rPr lang="en-US" dirty="0"/>
               <a:t> </a:t>
             </a:r>
             <a:r>
-              <a:rPr lang="en-US" sz="2100" dirty="0" smtClean="0"/>
+              <a:rPr lang="en-US" sz="2100" dirty="0"/>
               <a:t>(degree difference home goals + degree difference away goals) /2 </a:t>
             </a:r>
-            <a:endParaRPr lang="en-US" sz="2100" dirty="0"/>
           </a:p>
           <a:p>
             <a:pPr marL="0" indent="0">
@@ -6609,7 +6631,7 @@
               </a:buClr>
               <a:buNone/>
             </a:pPr>
-            <a:endParaRPr lang="en-US" dirty="0" smtClean="0"/>
+            <a:endParaRPr lang="en-US" dirty="0"/>
           </a:p>
         </p:txBody>
       </p:sp>
@@ -6638,8 +6660,20 @@
                 <a:tableStyleId>{5C22544A-7EE6-4342-B048-85BDC9FD1C3A}</a:tableStyleId>
               </a:tblPr>
               <a:tblGrid>
-                <a:gridCol w="3505200"/>
-                <a:gridCol w="3505200"/>
+                <a:gridCol w="3505200">
+                  <a:extLst>
+                    <a:ext uri="{9D8B030D-6E8A-4147-A177-3AD203B41FA5}">
+                      <a16:colId xmlns:a16="http://schemas.microsoft.com/office/drawing/2014/main" val="20000"/>
+                    </a:ext>
+                  </a:extLst>
+                </a:gridCol>
+                <a:gridCol w="3505200">
+                  <a:extLst>
+                    <a:ext uri="{9D8B030D-6E8A-4147-A177-3AD203B41FA5}">
+                      <a16:colId xmlns:a16="http://schemas.microsoft.com/office/drawing/2014/main" val="20001"/>
+                    </a:ext>
+                  </a:extLst>
+                </a:gridCol>
               </a:tblGrid>
               <a:tr h="370840">
                 <a:tc>
@@ -6658,10 +6692,10 @@
                         <a:buNone/>
                       </a:pPr>
                       <a:r>
-                        <a:rPr lang="en-US" dirty="0" smtClean="0"/>
+                        <a:rPr lang="en-US" dirty="0"/>
                         <a:t>abs (yoriginal - ypred)</a:t>
                       </a:r>
-                      <a:endParaRPr lang="en-US" b="1" dirty="0" smtClean="0"/>
+                      <a:endParaRPr lang="en-US" b="1" dirty="0"/>
                     </a:p>
                   </a:txBody>
                   <a:tcPr/>
@@ -6672,11 +6706,11 @@
                     <a:lstStyle/>
                     <a:p>
                       <a:r>
-                        <a:rPr lang="en-US" dirty="0" smtClean="0"/>
+                        <a:rPr lang="en-US" dirty="0"/>
                         <a:t>Degree</a:t>
                       </a:r>
                       <a:r>
-                        <a:rPr lang="en-US" baseline="0" dirty="0" smtClean="0"/>
+                        <a:rPr lang="en-US" baseline="0" dirty="0"/>
                         <a:t> difference</a:t>
                       </a:r>
                       <a:endParaRPr lang="en-US" dirty="0"/>
@@ -6684,6 +6718,11 @@
                   </a:txBody>
                   <a:tcPr/>
                 </a:tc>
+                <a:extLst>
+                  <a:ext uri="{0D108BD9-81ED-4DB2-BD59-A6C34878D82A}">
+                    <a16:rowId xmlns:a16="http://schemas.microsoft.com/office/drawing/2014/main" val="10000"/>
+                  </a:ext>
+                </a:extLst>
               </a:tr>
               <a:tr h="370840">
                 <a:tc>
@@ -6692,10 +6731,9 @@
                     <a:lstStyle/>
                     <a:p>
                       <a:r>
-                        <a:rPr lang="en-US" dirty="0" smtClean="0"/>
+                        <a:rPr lang="en-US" dirty="0"/>
                         <a:t>0</a:t>
                       </a:r>
-                      <a:endParaRPr lang="en-US" dirty="0"/>
                     </a:p>
                   </a:txBody>
                   <a:tcPr/>
@@ -6706,14 +6744,18 @@
                     <a:lstStyle/>
                     <a:p>
                       <a:r>
-                        <a:rPr lang="en-US" dirty="0" smtClean="0"/>
+                        <a:rPr lang="en-US" dirty="0"/>
                         <a:t>1</a:t>
                       </a:r>
-                      <a:endParaRPr lang="en-US" dirty="0"/>
                     </a:p>
                   </a:txBody>
                   <a:tcPr/>
                 </a:tc>
+                <a:extLst>
+                  <a:ext uri="{0D108BD9-81ED-4DB2-BD59-A6C34878D82A}">
+                    <a16:rowId xmlns:a16="http://schemas.microsoft.com/office/drawing/2014/main" val="10001"/>
+                  </a:ext>
+                </a:extLst>
               </a:tr>
               <a:tr h="370840">
                 <a:tc>
@@ -6739,7 +6781,7 @@
                         <a:defRPr/>
                       </a:pPr>
                       <a:r>
-                        <a:rPr lang="en-US" dirty="0" smtClean="0"/>
+                        <a:rPr lang="en-US" dirty="0"/>
                         <a:t>1</a:t>
                       </a:r>
                     </a:p>
@@ -6752,14 +6794,18 @@
                     <a:lstStyle/>
                     <a:p>
                       <a:r>
-                        <a:rPr lang="en-US" dirty="0" smtClean="0"/>
+                        <a:rPr lang="en-US" dirty="0"/>
                         <a:t>0.75</a:t>
                       </a:r>
-                      <a:endParaRPr lang="en-US" dirty="0"/>
                     </a:p>
                   </a:txBody>
                   <a:tcPr/>
                 </a:tc>
+                <a:extLst>
+                  <a:ext uri="{0D108BD9-81ED-4DB2-BD59-A6C34878D82A}">
+                    <a16:rowId xmlns:a16="http://schemas.microsoft.com/office/drawing/2014/main" val="10002"/>
+                  </a:ext>
+                </a:extLst>
               </a:tr>
               <a:tr h="370840">
                 <a:tc>
@@ -6785,7 +6831,7 @@
                         <a:defRPr/>
                       </a:pPr>
                       <a:r>
-                        <a:rPr lang="en-US" dirty="0" smtClean="0"/>
+                        <a:rPr lang="en-US" dirty="0"/>
                         <a:t>2</a:t>
                       </a:r>
                     </a:p>
@@ -6798,14 +6844,18 @@
                     <a:lstStyle/>
                     <a:p>
                       <a:r>
-                        <a:rPr lang="en-US" dirty="0" smtClean="0"/>
+                        <a:rPr lang="en-US" dirty="0"/>
                         <a:t>0.5</a:t>
                       </a:r>
-                      <a:endParaRPr lang="en-US" dirty="0"/>
                     </a:p>
                   </a:txBody>
                   <a:tcPr/>
                 </a:tc>
+                <a:extLst>
+                  <a:ext uri="{0D108BD9-81ED-4DB2-BD59-A6C34878D82A}">
+                    <a16:rowId xmlns:a16="http://schemas.microsoft.com/office/drawing/2014/main" val="10003"/>
+                  </a:ext>
+                </a:extLst>
               </a:tr>
               <a:tr h="370840">
                 <a:tc>
@@ -6831,7 +6881,7 @@
                         <a:defRPr/>
                       </a:pPr>
                       <a:r>
-                        <a:rPr lang="en-US" dirty="0" smtClean="0"/>
+                        <a:rPr lang="en-US" dirty="0"/>
                         <a:t>3</a:t>
                       </a:r>
                     </a:p>
@@ -6844,14 +6894,18 @@
                     <a:lstStyle/>
                     <a:p>
                       <a:r>
-                        <a:rPr lang="en-US" dirty="0" smtClean="0"/>
+                        <a:rPr lang="en-US" dirty="0"/>
                         <a:t>0.25</a:t>
                       </a:r>
-                      <a:endParaRPr lang="en-US" dirty="0"/>
                     </a:p>
                   </a:txBody>
                   <a:tcPr/>
                 </a:tc>
+                <a:extLst>
+                  <a:ext uri="{0D108BD9-81ED-4DB2-BD59-A6C34878D82A}">
+                    <a16:rowId xmlns:a16="http://schemas.microsoft.com/office/drawing/2014/main" val="10004"/>
+                  </a:ext>
+                </a:extLst>
               </a:tr>
               <a:tr h="338961">
                 <a:tc>
@@ -6877,7 +6931,7 @@
                         <a:defRPr/>
                       </a:pPr>
                       <a:r>
-                        <a:rPr lang="en-US" dirty="0" smtClean="0"/>
+                        <a:rPr lang="en-US" dirty="0"/>
                         <a:t>4</a:t>
                       </a:r>
                     </a:p>
@@ -6890,14 +6944,18 @@
                     <a:lstStyle/>
                     <a:p>
                       <a:r>
-                        <a:rPr lang="en-US" dirty="0" smtClean="0"/>
+                        <a:rPr lang="en-US" dirty="0"/>
                         <a:t>0</a:t>
                       </a:r>
-                      <a:endParaRPr lang="en-US" dirty="0"/>
                     </a:p>
                   </a:txBody>
                   <a:tcPr/>
                 </a:tc>
+                <a:extLst>
+                  <a:ext uri="{0D108BD9-81ED-4DB2-BD59-A6C34878D82A}">
+                    <a16:rowId xmlns:a16="http://schemas.microsoft.com/office/drawing/2014/main" val="10005"/>
+                  </a:ext>
+                </a:extLst>
               </a:tr>
             </a:tbl>
           </a:graphicData>
@@ -6913,13 +6971,6 @@
   <p:clrMapOvr>
     <a:masterClrMapping/>
   </p:clrMapOvr>
-  <p:timing>
-    <p:tnLst>
-      <p:par>
-        <p:cTn id="1" dur="indefinite" restart="never" nodeType="tmRoot"/>
-      </p:par>
-    </p:tnLst>
-  </p:timing>
 </p:sld>
 </file>
 
@@ -6960,41 +7011,28 @@
               <a:t>Test Multi Target </a:t>
             </a:r>
             <a:r>
-              <a:rPr lang="en-US" b="1" dirty="0" err="1" smtClean="0"/>
+              <a:rPr lang="en-US" b="1" dirty="0" err="1"/>
               <a:t>Regressors</a:t>
             </a:r>
             <a:r>
-              <a:rPr lang="en-US" b="1" dirty="0" smtClean="0"/>
+              <a:rPr lang="en-US" b="1" dirty="0"/>
               <a:t> (</a:t>
             </a:r>
             <a:r>
-              <a:rPr lang="en-US" b="1" dirty="0" err="1" smtClean="0"/>
+              <a:rPr lang="en-US" b="1" dirty="0" err="1"/>
               <a:t>Scikit</a:t>
             </a:r>
             <a:r>
-              <a:rPr lang="en-US" b="1" dirty="0" smtClean="0"/>
-              <a:t>)</a:t>
-            </a:r>
-            <a:r>
-              <a:rPr lang="en-US" b="1" dirty="0" smtClean="0"/>
-              <a:t> </a:t>
-            </a:r>
-            <a:r>
               <a:rPr lang="en-US" b="1" dirty="0"/>
-              <a:t/>
+              <a:t>) </a:t>
             </a:r>
             <a:br>
               <a:rPr lang="en-US" b="1" dirty="0"/>
             </a:br>
             <a:r>
               <a:rPr lang="en-US" sz="4300" b="1" dirty="0"/>
-              <a:t>(Scored </a:t>
-            </a:r>
-            <a:r>
-              <a:rPr lang="en-US" sz="4300" b="1" dirty="0" smtClean="0"/>
-              <a:t>Goals: Test dataset prediction)</a:t>
-            </a:r>
-            <a:endParaRPr lang="en-US" sz="4300" b="1" dirty="0"/>
+              <a:t>(Scored Goals: Test dataset prediction)</a:t>
+            </a:r>
           </a:p>
         </p:txBody>
       </p:sp>
@@ -7059,19 +7097,7 @@
             </a:pPr>
             <a:r>
               <a:rPr lang="en-US" dirty="0"/>
-              <a:t> Quality </a:t>
-            </a:r>
-            <a:r>
-              <a:rPr lang="en-US" dirty="0" smtClean="0"/>
-              <a:t>Model: 79% (Home</a:t>
-            </a:r>
-            <a:r>
-              <a:rPr lang="en-US" dirty="0"/>
-              <a:t>: </a:t>
-            </a:r>
-            <a:r>
-              <a:rPr lang="en-US" dirty="0" smtClean="0"/>
-              <a:t>77%, Away:81%)</a:t>
+              <a:t> Quality Model: 79% (Home: 77%, Away:81%)</a:t>
             </a:r>
           </a:p>
           <a:p>
@@ -7085,14 +7111,14 @@
               <a:buChar char="▌"/>
             </a:pPr>
             <a:r>
-              <a:rPr lang="en-US" b="1" dirty="0" smtClean="0"/>
+              <a:rPr lang="en-US" b="1" dirty="0"/>
               <a:t>Decision Tree </a:t>
             </a:r>
             <a:r>
-              <a:rPr lang="en-US" b="1" dirty="0" err="1" smtClean="0"/>
+              <a:rPr lang="en-US" b="1" dirty="0" err="1"/>
               <a:t>Regressor</a:t>
             </a:r>
-            <a:endParaRPr lang="en-US" b="1" dirty="0" smtClean="0"/>
+            <a:endParaRPr lang="en-US" b="1" dirty="0"/>
           </a:p>
           <a:p>
             <a:pPr marL="742950" lvl="1" indent="-285750">
@@ -7106,26 +7132,9 @@
               <a:buChar char="►"/>
             </a:pPr>
             <a:r>
-              <a:rPr lang="en-US" dirty="0" smtClean="0"/>
-              <a:t> Quality </a:t>
-            </a:r>
-            <a:r>
               <a:rPr lang="en-US" dirty="0"/>
-              <a:t>Model</a:t>
-            </a:r>
-            <a:r>
-              <a:rPr lang="en-US" dirty="0" smtClean="0"/>
-              <a:t>: 77% </a:t>
-            </a:r>
-            <a:r>
-              <a:rPr lang="en-US" dirty="0"/>
-              <a:t>(Home: </a:t>
-            </a:r>
-            <a:r>
-              <a:rPr lang="en-US" dirty="0" smtClean="0"/>
-              <a:t>76%, Away:78%)</a:t>
-            </a:r>
-            <a:endParaRPr lang="en-US" dirty="0"/>
+              <a:t> Quality Model: 77% (Home: 76%, Away:78%)</a:t>
+            </a:r>
           </a:p>
           <a:p>
             <a:pPr marL="285750" indent="-285750">
@@ -7159,24 +7168,8 @@
               <a:buChar char="►"/>
             </a:pPr>
             <a:r>
-              <a:rPr lang="en-US" dirty="0" smtClean="0"/>
-              <a:t> </a:t>
-            </a:r>
-            <a:r>
               <a:rPr lang="en-US" dirty="0"/>
-              <a:t>Quality Model</a:t>
-            </a:r>
-            <a:r>
-              <a:rPr lang="en-US" dirty="0" smtClean="0"/>
-              <a:t>: 77% (Home</a:t>
-            </a:r>
-            <a:r>
-              <a:rPr lang="en-US" dirty="0"/>
-              <a:t>: </a:t>
-            </a:r>
-            <a:r>
-              <a:rPr lang="en-US" dirty="0" smtClean="0"/>
-              <a:t>75%, Away:79%)</a:t>
+              <a:t> Quality Model: 77% (Home: 75%, Away:79%)</a:t>
             </a:r>
           </a:p>
           <a:p>
@@ -7218,24 +7211,8 @@
               <a:buChar char="►"/>
             </a:pPr>
             <a:r>
-              <a:rPr lang="en-US" dirty="0" smtClean="0"/>
-              <a:t> </a:t>
-            </a:r>
-            <a:r>
               <a:rPr lang="en-US" dirty="0"/>
-              <a:t>Quality Model: </a:t>
-            </a:r>
-            <a:r>
-              <a:rPr lang="en-US" dirty="0" smtClean="0"/>
-              <a:t>79% (Home</a:t>
-            </a:r>
-            <a:r>
-              <a:rPr lang="en-US" dirty="0"/>
-              <a:t>: 78%, Away:80</a:t>
-            </a:r>
-            <a:r>
-              <a:rPr lang="en-US" dirty="0" smtClean="0"/>
-              <a:t>%)</a:t>
+              <a:t> Quality Model: 79% (Home: 78%, Away:80%)</a:t>
             </a:r>
           </a:p>
           <a:p>
@@ -7277,26 +7254,9 @@
               <a:buChar char="►"/>
             </a:pPr>
             <a:r>
-              <a:rPr lang="en-US" dirty="0" smtClean="0"/>
-              <a:t> </a:t>
-            </a:r>
-            <a:r>
               <a:rPr lang="en-US" dirty="0"/>
-              <a:t>Quality Model: </a:t>
-            </a:r>
-            <a:r>
-              <a:rPr lang="en-US" dirty="0" smtClean="0"/>
-              <a:t>77% (Home</a:t>
-            </a:r>
-            <a:r>
-              <a:rPr lang="en-US" dirty="0"/>
-              <a:t>: </a:t>
-            </a:r>
-            <a:r>
-              <a:rPr lang="en-US" dirty="0" smtClean="0"/>
-              <a:t>75%, Away:79%)</a:t>
-            </a:r>
-            <a:endParaRPr lang="en-US" dirty="0"/>
+              <a:t> Quality Model: 77% (Home: 75%, Away:79%)</a:t>
+            </a:r>
           </a:p>
           <a:p>
             <a:pPr marL="742950" lvl="1" indent="-285750">
@@ -7320,7 +7280,7 @@
               </a:buClr>
               <a:buNone/>
             </a:pPr>
-            <a:endParaRPr lang="en-US" dirty="0" smtClean="0"/>
+            <a:endParaRPr lang="en-US" dirty="0"/>
           </a:p>
           <a:p>
             <a:pPr marL="457200" lvl="1" indent="0">
@@ -7365,13 +7325,6 @@
   <p:clrMapOvr>
     <a:masterClrMapping/>
   </p:clrMapOvr>
-  <p:timing>
-    <p:tnLst>
-      <p:par>
-        <p:cTn id="1" dur="indefinite" restart="never" nodeType="tmRoot"/>
-      </p:par>
-    </p:tnLst>
-  </p:timing>
 </p:sld>
 </file>
 
@@ -7410,33 +7363,24 @@
           <a:lstStyle/>
           <a:p>
             <a:r>
-              <a:rPr lang="en-US" b="1" dirty="0" smtClean="0"/>
+              <a:rPr lang="en-US" b="1" dirty="0"/>
               <a:t>Regression using </a:t>
             </a:r>
             <a:r>
-              <a:rPr lang="en-US" b="1" dirty="0" err="1" smtClean="0"/>
+              <a:rPr lang="en-US" b="1" dirty="0" err="1"/>
               <a:t>Tensorflow</a:t>
             </a:r>
             <a:r>
-              <a:rPr lang="en-US" b="1" dirty="0" smtClean="0"/>
+              <a:rPr lang="en-US" b="1" dirty="0"/>
               <a:t> ANN</a:t>
-            </a:r>
-            <a:r>
-              <a:rPr lang="en-US" b="1" dirty="0"/>
-              <a:t/>
             </a:r>
             <a:br>
               <a:rPr lang="en-US" b="1" dirty="0"/>
             </a:br>
             <a:r>
               <a:rPr lang="en-US" sz="4300" b="1" dirty="0"/>
-              <a:t>(Scored </a:t>
-            </a:r>
-            <a:r>
-              <a:rPr lang="en-US" sz="4300" b="1" dirty="0" smtClean="0"/>
-              <a:t>Goals)</a:t>
-            </a:r>
-            <a:endParaRPr lang="en-US" sz="4300" b="1" dirty="0"/>
+              <a:t>(Scored Goals)</a:t>
+            </a:r>
           </a:p>
         </p:txBody>
       </p:sp>
@@ -7467,10 +7411,9 @@
               <a:buChar char="▌"/>
             </a:pPr>
             <a:r>
-              <a:rPr lang="en-US" b="1" dirty="0" smtClean="0"/>
+              <a:rPr lang="en-US" b="1" dirty="0"/>
               <a:t>ANN</a:t>
             </a:r>
-            <a:endParaRPr lang="en-US" b="1" dirty="0"/>
           </a:p>
           <a:p>
             <a:pPr marL="742950" lvl="1" indent="-285750">
@@ -7485,11 +7428,7 @@
             </a:pPr>
             <a:r>
               <a:rPr lang="en-US" dirty="0"/>
-              <a:t> </a:t>
-            </a:r>
-            <a:r>
-              <a:rPr lang="en-US" dirty="0" smtClean="0"/>
-              <a:t>21 features in Input layer, 3 Hidden layers (30,20,10) and Output layer (2)</a:t>
+              <a:t> 21 features in Input layer, 3 Hidden layers (30,20,10) and Output layer (2)</a:t>
             </a:r>
           </a:p>
           <a:p>
@@ -7504,14 +7443,9 @@
               <a:buChar char="►"/>
             </a:pPr>
             <a:r>
-              <a:rPr lang="en-US" dirty="0" smtClean="0"/>
-              <a:t> Quality </a:t>
-            </a:r>
-            <a:r>
-              <a:rPr lang="en-US" dirty="0" smtClean="0"/>
-              <a:t>Model: </a:t>
-            </a:r>
-            <a:endParaRPr lang="en-US" dirty="0" smtClean="0"/>
+              <a:rPr lang="en-US" dirty="0"/>
+              <a:t> Quality Model: </a:t>
+            </a:r>
           </a:p>
           <a:p>
             <a:pPr marL="1200150" lvl="2" indent="-285750">
@@ -7525,20 +7459,8 @@
               <a:buChar char="►"/>
             </a:pPr>
             <a:r>
-              <a:rPr lang="en-US" dirty="0" smtClean="0"/>
-              <a:t>Training: 79</a:t>
-            </a:r>
-            <a:r>
-              <a:rPr lang="en-US" dirty="0" smtClean="0"/>
-              <a:t>% (Home</a:t>
-            </a:r>
-            <a:r>
               <a:rPr lang="en-US" dirty="0"/>
-              <a:t>: </a:t>
-            </a:r>
-            <a:r>
-              <a:rPr lang="en-US" dirty="0" smtClean="0"/>
-              <a:t>78%, Away:80%)</a:t>
+              <a:t>Training: 79% (Home: 78%, Away:80%)</a:t>
             </a:r>
           </a:p>
           <a:p>
@@ -7553,18 +7475,9 @@
               <a:buChar char="►"/>
             </a:pPr>
             <a:r>
-              <a:rPr lang="en-US" dirty="0" smtClean="0"/>
-              <a:t>Test: 78% </a:t>
-            </a:r>
-            <a:r>
               <a:rPr lang="en-US" dirty="0"/>
-              <a:t>(Home: 77%, </a:t>
-            </a:r>
-            <a:r>
-              <a:rPr lang="en-US" dirty="0" smtClean="0"/>
-              <a:t>Away:80%)</a:t>
-            </a:r>
-            <a:endParaRPr lang="en-US" dirty="0"/>
+              <a:t>Test: 78% (Home: 77%, Away:80%)</a:t>
+            </a:r>
           </a:p>
           <a:p>
             <a:pPr marL="1200150" lvl="2" indent="-285750">
@@ -7577,7 +7490,7 @@
               <a:buFont typeface="Arial" panose="020B0604020202020204" pitchFamily="34" charset="0"/>
               <a:buChar char="►"/>
             </a:pPr>
-            <a:endParaRPr lang="en-US" dirty="0" smtClean="0"/>
+            <a:endParaRPr lang="en-US" dirty="0"/>
           </a:p>
           <a:p>
             <a:pPr marL="742950" lvl="1" indent="-285750">
@@ -7601,7 +7514,7 @@
               </a:buClr>
               <a:buNone/>
             </a:pPr>
-            <a:endParaRPr lang="en-US" dirty="0" smtClean="0"/>
+            <a:endParaRPr lang="en-US" dirty="0"/>
           </a:p>
           <a:p>
             <a:pPr marL="457200" lvl="1" indent="0">
@@ -7646,13 +7559,6 @@
   <p:clrMapOvr>
     <a:masterClrMapping/>
   </p:clrMapOvr>
-  <p:timing>
-    <p:tnLst>
-      <p:par>
-        <p:cTn id="1" dur="indefinite" restart="never" nodeType="tmRoot"/>
-      </p:par>
-    </p:tnLst>
-  </p:timing>
 </p:sld>
 </file>
 
@@ -7685,6 +7591,198 @@
         </p:nvSpPr>
         <p:spPr/>
         <p:txBody>
+          <a:bodyPr>
+            <a:normAutofit/>
+          </a:bodyPr>
+          <a:lstStyle/>
+          <a:p>
+            <a:r>
+              <a:rPr lang="en-US" b="1" dirty="0"/>
+              <a:t>Multi-Label Classification</a:t>
+            </a:r>
+            <a:endParaRPr lang="en-US" sz="4300" b="1" dirty="0"/>
+          </a:p>
+        </p:txBody>
+      </p:sp>
+      <p:sp>
+        <p:nvSpPr>
+          <p:cNvPr id="3" name="Espace réservé du contenu 2"/>
+          <p:cNvSpPr>
+            <a:spLocks noGrp="1"/>
+          </p:cNvSpPr>
+          <p:nvPr>
+            <p:ph idx="1"/>
+          </p:nvPr>
+        </p:nvSpPr>
+        <p:spPr/>
+        <p:txBody>
+          <a:bodyPr>
+            <a:normAutofit/>
+          </a:bodyPr>
+          <a:lstStyle/>
+          <a:p>
+            <a:pPr marL="285750" indent="-285750">
+              <a:buClr>
+                <a:schemeClr val="accent1">
+                  <a:lumMod val="60000"/>
+                  <a:lumOff val="40000"/>
+                </a:schemeClr>
+              </a:buClr>
+              <a:buFont typeface="Arial" panose="020B0604020202020204" pitchFamily="34" charset="0"/>
+              <a:buChar char="►"/>
+            </a:pPr>
+            <a:r>
+              <a:rPr lang="en-US" dirty="0"/>
+              <a:t>Better than customized Output Layer </a:t>
+            </a:r>
+          </a:p>
+          <a:p>
+            <a:pPr marL="285750" indent="-285750">
+              <a:buClr>
+                <a:schemeClr val="accent1">
+                  <a:lumMod val="60000"/>
+                  <a:lumOff val="40000"/>
+                </a:schemeClr>
+              </a:buClr>
+              <a:buFont typeface="Arial" panose="020B0604020202020204" pitchFamily="34" charset="0"/>
+              <a:buChar char="►"/>
+            </a:pPr>
+            <a:r>
+              <a:rPr lang="en-US" dirty="0"/>
+              <a:t>Two different loss functions </a:t>
+            </a:r>
+          </a:p>
+          <a:p>
+            <a:pPr marL="285750" indent="-285750">
+              <a:buClr>
+                <a:schemeClr val="accent1">
+                  <a:lumMod val="60000"/>
+                  <a:lumOff val="40000"/>
+                </a:schemeClr>
+              </a:buClr>
+              <a:buFont typeface="Arial" panose="020B0604020202020204" pitchFamily="34" charset="0"/>
+              <a:buChar char="►"/>
+            </a:pPr>
+            <a:r>
+              <a:rPr lang="en-US" dirty="0"/>
+              <a:t>Same model for both outputs</a:t>
+            </a:r>
+          </a:p>
+          <a:p>
+            <a:pPr marL="285750" indent="-285750">
+              <a:buClr>
+                <a:schemeClr val="accent1">
+                  <a:lumMod val="60000"/>
+                  <a:lumOff val="40000"/>
+                </a:schemeClr>
+              </a:buClr>
+              <a:buFont typeface="Arial" panose="020B0604020202020204" pitchFamily="34" charset="0"/>
+              <a:buChar char="►"/>
+            </a:pPr>
+            <a:r>
+              <a:rPr lang="en-US" dirty="0"/>
+              <a:t>Only one output instead of two </a:t>
+            </a:r>
+          </a:p>
+          <a:p>
+            <a:pPr marL="742950" lvl="1" indent="-285750">
+              <a:buClr>
+                <a:schemeClr val="accent1">
+                  <a:lumMod val="60000"/>
+                  <a:lumOff val="40000"/>
+                </a:schemeClr>
+              </a:buClr>
+              <a:buFont typeface="Arial" panose="020B0604020202020204" pitchFamily="34" charset="0"/>
+              <a:buChar char="►"/>
+            </a:pPr>
+            <a:endParaRPr lang="en-US" dirty="0"/>
+          </a:p>
+          <a:p>
+            <a:pPr marL="0" indent="0">
+              <a:buClr>
+                <a:schemeClr val="accent1">
+                  <a:lumMod val="75000"/>
+                </a:schemeClr>
+              </a:buClr>
+              <a:buNone/>
+            </a:pPr>
+            <a:endParaRPr lang="en-US" dirty="0"/>
+          </a:p>
+          <a:p>
+            <a:pPr marL="457200" lvl="1" indent="0">
+              <a:buClr>
+                <a:schemeClr val="accent1">
+                  <a:lumMod val="60000"/>
+                  <a:lumOff val="40000"/>
+                </a:schemeClr>
+              </a:buClr>
+              <a:buNone/>
+            </a:pPr>
+            <a:endParaRPr lang="en-US" dirty="0"/>
+          </a:p>
+        </p:txBody>
+      </p:sp>
+      <p:sp>
+        <p:nvSpPr>
+          <p:cNvPr id="5" name="Espace réservé du pied de page 4"/>
+          <p:cNvSpPr>
+            <a:spLocks noGrp="1"/>
+          </p:cNvSpPr>
+          <p:nvPr>
+            <p:ph type="ftr" sz="quarter" idx="11"/>
+          </p:nvPr>
+        </p:nvSpPr>
+        <p:spPr/>
+        <p:txBody>
+          <a:bodyPr/>
+          <a:lstStyle/>
+          <a:p>
+            <a:endParaRPr lang="de-DE" dirty="0"/>
+          </a:p>
+        </p:txBody>
+      </p:sp>
+    </p:spTree>
+    <p:extLst>
+      <p:ext uri="{BB962C8B-B14F-4D97-AF65-F5344CB8AC3E}">
+        <p14:creationId xmlns:p14="http://schemas.microsoft.com/office/powerpoint/2010/main" val="2869810094"/>
+      </p:ext>
+    </p:extLst>
+  </p:cSld>
+  <p:clrMapOvr>
+    <a:masterClrMapping/>
+  </p:clrMapOvr>
+</p:sld>
+</file>
+
+<file path=ppt/slides/slide9.xml><?xml version="1.0" encoding="utf-8"?>
+<p:sld xmlns:a="http://schemas.openxmlformats.org/drawingml/2006/main" xmlns:r="http://schemas.openxmlformats.org/officeDocument/2006/relationships" xmlns:p="http://schemas.openxmlformats.org/presentationml/2006/main">
+  <p:cSld>
+    <p:spTree>
+      <p:nvGrpSpPr>
+        <p:cNvPr id="1" name=""/>
+        <p:cNvGrpSpPr/>
+        <p:nvPr/>
+      </p:nvGrpSpPr>
+      <p:grpSpPr>
+        <a:xfrm>
+          <a:off x="0" y="0"/>
+          <a:ext cx="0" cy="0"/>
+          <a:chOff x="0" y="0"/>
+          <a:chExt cx="0" cy="0"/>
+        </a:xfrm>
+      </p:grpSpPr>
+      <p:sp>
+        <p:nvSpPr>
+          <p:cNvPr id="2" name="Titre 1"/>
+          <p:cNvSpPr>
+            <a:spLocks noGrp="1"/>
+          </p:cNvSpPr>
+          <p:nvPr>
+            <p:ph type="title"/>
+          </p:nvPr>
+        </p:nvSpPr>
+        <p:spPr/>
+        <p:txBody>
           <a:bodyPr/>
           <a:lstStyle/>
           <a:p>
@@ -7721,11 +7819,7 @@
             </a:pPr>
             <a:r>
               <a:rPr lang="en-US" dirty="0"/>
-              <a:t>Regression</a:t>
-            </a:r>
-            <a:r>
-              <a:rPr lang="en-US" dirty="0" smtClean="0"/>
-              <a:t>:</a:t>
+              <a:t>Regression:</a:t>
             </a:r>
           </a:p>
           <a:p>
@@ -7738,7 +7832,7 @@
               <a:buFont typeface="Arial" panose="020B0604020202020204" pitchFamily="34" charset="0"/>
               <a:buChar char="▌"/>
             </a:pPr>
-            <a:endParaRPr lang="en-US" dirty="0" smtClean="0"/>
+            <a:endParaRPr lang="en-US" dirty="0"/>
           </a:p>
           <a:p>
             <a:endParaRPr lang="en-US" dirty="0"/>

--- a/Daily/sprint8/Sprint8_Review.pptx
+++ b/Daily/sprint8/Sprint8_Review.pptx
@@ -127,12 +127,12 @@
 <p1510:revInfo xmlns:a="http://schemas.openxmlformats.org/drawingml/2006/main" xmlns:r="http://schemas.openxmlformats.org/officeDocument/2006/relationships" xmlns:p1510="http://schemas.microsoft.com/office/powerpoint/2015/10/main">
   <p1510:revLst>
     <p1510:client id="{20A3EE01-A5DE-4061-8792-411F3BD47289}" v="42" dt="2020-01-19T10:03:37.844"/>
+    <p1510:client id="{45FD4B75-A3FC-44CB-82E5-76D6F7DD7E3B}" v="375" dt="2020-01-19T13:46:40.518"/>
     <p1510:client id="{C631908C-1A98-4B70-95DA-3D04A3C60BBB}" v="171" dt="2020-01-21T12:32:07.929"/>
-    <p1510:client id="{45FD4B75-A3FC-44CB-82E5-76D6F7DD7E3B}" v="375" dt="2020-01-19T13:46:40.518"/>
     <p1510:client id="{5343ECE3-9E46-444C-A3E7-13AED39F1A6F}" v="194" dt="2020-01-19T09:07:38.824"/>
     <p1510:client id="{6F85AB3B-9C26-4979-A8FD-2AB86F961360}" v="566" dt="2020-01-19T11:36:28.921"/>
+    <p1510:client id="{88307E76-9AA9-468C-AF85-650B13E9EA55}" v="12" dt="2020-01-19T09:35:01.725"/>
     <p1510:client id="{FE7B93E8-EE30-4C20-B6B5-A7FAB8A0E614}" v="635" dt="2020-01-19T13:03:37.165"/>
-    <p1510:client id="{88307E76-9AA9-468C-AF85-650B13E9EA55}" v="12" dt="2020-01-19T09:35:01.725"/>
   </p1510:revLst>
 </p1510:revInfo>
 </file>
@@ -7722,25 +7722,6 @@
           </a:p>
         </p:txBody>
       </p:sp>
-      <p:sp>
-        <p:nvSpPr>
-          <p:cNvPr id="5" name="Espace réservé du pied de page 4"/>
-          <p:cNvSpPr>
-            <a:spLocks noGrp="1"/>
-          </p:cNvSpPr>
-          <p:nvPr>
-            <p:ph type="ftr" sz="quarter" idx="11"/>
-          </p:nvPr>
-        </p:nvSpPr>
-        <p:spPr/>
-        <p:txBody>
-          <a:bodyPr/>
-          <a:lstStyle/>
-          <a:p>
-            <a:endParaRPr lang="de-DE" dirty="0"/>
-          </a:p>
-        </p:txBody>
-      </p:sp>
     </p:spTree>
     <p:extLst>
       <p:ext uri="{BB962C8B-B14F-4D97-AF65-F5344CB8AC3E}">

--- a/Daily/sprint8/Sprint8_Review.pptx
+++ b/Daily/sprint8/Sprint8_Review.pptx
@@ -5,7 +5,7 @@
     <p:sldMasterId id="2147483648" r:id="rId1"/>
   </p:sldMasterIdLst>
   <p:notesMasterIdLst>
-    <p:notesMasterId r:id="rId11"/>
+    <p:notesMasterId r:id="rId13"/>
   </p:notesMasterIdLst>
   <p:sldIdLst>
     <p:sldId id="256" r:id="rId2"/>
@@ -16,7 +16,9 @@
     <p:sldId id="261" r:id="rId7"/>
     <p:sldId id="273" r:id="rId8"/>
     <p:sldId id="274" r:id="rId9"/>
-    <p:sldId id="262" r:id="rId10"/>
+    <p:sldId id="275" r:id="rId10"/>
+    <p:sldId id="276" r:id="rId11"/>
+    <p:sldId id="262" r:id="rId12"/>
   </p:sldIdLst>
   <p:sldSz cx="12192000" cy="6858000"/>
   <p:notesSz cx="6858000" cy="9144000"/>
@@ -128,10 +130,10 @@
   <p1510:revLst>
     <p1510:client id="{20A3EE01-A5DE-4061-8792-411F3BD47289}" v="42" dt="2020-01-19T10:03:37.844"/>
     <p1510:client id="{45FD4B75-A3FC-44CB-82E5-76D6F7DD7E3B}" v="375" dt="2020-01-19T13:46:40.518"/>
-    <p1510:client id="{C631908C-1A98-4B70-95DA-3D04A3C60BBB}" v="171" dt="2020-01-21T12:32:07.929"/>
     <p1510:client id="{5343ECE3-9E46-444C-A3E7-13AED39F1A6F}" v="194" dt="2020-01-19T09:07:38.824"/>
     <p1510:client id="{6F85AB3B-9C26-4979-A8FD-2AB86F961360}" v="566" dt="2020-01-19T11:36:28.921"/>
     <p1510:client id="{88307E76-9AA9-468C-AF85-650B13E9EA55}" v="12" dt="2020-01-19T09:35:01.725"/>
+    <p1510:client id="{C631908C-1A98-4B70-95DA-3D04A3C60BBB}" v="171" dt="2020-01-21T12:32:07.929"/>
     <p1510:client id="{FE7B93E8-EE30-4C20-B6B5-A7FAB8A0E614}" v="635" dt="2020-01-19T13:03:37.165"/>
   </p1510:revLst>
 </p1510:revInfo>
@@ -1007,7 +1009,7 @@
           <a:p>
             <a:fld id="{10D08ABD-147D-43D8-AD0E-C56070E2C69D}" type="slidenum">
               <a:rPr lang="de-DE" smtClean="0"/>
-              <a:t>‹Nr.›</a:t>
+              <a:t>‹#›</a:t>
             </a:fld>
             <a:endParaRPr lang="de-DE"/>
           </a:p>
@@ -1985,7 +1987,7 @@
           <a:p>
             <a:fld id="{9A48FC86-4651-46AF-9E4A-D3FC30E17613}" type="slidenum">
               <a:rPr lang="de-DE" smtClean="0"/>
-              <a:t>‹Nr.›</a:t>
+              <a:t>‹#›</a:t>
             </a:fld>
             <a:endParaRPr lang="de-DE"/>
           </a:p>
@@ -2191,7 +2193,7 @@
           <a:p>
             <a:fld id="{9A48FC86-4651-46AF-9E4A-D3FC30E17613}" type="slidenum">
               <a:rPr lang="de-DE" smtClean="0"/>
-              <a:t>‹Nr.›</a:t>
+              <a:t>‹#›</a:t>
             </a:fld>
             <a:endParaRPr lang="de-DE"/>
           </a:p>
@@ -2407,7 +2409,7 @@
           <a:p>
             <a:fld id="{9A48FC86-4651-46AF-9E4A-D3FC30E17613}" type="slidenum">
               <a:rPr lang="de-DE" smtClean="0"/>
-              <a:t>‹Nr.›</a:t>
+              <a:t>‹#›</a:t>
             </a:fld>
             <a:endParaRPr lang="de-DE"/>
           </a:p>
@@ -2613,7 +2615,7 @@
           <a:p>
             <a:fld id="{9A48FC86-4651-46AF-9E4A-D3FC30E17613}" type="slidenum">
               <a:rPr lang="de-DE" smtClean="0"/>
-              <a:t>‹Nr.›</a:t>
+              <a:t>‹#›</a:t>
             </a:fld>
             <a:endParaRPr lang="de-DE"/>
           </a:p>
@@ -2896,7 +2898,7 @@
           <a:p>
             <a:fld id="{9A48FC86-4651-46AF-9E4A-D3FC30E17613}" type="slidenum">
               <a:rPr lang="de-DE" smtClean="0"/>
-              <a:t>‹Nr.›</a:t>
+              <a:t>‹#›</a:t>
             </a:fld>
             <a:endParaRPr lang="de-DE"/>
           </a:p>
@@ -3169,7 +3171,7 @@
           <a:p>
             <a:fld id="{9A48FC86-4651-46AF-9E4A-D3FC30E17613}" type="slidenum">
               <a:rPr lang="de-DE" smtClean="0"/>
-              <a:t>‹Nr.›</a:t>
+              <a:t>‹#›</a:t>
             </a:fld>
             <a:endParaRPr lang="de-DE"/>
           </a:p>
@@ -3589,7 +3591,7 @@
           <a:p>
             <a:fld id="{9A48FC86-4651-46AF-9E4A-D3FC30E17613}" type="slidenum">
               <a:rPr lang="de-DE" smtClean="0"/>
-              <a:t>‹Nr.›</a:t>
+              <a:t>‹#›</a:t>
             </a:fld>
             <a:endParaRPr lang="de-DE"/>
           </a:p>
@@ -3738,7 +3740,7 @@
           <a:p>
             <a:fld id="{9A48FC86-4651-46AF-9E4A-D3FC30E17613}" type="slidenum">
               <a:rPr lang="de-DE" smtClean="0"/>
-              <a:t>‹Nr.›</a:t>
+              <a:t>‹#›</a:t>
             </a:fld>
             <a:endParaRPr lang="de-DE"/>
           </a:p>
@@ -3859,7 +3861,7 @@
           <a:p>
             <a:fld id="{9A48FC86-4651-46AF-9E4A-D3FC30E17613}" type="slidenum">
               <a:rPr lang="de-DE" smtClean="0"/>
-              <a:t>‹Nr.›</a:t>
+              <a:t>‹#›</a:t>
             </a:fld>
             <a:endParaRPr lang="de-DE"/>
           </a:p>
@@ -4178,7 +4180,7 @@
           <a:p>
             <a:fld id="{9A48FC86-4651-46AF-9E4A-D3FC30E17613}" type="slidenum">
               <a:rPr lang="de-DE" smtClean="0"/>
-              <a:t>‹Nr.›</a:t>
+              <a:t>‹#›</a:t>
             </a:fld>
             <a:endParaRPr lang="de-DE"/>
           </a:p>
@@ -4474,7 +4476,7 @@
           <a:p>
             <a:fld id="{9A48FC86-4651-46AF-9E4A-D3FC30E17613}" type="slidenum">
               <a:rPr lang="de-DE" smtClean="0"/>
-              <a:t>‹Nr.›</a:t>
+              <a:t>‹#›</a:t>
             </a:fld>
             <a:endParaRPr lang="de-DE"/>
           </a:p>
@@ -4787,7 +4789,7 @@
           <a:p>
             <a:fld id="{5999A4A4-2D96-49E3-B364-04D265390CD4}" type="slidenum">
               <a:rPr lang="de-DE" smtClean="0"/>
-              <a:t>‹Nr.›</a:t>
+              <a:t>‹#›</a:t>
             </a:fld>
             <a:endParaRPr lang="de-DE"/>
           </a:p>
@@ -5236,6 +5238,282 @@
 </p:sld>
 </file>
 
+<file path=ppt/slides/slide10.xml><?xml version="1.0" encoding="utf-8"?>
+<p:sld xmlns:a="http://schemas.openxmlformats.org/drawingml/2006/main" xmlns:r="http://schemas.openxmlformats.org/officeDocument/2006/relationships" xmlns:p="http://schemas.openxmlformats.org/presentationml/2006/main">
+  <p:cSld>
+    <p:spTree>
+      <p:nvGrpSpPr>
+        <p:cNvPr id="1" name=""/>
+        <p:cNvGrpSpPr/>
+        <p:nvPr/>
+      </p:nvGrpSpPr>
+      <p:grpSpPr>
+        <a:xfrm>
+          <a:off x="0" y="0"/>
+          <a:ext cx="0" cy="0"/>
+          <a:chOff x="0" y="0"/>
+          <a:chExt cx="0" cy="0"/>
+        </a:xfrm>
+      </p:grpSpPr>
+      <p:sp>
+        <p:nvSpPr>
+          <p:cNvPr id="2" name="Title 1">
+            <a:extLst>
+              <a:ext uri="{FF2B5EF4-FFF2-40B4-BE49-F238E27FC236}">
+                <a16:creationId xmlns:a16="http://schemas.microsoft.com/office/drawing/2014/main" id="{385EBA94-B74C-4F97-AEDE-ECE099441611}"/>
+              </a:ext>
+            </a:extLst>
+          </p:cNvPr>
+          <p:cNvSpPr>
+            <a:spLocks noGrp="1"/>
+          </p:cNvSpPr>
+          <p:nvPr>
+            <p:ph type="title"/>
+          </p:nvPr>
+        </p:nvSpPr>
+        <p:spPr/>
+        <p:txBody>
+          <a:bodyPr/>
+          <a:lstStyle/>
+          <a:p>
+            <a:r>
+              <a:rPr lang="en-US" dirty="0"/>
+              <a:t>Frontend</a:t>
+            </a:r>
+            <a:endParaRPr lang="en-DE" dirty="0"/>
+          </a:p>
+        </p:txBody>
+      </p:sp>
+      <p:sp>
+        <p:nvSpPr>
+          <p:cNvPr id="4" name="Footer Placeholder 3">
+            <a:extLst>
+              <a:ext uri="{FF2B5EF4-FFF2-40B4-BE49-F238E27FC236}">
+                <a16:creationId xmlns:a16="http://schemas.microsoft.com/office/drawing/2014/main" id="{384A1145-7D2A-4EA9-B07C-CE63112F7CE1}"/>
+              </a:ext>
+            </a:extLst>
+          </p:cNvPr>
+          <p:cNvSpPr>
+            <a:spLocks noGrp="1"/>
+          </p:cNvSpPr>
+          <p:nvPr>
+            <p:ph type="ftr" sz="quarter" idx="11"/>
+          </p:nvPr>
+        </p:nvSpPr>
+        <p:spPr/>
+        <p:txBody>
+          <a:bodyPr/>
+          <a:lstStyle/>
+          <a:p>
+            <a:endParaRPr lang="de-DE" dirty="0"/>
+          </a:p>
+        </p:txBody>
+      </p:sp>
+      <p:pic>
+        <p:nvPicPr>
+          <p:cNvPr id="5" name="Picture 4">
+            <a:extLst>
+              <a:ext uri="{FF2B5EF4-FFF2-40B4-BE49-F238E27FC236}">
+                <a16:creationId xmlns:a16="http://schemas.microsoft.com/office/drawing/2014/main" id="{E2EE2263-B34C-440D-89F0-A77BA62E13C9}"/>
+              </a:ext>
+            </a:extLst>
+          </p:cNvPr>
+          <p:cNvPicPr>
+            <a:picLocks noChangeAspect="1"/>
+          </p:cNvPicPr>
+          <p:nvPr/>
+        </p:nvPicPr>
+        <p:blipFill>
+          <a:blip r:embed="rId2"/>
+          <a:stretch>
+            <a:fillRect/>
+          </a:stretch>
+        </p:blipFill>
+        <p:spPr>
+          <a:xfrm>
+            <a:off x="419100" y="1822449"/>
+            <a:ext cx="11353800" cy="4257675"/>
+          </a:xfrm>
+          <a:prstGeom prst="rect">
+            <a:avLst/>
+          </a:prstGeom>
+        </p:spPr>
+      </p:pic>
+    </p:spTree>
+    <p:extLst>
+      <p:ext uri="{BB962C8B-B14F-4D97-AF65-F5344CB8AC3E}">
+        <p14:creationId xmlns:p14="http://schemas.microsoft.com/office/powerpoint/2010/main" val="177701318"/>
+      </p:ext>
+    </p:extLst>
+  </p:cSld>
+  <p:clrMapOvr>
+    <a:masterClrMapping/>
+  </p:clrMapOvr>
+</p:sld>
+</file>
+
+<file path=ppt/slides/slide11.xml><?xml version="1.0" encoding="utf-8"?>
+<p:sld xmlns:a="http://schemas.openxmlformats.org/drawingml/2006/main" xmlns:r="http://schemas.openxmlformats.org/officeDocument/2006/relationships" xmlns:p="http://schemas.openxmlformats.org/presentationml/2006/main">
+  <p:cSld>
+    <p:spTree>
+      <p:nvGrpSpPr>
+        <p:cNvPr id="1" name=""/>
+        <p:cNvGrpSpPr/>
+        <p:nvPr/>
+      </p:nvGrpSpPr>
+      <p:grpSpPr>
+        <a:xfrm>
+          <a:off x="0" y="0"/>
+          <a:ext cx="0" cy="0"/>
+          <a:chOff x="0" y="0"/>
+          <a:chExt cx="0" cy="0"/>
+        </a:xfrm>
+      </p:grpSpPr>
+      <p:sp>
+        <p:nvSpPr>
+          <p:cNvPr id="2" name="Titre 1"/>
+          <p:cNvSpPr>
+            <a:spLocks noGrp="1"/>
+          </p:cNvSpPr>
+          <p:nvPr>
+            <p:ph type="title"/>
+          </p:nvPr>
+        </p:nvSpPr>
+        <p:spPr/>
+        <p:txBody>
+          <a:bodyPr/>
+          <a:lstStyle/>
+          <a:p>
+            <a:r>
+              <a:rPr lang="en-US" b="1" dirty="0"/>
+              <a:t>Next Sprint</a:t>
+            </a:r>
+          </a:p>
+        </p:txBody>
+      </p:sp>
+      <p:sp>
+        <p:nvSpPr>
+          <p:cNvPr id="3" name="Espace réservé du contenu 2"/>
+          <p:cNvSpPr>
+            <a:spLocks noGrp="1"/>
+          </p:cNvSpPr>
+          <p:nvPr>
+            <p:ph idx="1"/>
+          </p:nvPr>
+        </p:nvSpPr>
+        <p:spPr/>
+        <p:txBody>
+          <a:bodyPr/>
+          <a:lstStyle/>
+          <a:p>
+            <a:pPr marL="285750" indent="-285750">
+              <a:buClr>
+                <a:schemeClr val="accent1">
+                  <a:lumMod val="75000"/>
+                </a:schemeClr>
+              </a:buClr>
+              <a:buFont typeface="Arial" panose="020B0604020202020204" pitchFamily="34" charset="0"/>
+              <a:buChar char="▌"/>
+            </a:pPr>
+            <a:r>
+              <a:rPr lang="en-US" dirty="0"/>
+              <a:t>Regression improvements</a:t>
+            </a:r>
+          </a:p>
+          <a:p>
+            <a:pPr marL="285750" indent="-285750">
+              <a:buClr>
+                <a:schemeClr val="accent1">
+                  <a:lumMod val="75000"/>
+                </a:schemeClr>
+              </a:buClr>
+              <a:buFont typeface="Arial" panose="020B0604020202020204" pitchFamily="34" charset="0"/>
+              <a:buChar char="▌"/>
+            </a:pPr>
+            <a:r>
+              <a:rPr lang="en-US" dirty="0"/>
+              <a:t>Multi-label classification</a:t>
+            </a:r>
+          </a:p>
+          <a:p>
+            <a:pPr marL="285750" indent="-285750">
+              <a:buClr>
+                <a:schemeClr val="accent1">
+                  <a:lumMod val="75000"/>
+                </a:schemeClr>
+              </a:buClr>
+              <a:buFont typeface="Arial" panose="020B0604020202020204" pitchFamily="34" charset="0"/>
+              <a:buChar char="▌"/>
+            </a:pPr>
+            <a:r>
+              <a:rPr lang="en-US" dirty="0"/>
+              <a:t>Frontend improvements</a:t>
+            </a:r>
+          </a:p>
+          <a:p>
+            <a:pPr marL="285750" indent="-285750">
+              <a:buClr>
+                <a:schemeClr val="accent1">
+                  <a:lumMod val="75000"/>
+                </a:schemeClr>
+              </a:buClr>
+              <a:buFont typeface="Arial" panose="020B0604020202020204" pitchFamily="34" charset="0"/>
+              <a:buChar char="▌"/>
+            </a:pPr>
+            <a:r>
+              <a:rPr lang="en-US" dirty="0"/>
+              <a:t>Backend improvements</a:t>
+            </a:r>
+          </a:p>
+          <a:p>
+            <a:pPr marL="285750" indent="-285750">
+              <a:buClr>
+                <a:schemeClr val="accent1">
+                  <a:lumMod val="75000"/>
+                </a:schemeClr>
+              </a:buClr>
+              <a:buFont typeface="Arial" panose="020B0604020202020204" pitchFamily="34" charset="0"/>
+              <a:buChar char="▌"/>
+            </a:pPr>
+            <a:endParaRPr lang="en-US" dirty="0"/>
+          </a:p>
+          <a:p>
+            <a:endParaRPr lang="en-US" dirty="0"/>
+          </a:p>
+        </p:txBody>
+      </p:sp>
+      <p:sp>
+        <p:nvSpPr>
+          <p:cNvPr id="5" name="Espace réservé du pied de page 4"/>
+          <p:cNvSpPr>
+            <a:spLocks noGrp="1"/>
+          </p:cNvSpPr>
+          <p:nvPr>
+            <p:ph type="ftr" sz="quarter" idx="11"/>
+          </p:nvPr>
+        </p:nvSpPr>
+        <p:spPr/>
+        <p:txBody>
+          <a:bodyPr/>
+          <a:lstStyle/>
+          <a:p>
+            <a:endParaRPr lang="de-DE" dirty="0"/>
+          </a:p>
+        </p:txBody>
+      </p:sp>
+    </p:spTree>
+    <p:extLst>
+      <p:ext uri="{BB962C8B-B14F-4D97-AF65-F5344CB8AC3E}">
+        <p14:creationId xmlns:p14="http://schemas.microsoft.com/office/powerpoint/2010/main" val="1256040228"/>
+      </p:ext>
+    </p:extLst>
+  </p:cSld>
+  <p:clrMapOvr>
+    <a:masterClrMapping/>
+  </p:clrMapOvr>
+</p:sld>
+</file>
+
 <file path=ppt/slides/slide2.xml><?xml version="1.0" encoding="utf-8"?>
 <p:sld xmlns:a="http://schemas.openxmlformats.org/drawingml/2006/main" xmlns:r="http://schemas.openxmlformats.org/officeDocument/2006/relationships" xmlns:p="http://schemas.openxmlformats.org/presentationml/2006/main">
   <p:cSld>
@@ -5346,16 +5624,43 @@
             </a:pPr>
             <a:r>
               <a:rPr lang="en-US" dirty="0"/>
-              <a:t>Test Multi Target </a:t>
-            </a:r>
-            <a:r>
-              <a:rPr lang="en-US" dirty="0" err="1"/>
-              <a:t>Regressors</a:t>
-            </a:r>
+              <a:t>Test Multi Target Regressors (Scored Goals)</a:t>
+            </a:r>
+          </a:p>
+          <a:p>
+            <a:pPr marL="285750" indent="-285750">
+              <a:buClr>
+                <a:schemeClr val="accent1">
+                  <a:lumMod val="75000"/>
+                </a:schemeClr>
+              </a:buClr>
+              <a:buFont typeface="Arial" panose="020B0604020202020204" pitchFamily="34" charset="0"/>
+              <a:buChar char="▌"/>
+            </a:pPr>
             <a:r>
               <a:rPr lang="en-US" dirty="0"/>
-              <a:t> (Scored Goals)</a:t>
-            </a:r>
+              <a:t>Multi Label classification</a:t>
+            </a:r>
+          </a:p>
+          <a:p>
+            <a:pPr marL="285750" indent="-285750">
+              <a:buClr>
+                <a:schemeClr val="accent1">
+                  <a:lumMod val="75000"/>
+                </a:schemeClr>
+              </a:buClr>
+              <a:buFont typeface="Arial" panose="020B0604020202020204" pitchFamily="34" charset="0"/>
+              <a:buChar char="▌"/>
+            </a:pPr>
+            <a:r>
+              <a:rPr lang="en-US" dirty="0"/>
+              <a:t>Front- and </a:t>
+            </a:r>
+            <a:r>
+              <a:rPr lang="en-US"/>
+              <a:t>Backend completion</a:t>
+            </a:r>
+            <a:endParaRPr lang="en-US" dirty="0"/>
           </a:p>
           <a:p>
             <a:endParaRPr lang="en-US" dirty="0"/>
@@ -7754,7 +8059,76 @@
       </p:grpSpPr>
       <p:sp>
         <p:nvSpPr>
-          <p:cNvPr id="2" name="Titre 1"/>
+          <p:cNvPr id="10" name="Rectangle 9">
+            <a:extLst>
+              <a:ext uri="{FF2B5EF4-FFF2-40B4-BE49-F238E27FC236}">
+                <a16:creationId xmlns:a16="http://schemas.microsoft.com/office/drawing/2014/main" id="{55745D05-55D2-4ED3-B310-F36DE3809076}"/>
+              </a:ext>
+            </a:extLst>
+          </p:cNvPr>
+          <p:cNvSpPr/>
+          <p:nvPr/>
+        </p:nvSpPr>
+        <p:spPr>
+          <a:xfrm>
+            <a:off x="6095999" y="1690688"/>
+            <a:ext cx="4006467" cy="1449119"/>
+          </a:xfrm>
+          <a:prstGeom prst="rect">
+            <a:avLst/>
+          </a:prstGeom>
+          <a:solidFill>
+            <a:schemeClr val="accent5">
+              <a:lumMod val="20000"/>
+              <a:lumOff val="80000"/>
+            </a:schemeClr>
+          </a:solidFill>
+        </p:spPr>
+        <p:style>
+          <a:lnRef idx="2">
+            <a:schemeClr val="accent1">
+              <a:shade val="50000"/>
+            </a:schemeClr>
+          </a:lnRef>
+          <a:fillRef idx="1">
+            <a:schemeClr val="accent1"/>
+          </a:fillRef>
+          <a:effectRef idx="0">
+            <a:schemeClr val="accent1"/>
+          </a:effectRef>
+          <a:fontRef idx="minor">
+            <a:schemeClr val="lt1"/>
+          </a:fontRef>
+        </p:style>
+        <p:txBody>
+          <a:bodyPr rtlCol="0" anchor="t"/>
+          <a:lstStyle/>
+          <a:p>
+            <a:r>
+              <a:rPr lang="en-US" dirty="0" err="1">
+                <a:solidFill>
+                  <a:schemeClr val="tx1"/>
+                </a:solidFill>
+              </a:rPr>
+              <a:t>db</a:t>
+            </a:r>
+            <a:endParaRPr lang="en-DE" dirty="0">
+              <a:solidFill>
+                <a:schemeClr val="tx1"/>
+              </a:solidFill>
+            </a:endParaRPr>
+          </a:p>
+        </p:txBody>
+      </p:sp>
+      <p:sp>
+        <p:nvSpPr>
+          <p:cNvPr id="2" name="Title 1">
+            <a:extLst>
+              <a:ext uri="{FF2B5EF4-FFF2-40B4-BE49-F238E27FC236}">
+                <a16:creationId xmlns:a16="http://schemas.microsoft.com/office/drawing/2014/main" id="{DD5ACAF5-0850-402B-A44F-B3621D69C5A7}"/>
+              </a:ext>
+            </a:extLst>
+          </p:cNvPr>
           <p:cNvSpPr>
             <a:spLocks noGrp="1"/>
           </p:cNvSpPr>
@@ -7768,81 +8142,827 @@
           <a:lstStyle/>
           <a:p>
             <a:r>
-              <a:rPr lang="en-US" b="1" dirty="0"/>
-              <a:t>Next Sprint</a:t>
-            </a:r>
-          </a:p>
-        </p:txBody>
-      </p:sp>
-      <p:sp>
-        <p:nvSpPr>
-          <p:cNvPr id="3" name="Espace réservé du contenu 2"/>
-          <p:cNvSpPr>
-            <a:spLocks noGrp="1"/>
-          </p:cNvSpPr>
-          <p:nvPr>
-            <p:ph idx="1"/>
-          </p:nvPr>
-        </p:nvSpPr>
-        <p:spPr/>
-        <p:txBody>
-          <a:bodyPr/>
-          <a:lstStyle/>
-          <a:p>
-            <a:pPr marL="285750" indent="-285750">
-              <a:buClr>
-                <a:schemeClr val="accent1">
-                  <a:lumMod val="75000"/>
-                </a:schemeClr>
-              </a:buClr>
-              <a:buFont typeface="Arial" panose="020B0604020202020204" pitchFamily="34" charset="0"/>
-              <a:buChar char="▌"/>
-            </a:pPr>
-            <a:r>
               <a:rPr lang="en-US" dirty="0"/>
-              <a:t>Regression:</a:t>
-            </a:r>
-          </a:p>
-          <a:p>
-            <a:pPr marL="285750" indent="-285750">
-              <a:buClr>
-                <a:schemeClr val="accent1">
-                  <a:lumMod val="75000"/>
-                </a:schemeClr>
-              </a:buClr>
-              <a:buFont typeface="Arial" panose="020B0604020202020204" pitchFamily="34" charset="0"/>
-              <a:buChar char="▌"/>
-            </a:pPr>
-            <a:endParaRPr lang="en-US" dirty="0"/>
-          </a:p>
-          <a:p>
-            <a:endParaRPr lang="en-US" dirty="0"/>
-          </a:p>
-        </p:txBody>
-      </p:sp>
-      <p:sp>
-        <p:nvSpPr>
-          <p:cNvPr id="5" name="Espace réservé du pied de page 4"/>
-          <p:cNvSpPr>
-            <a:spLocks noGrp="1"/>
-          </p:cNvSpPr>
-          <p:nvPr>
-            <p:ph type="ftr" sz="quarter" idx="11"/>
-          </p:nvPr>
-        </p:nvSpPr>
-        <p:spPr/>
-        <p:txBody>
-          <a:bodyPr/>
-          <a:lstStyle/>
-          <a:p>
-            <a:endParaRPr lang="de-DE" dirty="0"/>
-          </a:p>
-        </p:txBody>
-      </p:sp>
+              <a:t>Backend</a:t>
+            </a:r>
+            <a:endParaRPr lang="en-DE" dirty="0"/>
+          </a:p>
+        </p:txBody>
+      </p:sp>
+      <p:sp>
+        <p:nvSpPr>
+          <p:cNvPr id="5" name="Rectangle 4">
+            <a:extLst>
+              <a:ext uri="{FF2B5EF4-FFF2-40B4-BE49-F238E27FC236}">
+                <a16:creationId xmlns:a16="http://schemas.microsoft.com/office/drawing/2014/main" id="{CA4523CB-9745-4927-B7C8-6C13F596FB2D}"/>
+              </a:ext>
+            </a:extLst>
+          </p:cNvPr>
+          <p:cNvSpPr/>
+          <p:nvPr/>
+        </p:nvSpPr>
+        <p:spPr>
+          <a:xfrm>
+            <a:off x="617402" y="3139807"/>
+            <a:ext cx="1597446" cy="746410"/>
+          </a:xfrm>
+          <a:prstGeom prst="rect">
+            <a:avLst/>
+          </a:prstGeom>
+          <a:solidFill>
+            <a:schemeClr val="accent3">
+              <a:lumMod val="40000"/>
+              <a:lumOff val="60000"/>
+            </a:schemeClr>
+          </a:solidFill>
+        </p:spPr>
+        <p:style>
+          <a:lnRef idx="2">
+            <a:schemeClr val="accent1">
+              <a:shade val="50000"/>
+            </a:schemeClr>
+          </a:lnRef>
+          <a:fillRef idx="1">
+            <a:schemeClr val="accent1"/>
+          </a:fillRef>
+          <a:effectRef idx="0">
+            <a:schemeClr val="accent1"/>
+          </a:effectRef>
+          <a:fontRef idx="minor">
+            <a:schemeClr val="lt1"/>
+          </a:fontRef>
+        </p:style>
+        <p:txBody>
+          <a:bodyPr rtlCol="0" anchor="ctr"/>
+          <a:lstStyle/>
+          <a:p>
+            <a:pPr algn="ctr"/>
+            <a:r>
+              <a:rPr lang="en-US" dirty="0">
+                <a:solidFill>
+                  <a:schemeClr val="tx1"/>
+                </a:solidFill>
+              </a:rPr>
+              <a:t>server.py</a:t>
+            </a:r>
+            <a:endParaRPr lang="en-DE" dirty="0">
+              <a:solidFill>
+                <a:schemeClr val="tx1"/>
+              </a:solidFill>
+            </a:endParaRPr>
+          </a:p>
+        </p:txBody>
+      </p:sp>
+      <p:sp>
+        <p:nvSpPr>
+          <p:cNvPr id="6" name="Rectangle 5">
+            <a:extLst>
+              <a:ext uri="{FF2B5EF4-FFF2-40B4-BE49-F238E27FC236}">
+                <a16:creationId xmlns:a16="http://schemas.microsoft.com/office/drawing/2014/main" id="{22206313-E97D-4F76-9CF3-421598B30F8E}"/>
+              </a:ext>
+            </a:extLst>
+          </p:cNvPr>
+          <p:cNvSpPr/>
+          <p:nvPr/>
+        </p:nvSpPr>
+        <p:spPr>
+          <a:xfrm>
+            <a:off x="2918091" y="3139807"/>
+            <a:ext cx="1597446" cy="746410"/>
+          </a:xfrm>
+          <a:prstGeom prst="rect">
+            <a:avLst/>
+          </a:prstGeom>
+          <a:solidFill>
+            <a:schemeClr val="accent3">
+              <a:lumMod val="40000"/>
+              <a:lumOff val="60000"/>
+            </a:schemeClr>
+          </a:solidFill>
+        </p:spPr>
+        <p:style>
+          <a:lnRef idx="2">
+            <a:schemeClr val="accent1">
+              <a:shade val="50000"/>
+            </a:schemeClr>
+          </a:lnRef>
+          <a:fillRef idx="1">
+            <a:schemeClr val="accent1"/>
+          </a:fillRef>
+          <a:effectRef idx="0">
+            <a:schemeClr val="accent1"/>
+          </a:effectRef>
+          <a:fontRef idx="minor">
+            <a:schemeClr val="lt1"/>
+          </a:fontRef>
+        </p:style>
+        <p:txBody>
+          <a:bodyPr rtlCol="0" anchor="ctr"/>
+          <a:lstStyle/>
+          <a:p>
+            <a:pPr algn="ctr"/>
+            <a:r>
+              <a:rPr lang="en-US" dirty="0">
+                <a:solidFill>
+                  <a:schemeClr val="tx1"/>
+                </a:solidFill>
+              </a:rPr>
+              <a:t>controller.py</a:t>
+            </a:r>
+            <a:endParaRPr lang="en-DE" dirty="0">
+              <a:solidFill>
+                <a:schemeClr val="tx1"/>
+              </a:solidFill>
+            </a:endParaRPr>
+          </a:p>
+        </p:txBody>
+      </p:sp>
+      <p:sp>
+        <p:nvSpPr>
+          <p:cNvPr id="7" name="Rectangle 6">
+            <a:extLst>
+              <a:ext uri="{FF2B5EF4-FFF2-40B4-BE49-F238E27FC236}">
+                <a16:creationId xmlns:a16="http://schemas.microsoft.com/office/drawing/2014/main" id="{28AB2155-79F6-4F2F-9FBE-4F119B66AD21}"/>
+              </a:ext>
+            </a:extLst>
+          </p:cNvPr>
+          <p:cNvSpPr/>
+          <p:nvPr/>
+        </p:nvSpPr>
+        <p:spPr>
+          <a:xfrm>
+            <a:off x="6364995" y="2215292"/>
+            <a:ext cx="1597446" cy="746410"/>
+          </a:xfrm>
+          <a:prstGeom prst="rect">
+            <a:avLst/>
+          </a:prstGeom>
+          <a:solidFill>
+            <a:schemeClr val="accent3">
+              <a:lumMod val="40000"/>
+              <a:lumOff val="60000"/>
+            </a:schemeClr>
+          </a:solidFill>
+        </p:spPr>
+        <p:style>
+          <a:lnRef idx="2">
+            <a:schemeClr val="accent1">
+              <a:shade val="50000"/>
+            </a:schemeClr>
+          </a:lnRef>
+          <a:fillRef idx="1">
+            <a:schemeClr val="accent1"/>
+          </a:fillRef>
+          <a:effectRef idx="0">
+            <a:schemeClr val="accent1"/>
+          </a:effectRef>
+          <a:fontRef idx="minor">
+            <a:schemeClr val="lt1"/>
+          </a:fontRef>
+        </p:style>
+        <p:txBody>
+          <a:bodyPr rtlCol="0" anchor="ctr"/>
+          <a:lstStyle/>
+          <a:p>
+            <a:pPr algn="ctr"/>
+            <a:r>
+              <a:rPr lang="en-US" dirty="0">
+                <a:solidFill>
+                  <a:schemeClr val="tx1"/>
+                </a:solidFill>
+              </a:rPr>
+              <a:t>helper.py</a:t>
+            </a:r>
+            <a:endParaRPr lang="en-DE" dirty="0">
+              <a:solidFill>
+                <a:schemeClr val="tx1"/>
+              </a:solidFill>
+            </a:endParaRPr>
+          </a:p>
+        </p:txBody>
+      </p:sp>
+      <p:sp>
+        <p:nvSpPr>
+          <p:cNvPr id="11" name="Rectangle 10">
+            <a:extLst>
+              <a:ext uri="{FF2B5EF4-FFF2-40B4-BE49-F238E27FC236}">
+                <a16:creationId xmlns:a16="http://schemas.microsoft.com/office/drawing/2014/main" id="{161552C3-C321-49DB-8511-3B9CC35E1919}"/>
+              </a:ext>
+            </a:extLst>
+          </p:cNvPr>
+          <p:cNvSpPr/>
+          <p:nvPr/>
+        </p:nvSpPr>
+        <p:spPr>
+          <a:xfrm>
+            <a:off x="8231437" y="2215292"/>
+            <a:ext cx="1597446" cy="746410"/>
+          </a:xfrm>
+          <a:prstGeom prst="rect">
+            <a:avLst/>
+          </a:prstGeom>
+          <a:solidFill>
+            <a:schemeClr val="accent4">
+              <a:lumMod val="20000"/>
+              <a:lumOff val="80000"/>
+            </a:schemeClr>
+          </a:solidFill>
+        </p:spPr>
+        <p:style>
+          <a:lnRef idx="2">
+            <a:schemeClr val="accent1">
+              <a:shade val="50000"/>
+            </a:schemeClr>
+          </a:lnRef>
+          <a:fillRef idx="1">
+            <a:schemeClr val="accent1"/>
+          </a:fillRef>
+          <a:effectRef idx="0">
+            <a:schemeClr val="accent1"/>
+          </a:effectRef>
+          <a:fontRef idx="minor">
+            <a:schemeClr val="lt1"/>
+          </a:fontRef>
+        </p:style>
+        <p:txBody>
+          <a:bodyPr rtlCol="0" anchor="ctr"/>
+          <a:lstStyle/>
+          <a:p>
+            <a:pPr algn="ctr"/>
+            <a:r>
+              <a:rPr lang="en-US" dirty="0" err="1">
+                <a:solidFill>
+                  <a:schemeClr val="tx1"/>
+                </a:solidFill>
+              </a:rPr>
+              <a:t>db.sqlite</a:t>
+            </a:r>
+            <a:endParaRPr lang="en-DE" dirty="0">
+              <a:solidFill>
+                <a:schemeClr val="tx1"/>
+              </a:solidFill>
+            </a:endParaRPr>
+          </a:p>
+        </p:txBody>
+      </p:sp>
+      <p:sp>
+        <p:nvSpPr>
+          <p:cNvPr id="12" name="Rectangle 11">
+            <a:extLst>
+              <a:ext uri="{FF2B5EF4-FFF2-40B4-BE49-F238E27FC236}">
+                <a16:creationId xmlns:a16="http://schemas.microsoft.com/office/drawing/2014/main" id="{6305CFAA-BF00-4AF7-92E9-7921CABF7362}"/>
+              </a:ext>
+            </a:extLst>
+          </p:cNvPr>
+          <p:cNvSpPr/>
+          <p:nvPr/>
+        </p:nvSpPr>
+        <p:spPr>
+          <a:xfrm>
+            <a:off x="6095999" y="3330365"/>
+            <a:ext cx="4006467" cy="1449119"/>
+          </a:xfrm>
+          <a:prstGeom prst="rect">
+            <a:avLst/>
+          </a:prstGeom>
+          <a:solidFill>
+            <a:schemeClr val="accent5">
+              <a:lumMod val="20000"/>
+              <a:lumOff val="80000"/>
+            </a:schemeClr>
+          </a:solidFill>
+        </p:spPr>
+        <p:style>
+          <a:lnRef idx="2">
+            <a:schemeClr val="accent1">
+              <a:shade val="50000"/>
+            </a:schemeClr>
+          </a:lnRef>
+          <a:fillRef idx="1">
+            <a:schemeClr val="accent1"/>
+          </a:fillRef>
+          <a:effectRef idx="0">
+            <a:schemeClr val="accent1"/>
+          </a:effectRef>
+          <a:fontRef idx="minor">
+            <a:schemeClr val="lt1"/>
+          </a:fontRef>
+        </p:style>
+        <p:txBody>
+          <a:bodyPr rtlCol="0" anchor="t"/>
+          <a:lstStyle/>
+          <a:p>
+            <a:r>
+              <a:rPr lang="en-US" dirty="0">
+                <a:solidFill>
+                  <a:schemeClr val="tx1"/>
+                </a:solidFill>
+              </a:rPr>
+              <a:t>ml</a:t>
+            </a:r>
+            <a:endParaRPr lang="en-DE" dirty="0">
+              <a:solidFill>
+                <a:schemeClr val="tx1"/>
+              </a:solidFill>
+            </a:endParaRPr>
+          </a:p>
+        </p:txBody>
+      </p:sp>
+      <p:sp>
+        <p:nvSpPr>
+          <p:cNvPr id="13" name="Rectangle 12">
+            <a:extLst>
+              <a:ext uri="{FF2B5EF4-FFF2-40B4-BE49-F238E27FC236}">
+                <a16:creationId xmlns:a16="http://schemas.microsoft.com/office/drawing/2014/main" id="{B54FD4AA-46F2-4BFE-902D-9C01AF0BD8EE}"/>
+              </a:ext>
+            </a:extLst>
+          </p:cNvPr>
+          <p:cNvSpPr/>
+          <p:nvPr/>
+        </p:nvSpPr>
+        <p:spPr>
+          <a:xfrm>
+            <a:off x="6364995" y="3854969"/>
+            <a:ext cx="1597446" cy="746410"/>
+          </a:xfrm>
+          <a:prstGeom prst="rect">
+            <a:avLst/>
+          </a:prstGeom>
+          <a:solidFill>
+            <a:schemeClr val="accent3">
+              <a:lumMod val="40000"/>
+              <a:lumOff val="60000"/>
+            </a:schemeClr>
+          </a:solidFill>
+        </p:spPr>
+        <p:style>
+          <a:lnRef idx="2">
+            <a:schemeClr val="accent1">
+              <a:shade val="50000"/>
+            </a:schemeClr>
+          </a:lnRef>
+          <a:fillRef idx="1">
+            <a:schemeClr val="accent1"/>
+          </a:fillRef>
+          <a:effectRef idx="0">
+            <a:schemeClr val="accent1"/>
+          </a:effectRef>
+          <a:fontRef idx="minor">
+            <a:schemeClr val="lt1"/>
+          </a:fontRef>
+        </p:style>
+        <p:txBody>
+          <a:bodyPr rtlCol="0" anchor="ctr"/>
+          <a:lstStyle/>
+          <a:p>
+            <a:pPr algn="ctr"/>
+            <a:r>
+              <a:rPr lang="en-US" dirty="0">
+                <a:solidFill>
+                  <a:schemeClr val="tx1"/>
+                </a:solidFill>
+              </a:rPr>
+              <a:t>helper.py</a:t>
+            </a:r>
+            <a:endParaRPr lang="en-DE" dirty="0">
+              <a:solidFill>
+                <a:schemeClr val="tx1"/>
+              </a:solidFill>
+            </a:endParaRPr>
+          </a:p>
+        </p:txBody>
+      </p:sp>
+      <p:sp>
+        <p:nvSpPr>
+          <p:cNvPr id="14" name="Rectangle 13">
+            <a:extLst>
+              <a:ext uri="{FF2B5EF4-FFF2-40B4-BE49-F238E27FC236}">
+                <a16:creationId xmlns:a16="http://schemas.microsoft.com/office/drawing/2014/main" id="{8CDCAF49-A99D-445A-8E22-41A0EEA46E40}"/>
+              </a:ext>
+            </a:extLst>
+          </p:cNvPr>
+          <p:cNvSpPr/>
+          <p:nvPr/>
+        </p:nvSpPr>
+        <p:spPr>
+          <a:xfrm>
+            <a:off x="8231437" y="3854969"/>
+            <a:ext cx="1597446" cy="746410"/>
+          </a:xfrm>
+          <a:prstGeom prst="rect">
+            <a:avLst/>
+          </a:prstGeom>
+          <a:solidFill>
+            <a:schemeClr val="accent2">
+              <a:lumMod val="20000"/>
+              <a:lumOff val="80000"/>
+            </a:schemeClr>
+          </a:solidFill>
+        </p:spPr>
+        <p:style>
+          <a:lnRef idx="2">
+            <a:schemeClr val="accent1">
+              <a:shade val="50000"/>
+            </a:schemeClr>
+          </a:lnRef>
+          <a:fillRef idx="1">
+            <a:schemeClr val="accent1"/>
+          </a:fillRef>
+          <a:effectRef idx="0">
+            <a:schemeClr val="accent1"/>
+          </a:effectRef>
+          <a:fontRef idx="minor">
+            <a:schemeClr val="lt1"/>
+          </a:fontRef>
+        </p:style>
+        <p:txBody>
+          <a:bodyPr rtlCol="0" anchor="ctr"/>
+          <a:lstStyle/>
+          <a:p>
+            <a:pPr algn="ctr"/>
+            <a:r>
+              <a:rPr lang="en-US" dirty="0">
+                <a:solidFill>
+                  <a:schemeClr val="tx1"/>
+                </a:solidFill>
+              </a:rPr>
+              <a:t>model.h5</a:t>
+            </a:r>
+            <a:endParaRPr lang="en-DE" dirty="0">
+              <a:solidFill>
+                <a:schemeClr val="tx1"/>
+              </a:solidFill>
+            </a:endParaRPr>
+          </a:p>
+        </p:txBody>
+      </p:sp>
+      <p:sp>
+        <p:nvSpPr>
+          <p:cNvPr id="15" name="Rectangle 14">
+            <a:extLst>
+              <a:ext uri="{FF2B5EF4-FFF2-40B4-BE49-F238E27FC236}">
+                <a16:creationId xmlns:a16="http://schemas.microsoft.com/office/drawing/2014/main" id="{46D1FD83-FB5C-406C-B627-4E09DBBF64C3}"/>
+              </a:ext>
+            </a:extLst>
+          </p:cNvPr>
+          <p:cNvSpPr/>
+          <p:nvPr/>
+        </p:nvSpPr>
+        <p:spPr>
+          <a:xfrm>
+            <a:off x="6096000" y="4970042"/>
+            <a:ext cx="2023432" cy="1449119"/>
+          </a:xfrm>
+          <a:prstGeom prst="rect">
+            <a:avLst/>
+          </a:prstGeom>
+          <a:solidFill>
+            <a:schemeClr val="accent5">
+              <a:lumMod val="20000"/>
+              <a:lumOff val="80000"/>
+            </a:schemeClr>
+          </a:solidFill>
+        </p:spPr>
+        <p:style>
+          <a:lnRef idx="2">
+            <a:schemeClr val="accent1">
+              <a:shade val="50000"/>
+            </a:schemeClr>
+          </a:lnRef>
+          <a:fillRef idx="1">
+            <a:schemeClr val="accent1"/>
+          </a:fillRef>
+          <a:effectRef idx="0">
+            <a:schemeClr val="accent1"/>
+          </a:effectRef>
+          <a:fontRef idx="minor">
+            <a:schemeClr val="lt1"/>
+          </a:fontRef>
+        </p:style>
+        <p:txBody>
+          <a:bodyPr rtlCol="0" anchor="t"/>
+          <a:lstStyle/>
+          <a:p>
+            <a:r>
+              <a:rPr lang="en-US" dirty="0">
+                <a:solidFill>
+                  <a:schemeClr val="tx1"/>
+                </a:solidFill>
+              </a:rPr>
+              <a:t>fetching</a:t>
+            </a:r>
+            <a:endParaRPr lang="en-DE" dirty="0">
+              <a:solidFill>
+                <a:schemeClr val="tx1"/>
+              </a:solidFill>
+            </a:endParaRPr>
+          </a:p>
+        </p:txBody>
+      </p:sp>
+      <p:sp>
+        <p:nvSpPr>
+          <p:cNvPr id="16" name="Rectangle 15">
+            <a:extLst>
+              <a:ext uri="{FF2B5EF4-FFF2-40B4-BE49-F238E27FC236}">
+                <a16:creationId xmlns:a16="http://schemas.microsoft.com/office/drawing/2014/main" id="{771E8331-94F3-4088-A9DB-F2EC804F7A11}"/>
+              </a:ext>
+            </a:extLst>
+          </p:cNvPr>
+          <p:cNvSpPr/>
+          <p:nvPr/>
+        </p:nvSpPr>
+        <p:spPr>
+          <a:xfrm>
+            <a:off x="6364995" y="5494646"/>
+            <a:ext cx="1597446" cy="746410"/>
+          </a:xfrm>
+          <a:prstGeom prst="rect">
+            <a:avLst/>
+          </a:prstGeom>
+          <a:solidFill>
+            <a:schemeClr val="accent3">
+              <a:lumMod val="40000"/>
+              <a:lumOff val="60000"/>
+            </a:schemeClr>
+          </a:solidFill>
+        </p:spPr>
+        <p:style>
+          <a:lnRef idx="2">
+            <a:schemeClr val="accent1">
+              <a:shade val="50000"/>
+            </a:schemeClr>
+          </a:lnRef>
+          <a:fillRef idx="1">
+            <a:schemeClr val="accent1"/>
+          </a:fillRef>
+          <a:effectRef idx="0">
+            <a:schemeClr val="accent1"/>
+          </a:effectRef>
+          <a:fontRef idx="minor">
+            <a:schemeClr val="lt1"/>
+          </a:fontRef>
+        </p:style>
+        <p:txBody>
+          <a:bodyPr rtlCol="0" anchor="ctr"/>
+          <a:lstStyle/>
+          <a:p>
+            <a:pPr algn="ctr"/>
+            <a:r>
+              <a:rPr lang="en-US" dirty="0">
+                <a:solidFill>
+                  <a:schemeClr val="tx1"/>
+                </a:solidFill>
+              </a:rPr>
+              <a:t>helper.py</a:t>
+            </a:r>
+            <a:endParaRPr lang="en-DE" dirty="0">
+              <a:solidFill>
+                <a:schemeClr val="tx1"/>
+              </a:solidFill>
+            </a:endParaRPr>
+          </a:p>
+        </p:txBody>
+      </p:sp>
+      <p:cxnSp>
+        <p:nvCxnSpPr>
+          <p:cNvPr id="19" name="Straight Connector 18">
+            <a:extLst>
+              <a:ext uri="{FF2B5EF4-FFF2-40B4-BE49-F238E27FC236}">
+                <a16:creationId xmlns:a16="http://schemas.microsoft.com/office/drawing/2014/main" id="{B0DE6F31-1E3B-4386-857B-831265C9DC54}"/>
+              </a:ext>
+            </a:extLst>
+          </p:cNvPr>
+          <p:cNvCxnSpPr>
+            <a:stCxn id="5" idx="3"/>
+            <a:endCxn id="6" idx="1"/>
+          </p:cNvCxnSpPr>
+          <p:nvPr/>
+        </p:nvCxnSpPr>
+        <p:spPr>
+          <a:xfrm>
+            <a:off x="2214848" y="3513012"/>
+            <a:ext cx="703243" cy="0"/>
+          </a:xfrm>
+          <a:prstGeom prst="line">
+            <a:avLst/>
+          </a:prstGeom>
+        </p:spPr>
+        <p:style>
+          <a:lnRef idx="1">
+            <a:schemeClr val="dk1"/>
+          </a:lnRef>
+          <a:fillRef idx="0">
+            <a:schemeClr val="dk1"/>
+          </a:fillRef>
+          <a:effectRef idx="0">
+            <a:schemeClr val="dk1"/>
+          </a:effectRef>
+          <a:fontRef idx="minor">
+            <a:schemeClr val="tx1"/>
+          </a:fontRef>
+        </p:style>
+      </p:cxnSp>
+      <p:cxnSp>
+        <p:nvCxnSpPr>
+          <p:cNvPr id="21" name="Straight Connector 20">
+            <a:extLst>
+              <a:ext uri="{FF2B5EF4-FFF2-40B4-BE49-F238E27FC236}">
+                <a16:creationId xmlns:a16="http://schemas.microsoft.com/office/drawing/2014/main" id="{1260B81A-8768-4A80-B37F-103BB759A5BC}"/>
+              </a:ext>
+            </a:extLst>
+          </p:cNvPr>
+          <p:cNvCxnSpPr>
+            <a:cxnSpLocks/>
+            <a:stCxn id="6" idx="3"/>
+            <a:endCxn id="7" idx="1"/>
+          </p:cNvCxnSpPr>
+          <p:nvPr/>
+        </p:nvCxnSpPr>
+        <p:spPr>
+          <a:xfrm flipV="1">
+            <a:off x="4515537" y="2588497"/>
+            <a:ext cx="1849458" cy="924515"/>
+          </a:xfrm>
+          <a:prstGeom prst="line">
+            <a:avLst/>
+          </a:prstGeom>
+        </p:spPr>
+        <p:style>
+          <a:lnRef idx="1">
+            <a:schemeClr val="dk1"/>
+          </a:lnRef>
+          <a:fillRef idx="0">
+            <a:schemeClr val="dk1"/>
+          </a:fillRef>
+          <a:effectRef idx="0">
+            <a:schemeClr val="dk1"/>
+          </a:effectRef>
+          <a:fontRef idx="minor">
+            <a:schemeClr val="tx1"/>
+          </a:fontRef>
+        </p:style>
+      </p:cxnSp>
+      <p:cxnSp>
+        <p:nvCxnSpPr>
+          <p:cNvPr id="22" name="Straight Connector 21">
+            <a:extLst>
+              <a:ext uri="{FF2B5EF4-FFF2-40B4-BE49-F238E27FC236}">
+                <a16:creationId xmlns:a16="http://schemas.microsoft.com/office/drawing/2014/main" id="{908D1CDA-A17A-4644-83FF-AB95BE256B6D}"/>
+              </a:ext>
+            </a:extLst>
+          </p:cNvPr>
+          <p:cNvCxnSpPr>
+            <a:cxnSpLocks/>
+            <a:stCxn id="6" idx="3"/>
+          </p:cNvCxnSpPr>
+          <p:nvPr/>
+        </p:nvCxnSpPr>
+        <p:spPr>
+          <a:xfrm>
+            <a:off x="4515537" y="3513012"/>
+            <a:ext cx="1833851" cy="746410"/>
+          </a:xfrm>
+          <a:prstGeom prst="line">
+            <a:avLst/>
+          </a:prstGeom>
+        </p:spPr>
+        <p:style>
+          <a:lnRef idx="1">
+            <a:schemeClr val="dk1"/>
+          </a:lnRef>
+          <a:fillRef idx="0">
+            <a:schemeClr val="dk1"/>
+          </a:fillRef>
+          <a:effectRef idx="0">
+            <a:schemeClr val="dk1"/>
+          </a:effectRef>
+          <a:fontRef idx="minor">
+            <a:schemeClr val="tx1"/>
+          </a:fontRef>
+        </p:style>
+      </p:cxnSp>
+      <p:cxnSp>
+        <p:nvCxnSpPr>
+          <p:cNvPr id="26" name="Straight Connector 25">
+            <a:extLst>
+              <a:ext uri="{FF2B5EF4-FFF2-40B4-BE49-F238E27FC236}">
+                <a16:creationId xmlns:a16="http://schemas.microsoft.com/office/drawing/2014/main" id="{867D5EC3-C6E0-40C6-8D93-F8B2D1BF98C7}"/>
+              </a:ext>
+            </a:extLst>
+          </p:cNvPr>
+          <p:cNvCxnSpPr>
+            <a:cxnSpLocks/>
+            <a:stCxn id="6" idx="3"/>
+            <a:endCxn id="16" idx="1"/>
+          </p:cNvCxnSpPr>
+          <p:nvPr/>
+        </p:nvCxnSpPr>
+        <p:spPr>
+          <a:xfrm>
+            <a:off x="4515537" y="3513012"/>
+            <a:ext cx="1849458" cy="2354839"/>
+          </a:xfrm>
+          <a:prstGeom prst="line">
+            <a:avLst/>
+          </a:prstGeom>
+        </p:spPr>
+        <p:style>
+          <a:lnRef idx="1">
+            <a:schemeClr val="dk1"/>
+          </a:lnRef>
+          <a:fillRef idx="0">
+            <a:schemeClr val="dk1"/>
+          </a:fillRef>
+          <a:effectRef idx="0">
+            <a:schemeClr val="dk1"/>
+          </a:effectRef>
+          <a:fontRef idx="minor">
+            <a:schemeClr val="tx1"/>
+          </a:fontRef>
+        </p:style>
+      </p:cxnSp>
+      <p:cxnSp>
+        <p:nvCxnSpPr>
+          <p:cNvPr id="32" name="Straight Connector 31">
+            <a:extLst>
+              <a:ext uri="{FF2B5EF4-FFF2-40B4-BE49-F238E27FC236}">
+                <a16:creationId xmlns:a16="http://schemas.microsoft.com/office/drawing/2014/main" id="{D33121A3-D4C1-46A6-AA1E-25BD09015E11}"/>
+              </a:ext>
+            </a:extLst>
+          </p:cNvPr>
+          <p:cNvCxnSpPr>
+            <a:cxnSpLocks/>
+            <a:stCxn id="13" idx="3"/>
+            <a:endCxn id="14" idx="1"/>
+          </p:cNvCxnSpPr>
+          <p:nvPr/>
+        </p:nvCxnSpPr>
+        <p:spPr>
+          <a:xfrm>
+            <a:off x="7962441" y="4228174"/>
+            <a:ext cx="268996" cy="0"/>
+          </a:xfrm>
+          <a:prstGeom prst="line">
+            <a:avLst/>
+          </a:prstGeom>
+        </p:spPr>
+        <p:style>
+          <a:lnRef idx="1">
+            <a:schemeClr val="dk1"/>
+          </a:lnRef>
+          <a:fillRef idx="0">
+            <a:schemeClr val="dk1"/>
+          </a:fillRef>
+          <a:effectRef idx="0">
+            <a:schemeClr val="dk1"/>
+          </a:effectRef>
+          <a:fontRef idx="minor">
+            <a:schemeClr val="tx1"/>
+          </a:fontRef>
+        </p:style>
+      </p:cxnSp>
+      <p:cxnSp>
+        <p:nvCxnSpPr>
+          <p:cNvPr id="35" name="Straight Connector 34">
+            <a:extLst>
+              <a:ext uri="{FF2B5EF4-FFF2-40B4-BE49-F238E27FC236}">
+                <a16:creationId xmlns:a16="http://schemas.microsoft.com/office/drawing/2014/main" id="{68072CE1-C04F-4957-92C5-8314F2487396}"/>
+              </a:ext>
+            </a:extLst>
+          </p:cNvPr>
+          <p:cNvCxnSpPr>
+            <a:cxnSpLocks/>
+          </p:cNvCxnSpPr>
+          <p:nvPr/>
+        </p:nvCxnSpPr>
+        <p:spPr>
+          <a:xfrm>
+            <a:off x="7962441" y="2588497"/>
+            <a:ext cx="268996" cy="0"/>
+          </a:xfrm>
+          <a:prstGeom prst="line">
+            <a:avLst/>
+          </a:prstGeom>
+        </p:spPr>
+        <p:style>
+          <a:lnRef idx="1">
+            <a:schemeClr val="dk1"/>
+          </a:lnRef>
+          <a:fillRef idx="0">
+            <a:schemeClr val="dk1"/>
+          </a:fillRef>
+          <a:effectRef idx="0">
+            <a:schemeClr val="dk1"/>
+          </a:effectRef>
+          <a:fontRef idx="minor">
+            <a:schemeClr val="tx1"/>
+          </a:fontRef>
+        </p:style>
+      </p:cxnSp>
     </p:spTree>
     <p:extLst>
       <p:ext uri="{BB962C8B-B14F-4D97-AF65-F5344CB8AC3E}">
-        <p14:creationId xmlns:p14="http://schemas.microsoft.com/office/powerpoint/2010/main" val="1256040228"/>
+        <p14:creationId xmlns:p14="http://schemas.microsoft.com/office/powerpoint/2010/main" val="1472995570"/>
       </p:ext>
     </p:extLst>
   </p:cSld>

--- a/Daily/sprint8/Sprint8_Review.pptx
+++ b/Daily/sprint8/Sprint8_Review.pptx
@@ -128,13 +128,13 @@
 <file path=ppt/revisionInfo.xml><?xml version="1.0" encoding="utf-8"?>
 <p1510:revInfo xmlns:a="http://schemas.openxmlformats.org/drawingml/2006/main" xmlns:r="http://schemas.openxmlformats.org/officeDocument/2006/relationships" xmlns:p1510="http://schemas.microsoft.com/office/powerpoint/2015/10/main">
   <p1510:revLst>
+    <p1510:client id="{FE7B93E8-EE30-4C20-B6B5-A7FAB8A0E614}" v="635" dt="2020-01-19T13:03:37.165"/>
+    <p1510:client id="{C631908C-1A98-4B70-95DA-3D04A3C60BBB}" v="171" dt="2020-01-21T12:32:07.929"/>
+    <p1510:client id="{6F85AB3B-9C26-4979-A8FD-2AB86F961360}" v="566" dt="2020-01-19T11:36:28.921"/>
+    <p1510:client id="{5343ECE3-9E46-444C-A3E7-13AED39F1A6F}" v="194" dt="2020-01-19T09:07:38.824"/>
+    <p1510:client id="{45FD4B75-A3FC-44CB-82E5-76D6F7DD7E3B}" v="375" dt="2020-01-19T13:46:40.518"/>
+    <p1510:client id="{88307E76-9AA9-468C-AF85-650B13E9EA55}" v="12" dt="2020-01-19T09:35:01.725"/>
     <p1510:client id="{20A3EE01-A5DE-4061-8792-411F3BD47289}" v="42" dt="2020-01-19T10:03:37.844"/>
-    <p1510:client id="{45FD4B75-A3FC-44CB-82E5-76D6F7DD7E3B}" v="375" dt="2020-01-19T13:46:40.518"/>
-    <p1510:client id="{5343ECE3-9E46-444C-A3E7-13AED39F1A6F}" v="194" dt="2020-01-19T09:07:38.824"/>
-    <p1510:client id="{6F85AB3B-9C26-4979-A8FD-2AB86F961360}" v="566" dt="2020-01-19T11:36:28.921"/>
-    <p1510:client id="{88307E76-9AA9-468C-AF85-650B13E9EA55}" v="12" dt="2020-01-19T09:35:01.725"/>
-    <p1510:client id="{C631908C-1A98-4B70-95DA-3D04A3C60BBB}" v="171" dt="2020-01-21T12:32:07.929"/>
-    <p1510:client id="{FE7B93E8-EE30-4C20-B6B5-A7FAB8A0E614}" v="635" dt="2020-01-19T13:03:37.165"/>
   </p1510:revLst>
 </p1510:revInfo>
 </file>
@@ -851,7 +851,7 @@
           <a:p>
             <a:fld id="{9CDC8AA7-8D38-46C0-86D3-87BDB8133F92}" type="datetimeFigureOut">
               <a:rPr lang="de-DE" smtClean="0"/>
-              <a:t>08.06.2020</a:t>
+              <a:t>08.06.20</a:t>
             </a:fld>
             <a:endParaRPr lang="de-DE"/>
           </a:p>
@@ -1925,7 +1925,7 @@
           <a:p>
             <a:fld id="{A0154FCB-26A0-42BF-A80B-20225EC23B31}" type="datetime1">
               <a:rPr lang="de-DE" smtClean="0"/>
-              <a:t>08.06.2020</a:t>
+              <a:t>08.06.20</a:t>
             </a:fld>
             <a:endParaRPr lang="de-DE" dirty="0"/>
           </a:p>
@@ -2131,7 +2131,7 @@
           <a:p>
             <a:fld id="{C77B1F25-795A-4991-A2E6-423F583D3AC9}" type="datetime1">
               <a:rPr lang="de-DE" smtClean="0"/>
-              <a:t>08.06.2020</a:t>
+              <a:t>08.06.20</a:t>
             </a:fld>
             <a:endParaRPr lang="de-DE"/>
           </a:p>
@@ -2347,7 +2347,7 @@
           <a:p>
             <a:fld id="{B0B66C0B-9FFA-4059-8B50-27472F44F5CF}" type="datetime1">
               <a:rPr lang="de-DE" smtClean="0"/>
-              <a:t>08.06.2020</a:t>
+              <a:t>08.06.20</a:t>
             </a:fld>
             <a:endParaRPr lang="de-DE"/>
           </a:p>
@@ -2553,7 +2553,7 @@
           <a:p>
             <a:fld id="{4024E20C-7573-48C0-8A49-245EB35E8773}" type="datetime1">
               <a:rPr lang="de-DE" smtClean="0"/>
-              <a:t>08.06.2020</a:t>
+              <a:t>08.06.20</a:t>
             </a:fld>
             <a:endParaRPr lang="de-DE"/>
           </a:p>
@@ -2836,7 +2836,7 @@
           <a:p>
             <a:fld id="{807C9D00-4D9E-48A7-BDED-1B8B1E833BC9}" type="datetime1">
               <a:rPr lang="de-DE" smtClean="0"/>
-              <a:t>08.06.2020</a:t>
+              <a:t>08.06.20</a:t>
             </a:fld>
             <a:endParaRPr lang="de-DE"/>
           </a:p>
@@ -3109,7 +3109,7 @@
           <a:p>
             <a:fld id="{2D3DC56E-0927-4473-AB68-5B4331BC2E5A}" type="datetime1">
               <a:rPr lang="de-DE" smtClean="0"/>
-              <a:t>08.06.2020</a:t>
+              <a:t>08.06.20</a:t>
             </a:fld>
             <a:endParaRPr lang="de-DE"/>
           </a:p>
@@ -3529,7 +3529,7 @@
           <a:p>
             <a:fld id="{57371510-7249-4C5F-946A-A4F834E6D9AE}" type="datetime1">
               <a:rPr lang="de-DE" smtClean="0"/>
-              <a:t>08.06.2020</a:t>
+              <a:t>08.06.20</a:t>
             </a:fld>
             <a:endParaRPr lang="de-DE"/>
           </a:p>
@@ -3678,7 +3678,7 @@
           <a:p>
             <a:fld id="{D029DBCD-B4B9-401C-B851-F8823136D507}" type="datetime1">
               <a:rPr lang="de-DE" smtClean="0"/>
-              <a:t>08.06.2020</a:t>
+              <a:t>08.06.20</a:t>
             </a:fld>
             <a:endParaRPr lang="de-DE"/>
           </a:p>
@@ -3799,7 +3799,7 @@
           <a:p>
             <a:fld id="{5CFE0376-D301-44AE-AD11-2BFFE5B1AA68}" type="datetime1">
               <a:rPr lang="de-DE" smtClean="0"/>
-              <a:t>08.06.2020</a:t>
+              <a:t>08.06.20</a:t>
             </a:fld>
             <a:endParaRPr lang="de-DE"/>
           </a:p>
@@ -4118,7 +4118,7 @@
           <a:p>
             <a:fld id="{E68C6B95-8C89-49D3-8465-88E05211F0D1}" type="datetime1">
               <a:rPr lang="de-DE" smtClean="0"/>
-              <a:t>08.06.2020</a:t>
+              <a:t>08.06.20</a:t>
             </a:fld>
             <a:endParaRPr lang="de-DE"/>
           </a:p>
@@ -4414,7 +4414,7 @@
           <a:p>
             <a:fld id="{15BDDDEE-EC33-4B17-B9B5-A149A54A861D}" type="datetime1">
               <a:rPr lang="de-DE" smtClean="0"/>
-              <a:t>08.06.2020</a:t>
+              <a:t>08.06.20</a:t>
             </a:fld>
             <a:endParaRPr lang="de-DE"/>
           </a:p>
@@ -4663,7 +4663,7 @@
           <a:p>
             <a:fld id="{EF190999-BFCE-4023-9996-314DB13E7002}" type="datetime1">
               <a:rPr lang="de-DE" smtClean="0"/>
-              <a:t>08.06.2020</a:t>
+              <a:t>08.06.20</a:t>
             </a:fld>
             <a:endParaRPr lang="de-DE" dirty="0"/>
           </a:p>
@@ -7733,7 +7733,7 @@
             </a:pPr>
             <a:r>
               <a:rPr lang="en-US" dirty="0"/>
-              <a:t> 21 features in Input layer, 3 Hidden layers (30,20,10) and Output layer (2)</a:t>
+              <a:t> 21 features in Input layer, 3 Hidden layers (42,42,42) and Output layer (2)</a:t>
             </a:r>
           </a:p>
           <a:p>
@@ -7783,6 +7783,30 @@
               <a:rPr lang="en-US" dirty="0"/>
               <a:t>Test: 78% (Home: 77%, Away:80%)</a:t>
             </a:r>
+          </a:p>
+          <a:p>
+            <a:pPr marL="914400" lvl="2" indent="0">
+              <a:buClr>
+                <a:schemeClr val="accent1">
+                  <a:lumMod val="60000"/>
+                  <a:lumOff val="40000"/>
+                </a:schemeClr>
+              </a:buClr>
+              <a:buNone/>
+            </a:pPr>
+            <a:endParaRPr lang="en-US" dirty="0"/>
+          </a:p>
+          <a:p>
+            <a:pPr marL="914400" lvl="2" indent="0">
+              <a:buClr>
+                <a:schemeClr val="accent1">
+                  <a:lumMod val="60000"/>
+                  <a:lumOff val="40000"/>
+                </a:schemeClr>
+              </a:buClr>
+              <a:buNone/>
+            </a:pPr>
+            <a:endParaRPr lang="en-US" dirty="0"/>
           </a:p>
           <a:p>
             <a:pPr marL="1200150" lvl="2" indent="-285750">
@@ -7854,6 +7878,40 @@
           </a:p>
         </p:txBody>
       </p:sp>
+      <p:pic>
+        <p:nvPicPr>
+          <p:cNvPr id="6" name="Picture 5">
+            <a:extLst>
+              <a:ext uri="{FF2B5EF4-FFF2-40B4-BE49-F238E27FC236}">
+                <a16:creationId xmlns:a16="http://schemas.microsoft.com/office/drawing/2014/main" id="{ACEC5299-E41D-7046-96D8-8D8BB5C5DBBF}"/>
+              </a:ext>
+            </a:extLst>
+          </p:cNvPr>
+          <p:cNvPicPr/>
+          <p:nvPr/>
+        </p:nvPicPr>
+        <p:blipFill>
+          <a:blip r:embed="rId3">
+            <a:extLst>
+              <a:ext uri="{28A0092B-C50C-407E-A947-70E740481C1C}">
+                <a14:useLocalDpi xmlns:a14="http://schemas.microsoft.com/office/drawing/2010/main" val="0"/>
+              </a:ext>
+            </a:extLst>
+          </a:blip>
+          <a:stretch>
+            <a:fillRect/>
+          </a:stretch>
+        </p:blipFill>
+        <p:spPr>
+          <a:xfrm>
+            <a:off x="6686550" y="2778189"/>
+            <a:ext cx="4529138" cy="3398774"/>
+          </a:xfrm>
+          <a:prstGeom prst="rect">
+            <a:avLst/>
+          </a:prstGeom>
+        </p:spPr>
+      </p:pic>
     </p:spTree>
     <p:extLst>
       <p:ext uri="{BB962C8B-B14F-4D97-AF65-F5344CB8AC3E}">

--- a/Daily/sprint8/Sprint8_Review.pptx
+++ b/Daily/sprint8/Sprint8_Review.pptx
@@ -128,13 +128,13 @@
 <file path=ppt/revisionInfo.xml><?xml version="1.0" encoding="utf-8"?>
 <p1510:revInfo xmlns:a="http://schemas.openxmlformats.org/drawingml/2006/main" xmlns:r="http://schemas.openxmlformats.org/officeDocument/2006/relationships" xmlns:p1510="http://schemas.microsoft.com/office/powerpoint/2015/10/main">
   <p1510:revLst>
+    <p1510:client id="{20A3EE01-A5DE-4061-8792-411F3BD47289}" v="42" dt="2020-01-19T10:03:37.844"/>
+    <p1510:client id="{45FD4B75-A3FC-44CB-82E5-76D6F7DD7E3B}" v="375" dt="2020-01-19T13:46:40.518"/>
+    <p1510:client id="{5343ECE3-9E46-444C-A3E7-13AED39F1A6F}" v="194" dt="2020-01-19T09:07:38.824"/>
+    <p1510:client id="{6F85AB3B-9C26-4979-A8FD-2AB86F961360}" v="566" dt="2020-01-19T11:36:28.921"/>
+    <p1510:client id="{88307E76-9AA9-468C-AF85-650B13E9EA55}" v="12" dt="2020-01-19T09:35:01.725"/>
+    <p1510:client id="{C631908C-1A98-4B70-95DA-3D04A3C60BBB}" v="171" dt="2020-01-21T12:32:07.929"/>
     <p1510:client id="{FE7B93E8-EE30-4C20-B6B5-A7FAB8A0E614}" v="635" dt="2020-01-19T13:03:37.165"/>
-    <p1510:client id="{C631908C-1A98-4B70-95DA-3D04A3C60BBB}" v="171" dt="2020-01-21T12:32:07.929"/>
-    <p1510:client id="{6F85AB3B-9C26-4979-A8FD-2AB86F961360}" v="566" dt="2020-01-19T11:36:28.921"/>
-    <p1510:client id="{5343ECE3-9E46-444C-A3E7-13AED39F1A6F}" v="194" dt="2020-01-19T09:07:38.824"/>
-    <p1510:client id="{45FD4B75-A3FC-44CB-82E5-76D6F7DD7E3B}" v="375" dt="2020-01-19T13:46:40.518"/>
-    <p1510:client id="{88307E76-9AA9-468C-AF85-650B13E9EA55}" v="12" dt="2020-01-19T09:35:01.725"/>
-    <p1510:client id="{20A3EE01-A5DE-4061-8792-411F3BD47289}" v="42" dt="2020-01-19T10:03:37.844"/>
   </p1510:revLst>
 </p1510:revInfo>
 </file>
@@ -851,7 +851,7 @@
           <a:p>
             <a:fld id="{9CDC8AA7-8D38-46C0-86D3-87BDB8133F92}" type="datetimeFigureOut">
               <a:rPr lang="de-DE" smtClean="0"/>
-              <a:t>08.06.20</a:t>
+              <a:t>08.06.2020</a:t>
             </a:fld>
             <a:endParaRPr lang="de-DE"/>
           </a:p>
@@ -1925,7 +1925,7 @@
           <a:p>
             <a:fld id="{A0154FCB-26A0-42BF-A80B-20225EC23B31}" type="datetime1">
               <a:rPr lang="de-DE" smtClean="0"/>
-              <a:t>08.06.20</a:t>
+              <a:t>08.06.2020</a:t>
             </a:fld>
             <a:endParaRPr lang="de-DE" dirty="0"/>
           </a:p>
@@ -2131,7 +2131,7 @@
           <a:p>
             <a:fld id="{C77B1F25-795A-4991-A2E6-423F583D3AC9}" type="datetime1">
               <a:rPr lang="de-DE" smtClean="0"/>
-              <a:t>08.06.20</a:t>
+              <a:t>08.06.2020</a:t>
             </a:fld>
             <a:endParaRPr lang="de-DE"/>
           </a:p>
@@ -2347,7 +2347,7 @@
           <a:p>
             <a:fld id="{B0B66C0B-9FFA-4059-8B50-27472F44F5CF}" type="datetime1">
               <a:rPr lang="de-DE" smtClean="0"/>
-              <a:t>08.06.20</a:t>
+              <a:t>08.06.2020</a:t>
             </a:fld>
             <a:endParaRPr lang="de-DE"/>
           </a:p>
@@ -2553,7 +2553,7 @@
           <a:p>
             <a:fld id="{4024E20C-7573-48C0-8A49-245EB35E8773}" type="datetime1">
               <a:rPr lang="de-DE" smtClean="0"/>
-              <a:t>08.06.20</a:t>
+              <a:t>08.06.2020</a:t>
             </a:fld>
             <a:endParaRPr lang="de-DE"/>
           </a:p>
@@ -2836,7 +2836,7 @@
           <a:p>
             <a:fld id="{807C9D00-4D9E-48A7-BDED-1B8B1E833BC9}" type="datetime1">
               <a:rPr lang="de-DE" smtClean="0"/>
-              <a:t>08.06.20</a:t>
+              <a:t>08.06.2020</a:t>
             </a:fld>
             <a:endParaRPr lang="de-DE"/>
           </a:p>
@@ -3109,7 +3109,7 @@
           <a:p>
             <a:fld id="{2D3DC56E-0927-4473-AB68-5B4331BC2E5A}" type="datetime1">
               <a:rPr lang="de-DE" smtClean="0"/>
-              <a:t>08.06.20</a:t>
+              <a:t>08.06.2020</a:t>
             </a:fld>
             <a:endParaRPr lang="de-DE"/>
           </a:p>
@@ -3529,7 +3529,7 @@
           <a:p>
             <a:fld id="{57371510-7249-4C5F-946A-A4F834E6D9AE}" type="datetime1">
               <a:rPr lang="de-DE" smtClean="0"/>
-              <a:t>08.06.20</a:t>
+              <a:t>08.06.2020</a:t>
             </a:fld>
             <a:endParaRPr lang="de-DE"/>
           </a:p>
@@ -3678,7 +3678,7 @@
           <a:p>
             <a:fld id="{D029DBCD-B4B9-401C-B851-F8823136D507}" type="datetime1">
               <a:rPr lang="de-DE" smtClean="0"/>
-              <a:t>08.06.20</a:t>
+              <a:t>08.06.2020</a:t>
             </a:fld>
             <a:endParaRPr lang="de-DE"/>
           </a:p>
@@ -3799,7 +3799,7 @@
           <a:p>
             <a:fld id="{5CFE0376-D301-44AE-AD11-2BFFE5B1AA68}" type="datetime1">
               <a:rPr lang="de-DE" smtClean="0"/>
-              <a:t>08.06.20</a:t>
+              <a:t>08.06.2020</a:t>
             </a:fld>
             <a:endParaRPr lang="de-DE"/>
           </a:p>
@@ -4118,7 +4118,7 @@
           <a:p>
             <a:fld id="{E68C6B95-8C89-49D3-8465-88E05211F0D1}" type="datetime1">
               <a:rPr lang="de-DE" smtClean="0"/>
-              <a:t>08.06.20</a:t>
+              <a:t>08.06.2020</a:t>
             </a:fld>
             <a:endParaRPr lang="de-DE"/>
           </a:p>
@@ -4414,7 +4414,7 @@
           <a:p>
             <a:fld id="{15BDDDEE-EC33-4B17-B9B5-A149A54A861D}" type="datetime1">
               <a:rPr lang="de-DE" smtClean="0"/>
-              <a:t>08.06.20</a:t>
+              <a:t>08.06.2020</a:t>
             </a:fld>
             <a:endParaRPr lang="de-DE"/>
           </a:p>
@@ -4663,7 +4663,7 @@
           <a:p>
             <a:fld id="{EF190999-BFCE-4023-9996-314DB13E7002}" type="datetime1">
               <a:rPr lang="de-DE" smtClean="0"/>
-              <a:t>08.06.20</a:t>
+              <a:t>08.06.2020</a:t>
             </a:fld>
             <a:endParaRPr lang="de-DE" dirty="0"/>
           </a:p>
@@ -5609,7 +5609,7 @@
             </a:pPr>
             <a:r>
               <a:rPr lang="en-US" dirty="0"/>
-              <a:t>Quality Model</a:t>
+              <a:t>Quality Criteria</a:t>
             </a:r>
           </a:p>
           <a:p>
@@ -5654,13 +5654,8 @@
             </a:pPr>
             <a:r>
               <a:rPr lang="en-US" dirty="0"/>
-              <a:t>Front- and </a:t>
-            </a:r>
-            <a:r>
-              <a:rPr lang="en-US"/>
-              <a:t>Backend completion</a:t>
-            </a:r>
-            <a:endParaRPr lang="en-US" dirty="0"/>
+              <a:t>Front- and Backend completion</a:t>
+            </a:r>
           </a:p>
           <a:p>
             <a:endParaRPr lang="en-US" dirty="0"/>
@@ -6668,12 +6663,9 @@
             </a:r>
             <a:r>
               <a:rPr lang="en-US" sz="2400" b="1" dirty="0"/>
-              <a:t>Quality Model</a:t>
-            </a:r>
-            <a:r>
-              <a:rPr lang="en-US" sz="2200" b="1" dirty="0"/>
-              <a:t> </a:t>
-            </a:r>
+              <a:t>Quality Criteria</a:t>
+            </a:r>
+            <a:endParaRPr lang="en-US" sz="2200" b="1" dirty="0"/>
           </a:p>
         </p:txBody>
       </p:sp>
@@ -6724,7 +6716,7 @@
           <a:p>
             <a:r>
               <a:rPr lang="en-US" b="1" dirty="0"/>
-              <a:t>Quality Model</a:t>
+              <a:t>Quality Criteria</a:t>
             </a:r>
           </a:p>
         </p:txBody>
@@ -7402,7 +7394,7 @@
             </a:pPr>
             <a:r>
               <a:rPr lang="en-US" dirty="0"/>
-              <a:t> Quality Model: 79% (Home: 77%, Away:81%)</a:t>
+              <a:t> Quality Criteria: 79% (Home: 77%, Away:81%)</a:t>
             </a:r>
           </a:p>
           <a:p>
@@ -7438,7 +7430,7 @@
             </a:pPr>
             <a:r>
               <a:rPr lang="en-US" dirty="0"/>
-              <a:t> Quality Model: 77% (Home: 76%, Away:78%)</a:t>
+              <a:t> Quality Criteria : 77% (Home: 76%, Away:78%)</a:t>
             </a:r>
           </a:p>
           <a:p>
@@ -7474,7 +7466,7 @@
             </a:pPr>
             <a:r>
               <a:rPr lang="en-US" dirty="0"/>
-              <a:t> Quality Model: 77% (Home: 75%, Away:79%)</a:t>
+              <a:t> Quality Criteria : 77% (Home: 75%, Away:79%)</a:t>
             </a:r>
           </a:p>
           <a:p>
@@ -7517,7 +7509,7 @@
             </a:pPr>
             <a:r>
               <a:rPr lang="en-US" dirty="0"/>
-              <a:t> Quality Model: 79% (Home: 78%, Away:80%)</a:t>
+              <a:t> Quality Criteria : 79% (Home: 78%, Away:80%)</a:t>
             </a:r>
           </a:p>
           <a:p>
@@ -7560,7 +7552,7 @@
             </a:pPr>
             <a:r>
               <a:rPr lang="en-US" dirty="0"/>
-              <a:t> Quality Model: 77% (Home: 75%, Away:79%)</a:t>
+              <a:t> Quality Criteria : 77% (Home: 75%, Away:79%)</a:t>
             </a:r>
           </a:p>
           <a:p>
@@ -7749,8 +7741,13 @@
             </a:pPr>
             <a:r>
               <a:rPr lang="en-US" dirty="0"/>
-              <a:t> Quality Model: </a:t>
-            </a:r>
+              <a:t> </a:t>
+            </a:r>
+            <a:r>
+              <a:rPr lang="en-US"/>
+              <a:t>Quality Criteria: </a:t>
+            </a:r>
+            <a:endParaRPr lang="en-US" dirty="0"/>
           </a:p>
           <a:p>
             <a:pPr marL="1200150" lvl="2" indent="-285750">

--- a/Daily/sprint8/Sprint8_Review.pptx
+++ b/Daily/sprint8/Sprint8_Review.pptx
@@ -851,7 +851,7 @@
           <a:p>
             <a:fld id="{9CDC8AA7-8D38-46C0-86D3-87BDB8133F92}" type="datetimeFigureOut">
               <a:rPr lang="de-DE" smtClean="0"/>
-              <a:t>08.06.2020</a:t>
+              <a:t>29.06.2020</a:t>
             </a:fld>
             <a:endParaRPr lang="de-DE"/>
           </a:p>
@@ -1009,7 +1009,7 @@
           <a:p>
             <a:fld id="{10D08ABD-147D-43D8-AD0E-C56070E2C69D}" type="slidenum">
               <a:rPr lang="de-DE" smtClean="0"/>
-              <a:t>‹#›</a:t>
+              <a:t>‹N°›</a:t>
             </a:fld>
             <a:endParaRPr lang="de-DE"/>
           </a:p>
@@ -1800,7 +1800,7 @@
           <p:cNvPr id="2" name="Titel 1">
             <a:extLst>
               <a:ext uri="{FF2B5EF4-FFF2-40B4-BE49-F238E27FC236}">
-                <a16:creationId xmlns:a16="http://schemas.microsoft.com/office/drawing/2014/main" id="{701EABE2-81DB-4A57-87BD-BAC9B81DA953}"/>
+                <a16:creationId xmlns:a16="http://schemas.microsoft.com/office/drawing/2014/main" xmlns="" id="{701EABE2-81DB-4A57-87BD-BAC9B81DA953}"/>
               </a:ext>
             </a:extLst>
           </p:cNvPr>
@@ -1837,7 +1837,7 @@
           <p:cNvPr id="3" name="Untertitel 2">
             <a:extLst>
               <a:ext uri="{FF2B5EF4-FFF2-40B4-BE49-F238E27FC236}">
-                <a16:creationId xmlns:a16="http://schemas.microsoft.com/office/drawing/2014/main" id="{9E44B19B-9953-4462-B98C-34C559DFD4BA}"/>
+                <a16:creationId xmlns:a16="http://schemas.microsoft.com/office/drawing/2014/main" xmlns="" id="{9E44B19B-9953-4462-B98C-34C559DFD4BA}"/>
               </a:ext>
             </a:extLst>
           </p:cNvPr>
@@ -1907,7 +1907,7 @@
           <p:cNvPr id="4" name="Datumsplatzhalter 3">
             <a:extLst>
               <a:ext uri="{FF2B5EF4-FFF2-40B4-BE49-F238E27FC236}">
-                <a16:creationId xmlns:a16="http://schemas.microsoft.com/office/drawing/2014/main" id="{85282A0B-87AA-4F5C-9252-AB7E74ABF29B}"/>
+                <a16:creationId xmlns:a16="http://schemas.microsoft.com/office/drawing/2014/main" xmlns="" id="{85282A0B-87AA-4F5C-9252-AB7E74ABF29B}"/>
               </a:ext>
             </a:extLst>
           </p:cNvPr>
@@ -1925,7 +1925,7 @@
           <a:p>
             <a:fld id="{A0154FCB-26A0-42BF-A80B-20225EC23B31}" type="datetime1">
               <a:rPr lang="de-DE" smtClean="0"/>
-              <a:t>08.06.2020</a:t>
+              <a:t>29.06.2020</a:t>
             </a:fld>
             <a:endParaRPr lang="de-DE" dirty="0"/>
           </a:p>
@@ -1936,7 +1936,7 @@
           <p:cNvPr id="5" name="Fußzeilenplatzhalter 4">
             <a:extLst>
               <a:ext uri="{FF2B5EF4-FFF2-40B4-BE49-F238E27FC236}">
-                <a16:creationId xmlns:a16="http://schemas.microsoft.com/office/drawing/2014/main" id="{CCE46F71-BCF6-41F3-8C17-381DF36140FE}"/>
+                <a16:creationId xmlns:a16="http://schemas.microsoft.com/office/drawing/2014/main" xmlns="" id="{CCE46F71-BCF6-41F3-8C17-381DF36140FE}"/>
               </a:ext>
             </a:extLst>
           </p:cNvPr>
@@ -1961,7 +1961,7 @@
           <p:cNvPr id="6" name="Foliennummernplatzhalter 5">
             <a:extLst>
               <a:ext uri="{FF2B5EF4-FFF2-40B4-BE49-F238E27FC236}">
-                <a16:creationId xmlns:a16="http://schemas.microsoft.com/office/drawing/2014/main" id="{DF41A37E-A33B-4798-9922-3B8B5AE5A27B}"/>
+                <a16:creationId xmlns:a16="http://schemas.microsoft.com/office/drawing/2014/main" xmlns="" id="{DF41A37E-A33B-4798-9922-3B8B5AE5A27B}"/>
               </a:ext>
             </a:extLst>
           </p:cNvPr>
@@ -1987,7 +1987,7 @@
           <a:p>
             <a:fld id="{9A48FC86-4651-46AF-9E4A-D3FC30E17613}" type="slidenum">
               <a:rPr lang="de-DE" smtClean="0"/>
-              <a:t>‹#›</a:t>
+              <a:t>‹N°›</a:t>
             </a:fld>
             <a:endParaRPr lang="de-DE"/>
           </a:p>
@@ -2028,7 +2028,7 @@
           <p:cNvPr id="2" name="Titel 1">
             <a:extLst>
               <a:ext uri="{FF2B5EF4-FFF2-40B4-BE49-F238E27FC236}">
-                <a16:creationId xmlns:a16="http://schemas.microsoft.com/office/drawing/2014/main" id="{FCE4A30D-3A8C-4B77-B82E-724CCF54EFD5}"/>
+                <a16:creationId xmlns:a16="http://schemas.microsoft.com/office/drawing/2014/main" xmlns="" id="{FCE4A30D-3A8C-4B77-B82E-724CCF54EFD5}"/>
               </a:ext>
             </a:extLst>
           </p:cNvPr>
@@ -2056,7 +2056,7 @@
           <p:cNvPr id="3" name="Vertikaler Textplatzhalter 2">
             <a:extLst>
               <a:ext uri="{FF2B5EF4-FFF2-40B4-BE49-F238E27FC236}">
-                <a16:creationId xmlns:a16="http://schemas.microsoft.com/office/drawing/2014/main" id="{D0312C4C-DD67-420D-AE80-FBF20CAD00FE}"/>
+                <a16:creationId xmlns:a16="http://schemas.microsoft.com/office/drawing/2014/main" xmlns="" id="{D0312C4C-DD67-420D-AE80-FBF20CAD00FE}"/>
               </a:ext>
             </a:extLst>
           </p:cNvPr>
@@ -2113,7 +2113,7 @@
           <p:cNvPr id="4" name="Datumsplatzhalter 3">
             <a:extLst>
               <a:ext uri="{FF2B5EF4-FFF2-40B4-BE49-F238E27FC236}">
-                <a16:creationId xmlns:a16="http://schemas.microsoft.com/office/drawing/2014/main" id="{752D94C2-424D-4096-8FAE-F12A3D4A5C7D}"/>
+                <a16:creationId xmlns:a16="http://schemas.microsoft.com/office/drawing/2014/main" xmlns="" id="{752D94C2-424D-4096-8FAE-F12A3D4A5C7D}"/>
               </a:ext>
             </a:extLst>
           </p:cNvPr>
@@ -2131,7 +2131,7 @@
           <a:p>
             <a:fld id="{C77B1F25-795A-4991-A2E6-423F583D3AC9}" type="datetime1">
               <a:rPr lang="de-DE" smtClean="0"/>
-              <a:t>08.06.2020</a:t>
+              <a:t>29.06.2020</a:t>
             </a:fld>
             <a:endParaRPr lang="de-DE"/>
           </a:p>
@@ -2142,7 +2142,7 @@
           <p:cNvPr id="5" name="Fußzeilenplatzhalter 4">
             <a:extLst>
               <a:ext uri="{FF2B5EF4-FFF2-40B4-BE49-F238E27FC236}">
-                <a16:creationId xmlns:a16="http://schemas.microsoft.com/office/drawing/2014/main" id="{02BB29D6-C358-4D1F-90A7-5282C5CF3A2B}"/>
+                <a16:creationId xmlns:a16="http://schemas.microsoft.com/office/drawing/2014/main" xmlns="" id="{02BB29D6-C358-4D1F-90A7-5282C5CF3A2B}"/>
               </a:ext>
             </a:extLst>
           </p:cNvPr>
@@ -2167,7 +2167,7 @@
           <p:cNvPr id="6" name="Foliennummernplatzhalter 5">
             <a:extLst>
               <a:ext uri="{FF2B5EF4-FFF2-40B4-BE49-F238E27FC236}">
-                <a16:creationId xmlns:a16="http://schemas.microsoft.com/office/drawing/2014/main" id="{AE9CFC43-FC34-49A0-9C58-C1BA7EAB4CD1}"/>
+                <a16:creationId xmlns:a16="http://schemas.microsoft.com/office/drawing/2014/main" xmlns="" id="{AE9CFC43-FC34-49A0-9C58-C1BA7EAB4CD1}"/>
               </a:ext>
             </a:extLst>
           </p:cNvPr>
@@ -2193,7 +2193,7 @@
           <a:p>
             <a:fld id="{9A48FC86-4651-46AF-9E4A-D3FC30E17613}" type="slidenum">
               <a:rPr lang="de-DE" smtClean="0"/>
-              <a:t>‹#›</a:t>
+              <a:t>‹N°›</a:t>
             </a:fld>
             <a:endParaRPr lang="de-DE"/>
           </a:p>
@@ -2234,7 +2234,7 @@
           <p:cNvPr id="2" name="Vertikaler Titel 1">
             <a:extLst>
               <a:ext uri="{FF2B5EF4-FFF2-40B4-BE49-F238E27FC236}">
-                <a16:creationId xmlns:a16="http://schemas.microsoft.com/office/drawing/2014/main" id="{C6AE7126-CFA4-458D-B5F5-AA476ABB117D}"/>
+                <a16:creationId xmlns:a16="http://schemas.microsoft.com/office/drawing/2014/main" xmlns="" id="{C6AE7126-CFA4-458D-B5F5-AA476ABB117D}"/>
               </a:ext>
             </a:extLst>
           </p:cNvPr>
@@ -2267,7 +2267,7 @@
           <p:cNvPr id="3" name="Vertikaler Textplatzhalter 2">
             <a:extLst>
               <a:ext uri="{FF2B5EF4-FFF2-40B4-BE49-F238E27FC236}">
-                <a16:creationId xmlns:a16="http://schemas.microsoft.com/office/drawing/2014/main" id="{E4719945-B69E-4CB7-AF62-A8E248C097C4}"/>
+                <a16:creationId xmlns:a16="http://schemas.microsoft.com/office/drawing/2014/main" xmlns="" id="{E4719945-B69E-4CB7-AF62-A8E248C097C4}"/>
               </a:ext>
             </a:extLst>
           </p:cNvPr>
@@ -2329,7 +2329,7 @@
           <p:cNvPr id="4" name="Datumsplatzhalter 3">
             <a:extLst>
               <a:ext uri="{FF2B5EF4-FFF2-40B4-BE49-F238E27FC236}">
-                <a16:creationId xmlns:a16="http://schemas.microsoft.com/office/drawing/2014/main" id="{194C9456-1825-45D5-AFC8-7437C4E58D48}"/>
+                <a16:creationId xmlns:a16="http://schemas.microsoft.com/office/drawing/2014/main" xmlns="" id="{194C9456-1825-45D5-AFC8-7437C4E58D48}"/>
               </a:ext>
             </a:extLst>
           </p:cNvPr>
@@ -2347,7 +2347,7 @@
           <a:p>
             <a:fld id="{B0B66C0B-9FFA-4059-8B50-27472F44F5CF}" type="datetime1">
               <a:rPr lang="de-DE" smtClean="0"/>
-              <a:t>08.06.2020</a:t>
+              <a:t>29.06.2020</a:t>
             </a:fld>
             <a:endParaRPr lang="de-DE"/>
           </a:p>
@@ -2358,7 +2358,7 @@
           <p:cNvPr id="5" name="Fußzeilenplatzhalter 4">
             <a:extLst>
               <a:ext uri="{FF2B5EF4-FFF2-40B4-BE49-F238E27FC236}">
-                <a16:creationId xmlns:a16="http://schemas.microsoft.com/office/drawing/2014/main" id="{0B1CC9B3-FE3E-4DC0-B71D-312C93D1814D}"/>
+                <a16:creationId xmlns:a16="http://schemas.microsoft.com/office/drawing/2014/main" xmlns="" id="{0B1CC9B3-FE3E-4DC0-B71D-312C93D1814D}"/>
               </a:ext>
             </a:extLst>
           </p:cNvPr>
@@ -2383,7 +2383,7 @@
           <p:cNvPr id="6" name="Foliennummernplatzhalter 5">
             <a:extLst>
               <a:ext uri="{FF2B5EF4-FFF2-40B4-BE49-F238E27FC236}">
-                <a16:creationId xmlns:a16="http://schemas.microsoft.com/office/drawing/2014/main" id="{41E050D8-C164-4E85-94F4-BA2B19D46D58}"/>
+                <a16:creationId xmlns:a16="http://schemas.microsoft.com/office/drawing/2014/main" xmlns="" id="{41E050D8-C164-4E85-94F4-BA2B19D46D58}"/>
               </a:ext>
             </a:extLst>
           </p:cNvPr>
@@ -2409,7 +2409,7 @@
           <a:p>
             <a:fld id="{9A48FC86-4651-46AF-9E4A-D3FC30E17613}" type="slidenum">
               <a:rPr lang="de-DE" smtClean="0"/>
-              <a:t>‹#›</a:t>
+              <a:t>‹N°›</a:t>
             </a:fld>
             <a:endParaRPr lang="de-DE"/>
           </a:p>
@@ -2450,7 +2450,7 @@
           <p:cNvPr id="2" name="Titel 1">
             <a:extLst>
               <a:ext uri="{FF2B5EF4-FFF2-40B4-BE49-F238E27FC236}">
-                <a16:creationId xmlns:a16="http://schemas.microsoft.com/office/drawing/2014/main" id="{C9100C2D-6625-4AF5-8937-424086BE0285}"/>
+                <a16:creationId xmlns:a16="http://schemas.microsoft.com/office/drawing/2014/main" xmlns="" id="{C9100C2D-6625-4AF5-8937-424086BE0285}"/>
               </a:ext>
             </a:extLst>
           </p:cNvPr>
@@ -2478,7 +2478,7 @@
           <p:cNvPr id="3" name="Inhaltsplatzhalter 2">
             <a:extLst>
               <a:ext uri="{FF2B5EF4-FFF2-40B4-BE49-F238E27FC236}">
-                <a16:creationId xmlns:a16="http://schemas.microsoft.com/office/drawing/2014/main" id="{38D1AAA1-BE3D-4A43-91C4-A2C3C6173375}"/>
+                <a16:creationId xmlns:a16="http://schemas.microsoft.com/office/drawing/2014/main" xmlns="" id="{38D1AAA1-BE3D-4A43-91C4-A2C3C6173375}"/>
               </a:ext>
             </a:extLst>
           </p:cNvPr>
@@ -2535,7 +2535,7 @@
           <p:cNvPr id="4" name="Datumsplatzhalter 3">
             <a:extLst>
               <a:ext uri="{FF2B5EF4-FFF2-40B4-BE49-F238E27FC236}">
-                <a16:creationId xmlns:a16="http://schemas.microsoft.com/office/drawing/2014/main" id="{48884C8B-06F5-44CC-B1D1-2A02463EC226}"/>
+                <a16:creationId xmlns:a16="http://schemas.microsoft.com/office/drawing/2014/main" xmlns="" id="{48884C8B-06F5-44CC-B1D1-2A02463EC226}"/>
               </a:ext>
             </a:extLst>
           </p:cNvPr>
@@ -2553,7 +2553,7 @@
           <a:p>
             <a:fld id="{4024E20C-7573-48C0-8A49-245EB35E8773}" type="datetime1">
               <a:rPr lang="de-DE" smtClean="0"/>
-              <a:t>08.06.2020</a:t>
+              <a:t>29.06.2020</a:t>
             </a:fld>
             <a:endParaRPr lang="de-DE"/>
           </a:p>
@@ -2564,7 +2564,7 @@
           <p:cNvPr id="5" name="Fußzeilenplatzhalter 4">
             <a:extLst>
               <a:ext uri="{FF2B5EF4-FFF2-40B4-BE49-F238E27FC236}">
-                <a16:creationId xmlns:a16="http://schemas.microsoft.com/office/drawing/2014/main" id="{2EE480CA-0EC1-4AF7-9F30-F143FE83D99B}"/>
+                <a16:creationId xmlns:a16="http://schemas.microsoft.com/office/drawing/2014/main" xmlns="" id="{2EE480CA-0EC1-4AF7-9F30-F143FE83D99B}"/>
               </a:ext>
             </a:extLst>
           </p:cNvPr>
@@ -2589,7 +2589,7 @@
           <p:cNvPr id="6" name="Foliennummernplatzhalter 5">
             <a:extLst>
               <a:ext uri="{FF2B5EF4-FFF2-40B4-BE49-F238E27FC236}">
-                <a16:creationId xmlns:a16="http://schemas.microsoft.com/office/drawing/2014/main" id="{13337EC3-94DD-4B09-A484-F0141C1CB8B0}"/>
+                <a16:creationId xmlns:a16="http://schemas.microsoft.com/office/drawing/2014/main" xmlns="" id="{13337EC3-94DD-4B09-A484-F0141C1CB8B0}"/>
               </a:ext>
             </a:extLst>
           </p:cNvPr>
@@ -2615,7 +2615,7 @@
           <a:p>
             <a:fld id="{9A48FC86-4651-46AF-9E4A-D3FC30E17613}" type="slidenum">
               <a:rPr lang="de-DE" smtClean="0"/>
-              <a:t>‹#›</a:t>
+              <a:t>‹N°›</a:t>
             </a:fld>
             <a:endParaRPr lang="de-DE"/>
           </a:p>
@@ -2656,7 +2656,7 @@
           <p:cNvPr id="2" name="Titel 1">
             <a:extLst>
               <a:ext uri="{FF2B5EF4-FFF2-40B4-BE49-F238E27FC236}">
-                <a16:creationId xmlns:a16="http://schemas.microsoft.com/office/drawing/2014/main" id="{CBDD584A-A976-4556-9716-DA9197EACC6F}"/>
+                <a16:creationId xmlns:a16="http://schemas.microsoft.com/office/drawing/2014/main" xmlns="" id="{CBDD584A-A976-4556-9716-DA9197EACC6F}"/>
               </a:ext>
             </a:extLst>
           </p:cNvPr>
@@ -2693,7 +2693,7 @@
           <p:cNvPr id="3" name="Textplatzhalter 2">
             <a:extLst>
               <a:ext uri="{FF2B5EF4-FFF2-40B4-BE49-F238E27FC236}">
-                <a16:creationId xmlns:a16="http://schemas.microsoft.com/office/drawing/2014/main" id="{C713F004-8C3B-4899-9F30-C6CC20E50B36}"/>
+                <a16:creationId xmlns:a16="http://schemas.microsoft.com/office/drawing/2014/main" xmlns="" id="{C713F004-8C3B-4899-9F30-C6CC20E50B36}"/>
               </a:ext>
             </a:extLst>
           </p:cNvPr>
@@ -2818,7 +2818,7 @@
           <p:cNvPr id="4" name="Datumsplatzhalter 3">
             <a:extLst>
               <a:ext uri="{FF2B5EF4-FFF2-40B4-BE49-F238E27FC236}">
-                <a16:creationId xmlns:a16="http://schemas.microsoft.com/office/drawing/2014/main" id="{B300BECA-2226-430E-B31A-3A70D7FB0DD4}"/>
+                <a16:creationId xmlns:a16="http://schemas.microsoft.com/office/drawing/2014/main" xmlns="" id="{B300BECA-2226-430E-B31A-3A70D7FB0DD4}"/>
               </a:ext>
             </a:extLst>
           </p:cNvPr>
@@ -2836,7 +2836,7 @@
           <a:p>
             <a:fld id="{807C9D00-4D9E-48A7-BDED-1B8B1E833BC9}" type="datetime1">
               <a:rPr lang="de-DE" smtClean="0"/>
-              <a:t>08.06.2020</a:t>
+              <a:t>29.06.2020</a:t>
             </a:fld>
             <a:endParaRPr lang="de-DE"/>
           </a:p>
@@ -2847,7 +2847,7 @@
           <p:cNvPr id="5" name="Fußzeilenplatzhalter 4">
             <a:extLst>
               <a:ext uri="{FF2B5EF4-FFF2-40B4-BE49-F238E27FC236}">
-                <a16:creationId xmlns:a16="http://schemas.microsoft.com/office/drawing/2014/main" id="{9D2C0B24-C4C7-4E3E-A30D-AD2B22A8CAC5}"/>
+                <a16:creationId xmlns:a16="http://schemas.microsoft.com/office/drawing/2014/main" xmlns="" id="{9D2C0B24-C4C7-4E3E-A30D-AD2B22A8CAC5}"/>
               </a:ext>
             </a:extLst>
           </p:cNvPr>
@@ -2872,7 +2872,7 @@
           <p:cNvPr id="6" name="Foliennummernplatzhalter 5">
             <a:extLst>
               <a:ext uri="{FF2B5EF4-FFF2-40B4-BE49-F238E27FC236}">
-                <a16:creationId xmlns:a16="http://schemas.microsoft.com/office/drawing/2014/main" id="{15EF3485-89F1-47E8-AB99-914FE8775138}"/>
+                <a16:creationId xmlns:a16="http://schemas.microsoft.com/office/drawing/2014/main" xmlns="" id="{15EF3485-89F1-47E8-AB99-914FE8775138}"/>
               </a:ext>
             </a:extLst>
           </p:cNvPr>
@@ -2898,7 +2898,7 @@
           <a:p>
             <a:fld id="{9A48FC86-4651-46AF-9E4A-D3FC30E17613}" type="slidenum">
               <a:rPr lang="de-DE" smtClean="0"/>
-              <a:t>‹#›</a:t>
+              <a:t>‹N°›</a:t>
             </a:fld>
             <a:endParaRPr lang="de-DE"/>
           </a:p>
@@ -2939,7 +2939,7 @@
           <p:cNvPr id="2" name="Titel 1">
             <a:extLst>
               <a:ext uri="{FF2B5EF4-FFF2-40B4-BE49-F238E27FC236}">
-                <a16:creationId xmlns:a16="http://schemas.microsoft.com/office/drawing/2014/main" id="{6B45D284-4E4F-4976-80EC-400821F99BCF}"/>
+                <a16:creationId xmlns:a16="http://schemas.microsoft.com/office/drawing/2014/main" xmlns="" id="{6B45D284-4E4F-4976-80EC-400821F99BCF}"/>
               </a:ext>
             </a:extLst>
           </p:cNvPr>
@@ -2967,7 +2967,7 @@
           <p:cNvPr id="3" name="Inhaltsplatzhalter 2">
             <a:extLst>
               <a:ext uri="{FF2B5EF4-FFF2-40B4-BE49-F238E27FC236}">
-                <a16:creationId xmlns:a16="http://schemas.microsoft.com/office/drawing/2014/main" id="{61C980E4-B51F-4860-A848-EB6955BA36AF}"/>
+                <a16:creationId xmlns:a16="http://schemas.microsoft.com/office/drawing/2014/main" xmlns="" id="{61C980E4-B51F-4860-A848-EB6955BA36AF}"/>
               </a:ext>
             </a:extLst>
           </p:cNvPr>
@@ -3029,7 +3029,7 @@
           <p:cNvPr id="4" name="Inhaltsplatzhalter 3">
             <a:extLst>
               <a:ext uri="{FF2B5EF4-FFF2-40B4-BE49-F238E27FC236}">
-                <a16:creationId xmlns:a16="http://schemas.microsoft.com/office/drawing/2014/main" id="{8D7C296F-6044-4CF6-BBE5-CEA4560EEEB9}"/>
+                <a16:creationId xmlns:a16="http://schemas.microsoft.com/office/drawing/2014/main" xmlns="" id="{8D7C296F-6044-4CF6-BBE5-CEA4560EEEB9}"/>
               </a:ext>
             </a:extLst>
           </p:cNvPr>
@@ -3091,7 +3091,7 @@
           <p:cNvPr id="5" name="Datumsplatzhalter 4">
             <a:extLst>
               <a:ext uri="{FF2B5EF4-FFF2-40B4-BE49-F238E27FC236}">
-                <a16:creationId xmlns:a16="http://schemas.microsoft.com/office/drawing/2014/main" id="{F87A09FB-245D-407E-94D1-C81BBB221DC2}"/>
+                <a16:creationId xmlns:a16="http://schemas.microsoft.com/office/drawing/2014/main" xmlns="" id="{F87A09FB-245D-407E-94D1-C81BBB221DC2}"/>
               </a:ext>
             </a:extLst>
           </p:cNvPr>
@@ -3109,7 +3109,7 @@
           <a:p>
             <a:fld id="{2D3DC56E-0927-4473-AB68-5B4331BC2E5A}" type="datetime1">
               <a:rPr lang="de-DE" smtClean="0"/>
-              <a:t>08.06.2020</a:t>
+              <a:t>29.06.2020</a:t>
             </a:fld>
             <a:endParaRPr lang="de-DE"/>
           </a:p>
@@ -3120,7 +3120,7 @@
           <p:cNvPr id="6" name="Fußzeilenplatzhalter 5">
             <a:extLst>
               <a:ext uri="{FF2B5EF4-FFF2-40B4-BE49-F238E27FC236}">
-                <a16:creationId xmlns:a16="http://schemas.microsoft.com/office/drawing/2014/main" id="{7713AD3F-FB16-4761-97DD-7D2895FBAF79}"/>
+                <a16:creationId xmlns:a16="http://schemas.microsoft.com/office/drawing/2014/main" xmlns="" id="{7713AD3F-FB16-4761-97DD-7D2895FBAF79}"/>
               </a:ext>
             </a:extLst>
           </p:cNvPr>
@@ -3145,7 +3145,7 @@
           <p:cNvPr id="7" name="Foliennummernplatzhalter 6">
             <a:extLst>
               <a:ext uri="{FF2B5EF4-FFF2-40B4-BE49-F238E27FC236}">
-                <a16:creationId xmlns:a16="http://schemas.microsoft.com/office/drawing/2014/main" id="{E08B0646-8FC5-4829-A454-55B654DBA3C4}"/>
+                <a16:creationId xmlns:a16="http://schemas.microsoft.com/office/drawing/2014/main" xmlns="" id="{E08B0646-8FC5-4829-A454-55B654DBA3C4}"/>
               </a:ext>
             </a:extLst>
           </p:cNvPr>
@@ -3171,7 +3171,7 @@
           <a:p>
             <a:fld id="{9A48FC86-4651-46AF-9E4A-D3FC30E17613}" type="slidenum">
               <a:rPr lang="de-DE" smtClean="0"/>
-              <a:t>‹#›</a:t>
+              <a:t>‹N°›</a:t>
             </a:fld>
             <a:endParaRPr lang="de-DE"/>
           </a:p>
@@ -3212,7 +3212,7 @@
           <p:cNvPr id="2" name="Titel 1">
             <a:extLst>
               <a:ext uri="{FF2B5EF4-FFF2-40B4-BE49-F238E27FC236}">
-                <a16:creationId xmlns:a16="http://schemas.microsoft.com/office/drawing/2014/main" id="{87FFCFA6-D29A-4DD6-8A93-5742D6DB0521}"/>
+                <a16:creationId xmlns:a16="http://schemas.microsoft.com/office/drawing/2014/main" xmlns="" id="{87FFCFA6-D29A-4DD6-8A93-5742D6DB0521}"/>
               </a:ext>
             </a:extLst>
           </p:cNvPr>
@@ -3245,7 +3245,7 @@
           <p:cNvPr id="3" name="Textplatzhalter 2">
             <a:extLst>
               <a:ext uri="{FF2B5EF4-FFF2-40B4-BE49-F238E27FC236}">
-                <a16:creationId xmlns:a16="http://schemas.microsoft.com/office/drawing/2014/main" id="{52A062D5-F9A3-40F3-940E-784410DB79B5}"/>
+                <a16:creationId xmlns:a16="http://schemas.microsoft.com/office/drawing/2014/main" xmlns="" id="{52A062D5-F9A3-40F3-940E-784410DB79B5}"/>
               </a:ext>
             </a:extLst>
           </p:cNvPr>
@@ -3316,7 +3316,7 @@
           <p:cNvPr id="4" name="Inhaltsplatzhalter 3">
             <a:extLst>
               <a:ext uri="{FF2B5EF4-FFF2-40B4-BE49-F238E27FC236}">
-                <a16:creationId xmlns:a16="http://schemas.microsoft.com/office/drawing/2014/main" id="{0F2C725F-CDA6-419C-9990-237B92011EB3}"/>
+                <a16:creationId xmlns:a16="http://schemas.microsoft.com/office/drawing/2014/main" xmlns="" id="{0F2C725F-CDA6-419C-9990-237B92011EB3}"/>
               </a:ext>
             </a:extLst>
           </p:cNvPr>
@@ -3378,7 +3378,7 @@
           <p:cNvPr id="5" name="Textplatzhalter 4">
             <a:extLst>
               <a:ext uri="{FF2B5EF4-FFF2-40B4-BE49-F238E27FC236}">
-                <a16:creationId xmlns:a16="http://schemas.microsoft.com/office/drawing/2014/main" id="{57D0AB86-7ACC-4F81-BA1E-EABC81375E4C}"/>
+                <a16:creationId xmlns:a16="http://schemas.microsoft.com/office/drawing/2014/main" xmlns="" id="{57D0AB86-7ACC-4F81-BA1E-EABC81375E4C}"/>
               </a:ext>
             </a:extLst>
           </p:cNvPr>
@@ -3449,7 +3449,7 @@
           <p:cNvPr id="6" name="Inhaltsplatzhalter 5">
             <a:extLst>
               <a:ext uri="{FF2B5EF4-FFF2-40B4-BE49-F238E27FC236}">
-                <a16:creationId xmlns:a16="http://schemas.microsoft.com/office/drawing/2014/main" id="{1A5FCBEC-2F64-4023-881F-8C2D77F12391}"/>
+                <a16:creationId xmlns:a16="http://schemas.microsoft.com/office/drawing/2014/main" xmlns="" id="{1A5FCBEC-2F64-4023-881F-8C2D77F12391}"/>
               </a:ext>
             </a:extLst>
           </p:cNvPr>
@@ -3511,7 +3511,7 @@
           <p:cNvPr id="7" name="Datumsplatzhalter 6">
             <a:extLst>
               <a:ext uri="{FF2B5EF4-FFF2-40B4-BE49-F238E27FC236}">
-                <a16:creationId xmlns:a16="http://schemas.microsoft.com/office/drawing/2014/main" id="{1B579458-8146-4585-8116-8815B1984C10}"/>
+                <a16:creationId xmlns:a16="http://schemas.microsoft.com/office/drawing/2014/main" xmlns="" id="{1B579458-8146-4585-8116-8815B1984C10}"/>
               </a:ext>
             </a:extLst>
           </p:cNvPr>
@@ -3529,7 +3529,7 @@
           <a:p>
             <a:fld id="{57371510-7249-4C5F-946A-A4F834E6D9AE}" type="datetime1">
               <a:rPr lang="de-DE" smtClean="0"/>
-              <a:t>08.06.2020</a:t>
+              <a:t>29.06.2020</a:t>
             </a:fld>
             <a:endParaRPr lang="de-DE"/>
           </a:p>
@@ -3540,7 +3540,7 @@
           <p:cNvPr id="8" name="Fußzeilenplatzhalter 7">
             <a:extLst>
               <a:ext uri="{FF2B5EF4-FFF2-40B4-BE49-F238E27FC236}">
-                <a16:creationId xmlns:a16="http://schemas.microsoft.com/office/drawing/2014/main" id="{B8FE971A-3252-4BEE-AE2A-ED9DD64D786C}"/>
+                <a16:creationId xmlns:a16="http://schemas.microsoft.com/office/drawing/2014/main" xmlns="" id="{B8FE971A-3252-4BEE-AE2A-ED9DD64D786C}"/>
               </a:ext>
             </a:extLst>
           </p:cNvPr>
@@ -3565,7 +3565,7 @@
           <p:cNvPr id="9" name="Foliennummernplatzhalter 8">
             <a:extLst>
               <a:ext uri="{FF2B5EF4-FFF2-40B4-BE49-F238E27FC236}">
-                <a16:creationId xmlns:a16="http://schemas.microsoft.com/office/drawing/2014/main" id="{224F811E-098E-42CD-BF79-561DBDB14DE9}"/>
+                <a16:creationId xmlns:a16="http://schemas.microsoft.com/office/drawing/2014/main" xmlns="" id="{224F811E-098E-42CD-BF79-561DBDB14DE9}"/>
               </a:ext>
             </a:extLst>
           </p:cNvPr>
@@ -3591,7 +3591,7 @@
           <a:p>
             <a:fld id="{9A48FC86-4651-46AF-9E4A-D3FC30E17613}" type="slidenum">
               <a:rPr lang="de-DE" smtClean="0"/>
-              <a:t>‹#›</a:t>
+              <a:t>‹N°›</a:t>
             </a:fld>
             <a:endParaRPr lang="de-DE"/>
           </a:p>
@@ -3632,7 +3632,7 @@
           <p:cNvPr id="2" name="Titel 1">
             <a:extLst>
               <a:ext uri="{FF2B5EF4-FFF2-40B4-BE49-F238E27FC236}">
-                <a16:creationId xmlns:a16="http://schemas.microsoft.com/office/drawing/2014/main" id="{466DE76C-FB01-463F-B2AD-A897695D3F41}"/>
+                <a16:creationId xmlns:a16="http://schemas.microsoft.com/office/drawing/2014/main" xmlns="" id="{466DE76C-FB01-463F-B2AD-A897695D3F41}"/>
               </a:ext>
             </a:extLst>
           </p:cNvPr>
@@ -3660,7 +3660,7 @@
           <p:cNvPr id="3" name="Datumsplatzhalter 2">
             <a:extLst>
               <a:ext uri="{FF2B5EF4-FFF2-40B4-BE49-F238E27FC236}">
-                <a16:creationId xmlns:a16="http://schemas.microsoft.com/office/drawing/2014/main" id="{6F7936C0-FCFE-4A57-9E63-31F514892227}"/>
+                <a16:creationId xmlns:a16="http://schemas.microsoft.com/office/drawing/2014/main" xmlns="" id="{6F7936C0-FCFE-4A57-9E63-31F514892227}"/>
               </a:ext>
             </a:extLst>
           </p:cNvPr>
@@ -3678,7 +3678,7 @@
           <a:p>
             <a:fld id="{D029DBCD-B4B9-401C-B851-F8823136D507}" type="datetime1">
               <a:rPr lang="de-DE" smtClean="0"/>
-              <a:t>08.06.2020</a:t>
+              <a:t>29.06.2020</a:t>
             </a:fld>
             <a:endParaRPr lang="de-DE"/>
           </a:p>
@@ -3689,7 +3689,7 @@
           <p:cNvPr id="4" name="Fußzeilenplatzhalter 3">
             <a:extLst>
               <a:ext uri="{FF2B5EF4-FFF2-40B4-BE49-F238E27FC236}">
-                <a16:creationId xmlns:a16="http://schemas.microsoft.com/office/drawing/2014/main" id="{BF4C0BEA-1F74-43B8-B16A-0B93A98AF74A}"/>
+                <a16:creationId xmlns:a16="http://schemas.microsoft.com/office/drawing/2014/main" xmlns="" id="{BF4C0BEA-1F74-43B8-B16A-0B93A98AF74A}"/>
               </a:ext>
             </a:extLst>
           </p:cNvPr>
@@ -3714,7 +3714,7 @@
           <p:cNvPr id="5" name="Foliennummernplatzhalter 4">
             <a:extLst>
               <a:ext uri="{FF2B5EF4-FFF2-40B4-BE49-F238E27FC236}">
-                <a16:creationId xmlns:a16="http://schemas.microsoft.com/office/drawing/2014/main" id="{FDC612F2-A418-4792-A4B4-C0ABBAAB10A0}"/>
+                <a16:creationId xmlns:a16="http://schemas.microsoft.com/office/drawing/2014/main" xmlns="" id="{FDC612F2-A418-4792-A4B4-C0ABBAAB10A0}"/>
               </a:ext>
             </a:extLst>
           </p:cNvPr>
@@ -3740,7 +3740,7 @@
           <a:p>
             <a:fld id="{9A48FC86-4651-46AF-9E4A-D3FC30E17613}" type="slidenum">
               <a:rPr lang="de-DE" smtClean="0"/>
-              <a:t>‹#›</a:t>
+              <a:t>‹N°›</a:t>
             </a:fld>
             <a:endParaRPr lang="de-DE"/>
           </a:p>
@@ -3781,7 +3781,7 @@
           <p:cNvPr id="2" name="Datumsplatzhalter 1">
             <a:extLst>
               <a:ext uri="{FF2B5EF4-FFF2-40B4-BE49-F238E27FC236}">
-                <a16:creationId xmlns:a16="http://schemas.microsoft.com/office/drawing/2014/main" id="{F1A16BA6-C843-4946-87C4-F009F9659E53}"/>
+                <a16:creationId xmlns:a16="http://schemas.microsoft.com/office/drawing/2014/main" xmlns="" id="{F1A16BA6-C843-4946-87C4-F009F9659E53}"/>
               </a:ext>
             </a:extLst>
           </p:cNvPr>
@@ -3799,7 +3799,7 @@
           <a:p>
             <a:fld id="{5CFE0376-D301-44AE-AD11-2BFFE5B1AA68}" type="datetime1">
               <a:rPr lang="de-DE" smtClean="0"/>
-              <a:t>08.06.2020</a:t>
+              <a:t>29.06.2020</a:t>
             </a:fld>
             <a:endParaRPr lang="de-DE"/>
           </a:p>
@@ -3810,7 +3810,7 @@
           <p:cNvPr id="3" name="Fußzeilenplatzhalter 2">
             <a:extLst>
               <a:ext uri="{FF2B5EF4-FFF2-40B4-BE49-F238E27FC236}">
-                <a16:creationId xmlns:a16="http://schemas.microsoft.com/office/drawing/2014/main" id="{74AD0BED-584B-4312-BC56-F22A5A97A8EA}"/>
+                <a16:creationId xmlns:a16="http://schemas.microsoft.com/office/drawing/2014/main" xmlns="" id="{74AD0BED-584B-4312-BC56-F22A5A97A8EA}"/>
               </a:ext>
             </a:extLst>
           </p:cNvPr>
@@ -3835,7 +3835,7 @@
           <p:cNvPr id="4" name="Foliennummernplatzhalter 3">
             <a:extLst>
               <a:ext uri="{FF2B5EF4-FFF2-40B4-BE49-F238E27FC236}">
-                <a16:creationId xmlns:a16="http://schemas.microsoft.com/office/drawing/2014/main" id="{ECAC19A7-F328-409E-92C0-6618959AF8AB}"/>
+                <a16:creationId xmlns:a16="http://schemas.microsoft.com/office/drawing/2014/main" xmlns="" id="{ECAC19A7-F328-409E-92C0-6618959AF8AB}"/>
               </a:ext>
             </a:extLst>
           </p:cNvPr>
@@ -3861,7 +3861,7 @@
           <a:p>
             <a:fld id="{9A48FC86-4651-46AF-9E4A-D3FC30E17613}" type="slidenum">
               <a:rPr lang="de-DE" smtClean="0"/>
-              <a:t>‹#›</a:t>
+              <a:t>‹N°›</a:t>
             </a:fld>
             <a:endParaRPr lang="de-DE"/>
           </a:p>
@@ -3902,7 +3902,7 @@
           <p:cNvPr id="2" name="Titel 1">
             <a:extLst>
               <a:ext uri="{FF2B5EF4-FFF2-40B4-BE49-F238E27FC236}">
-                <a16:creationId xmlns:a16="http://schemas.microsoft.com/office/drawing/2014/main" id="{36B5D893-6A5A-4F5D-9559-23E40882374B}"/>
+                <a16:creationId xmlns:a16="http://schemas.microsoft.com/office/drawing/2014/main" xmlns="" id="{36B5D893-6A5A-4F5D-9559-23E40882374B}"/>
               </a:ext>
             </a:extLst>
           </p:cNvPr>
@@ -3939,7 +3939,7 @@
           <p:cNvPr id="3" name="Inhaltsplatzhalter 2">
             <a:extLst>
               <a:ext uri="{FF2B5EF4-FFF2-40B4-BE49-F238E27FC236}">
-                <a16:creationId xmlns:a16="http://schemas.microsoft.com/office/drawing/2014/main" id="{46211E4B-EF89-4D03-A97A-6EB546C0498D}"/>
+                <a16:creationId xmlns:a16="http://schemas.microsoft.com/office/drawing/2014/main" xmlns="" id="{46211E4B-EF89-4D03-A97A-6EB546C0498D}"/>
               </a:ext>
             </a:extLst>
           </p:cNvPr>
@@ -4029,7 +4029,7 @@
           <p:cNvPr id="4" name="Textplatzhalter 3">
             <a:extLst>
               <a:ext uri="{FF2B5EF4-FFF2-40B4-BE49-F238E27FC236}">
-                <a16:creationId xmlns:a16="http://schemas.microsoft.com/office/drawing/2014/main" id="{D4BEF54F-E067-4073-A803-29399235D78F}"/>
+                <a16:creationId xmlns:a16="http://schemas.microsoft.com/office/drawing/2014/main" xmlns="" id="{D4BEF54F-E067-4073-A803-29399235D78F}"/>
               </a:ext>
             </a:extLst>
           </p:cNvPr>
@@ -4100,7 +4100,7 @@
           <p:cNvPr id="5" name="Datumsplatzhalter 4">
             <a:extLst>
               <a:ext uri="{FF2B5EF4-FFF2-40B4-BE49-F238E27FC236}">
-                <a16:creationId xmlns:a16="http://schemas.microsoft.com/office/drawing/2014/main" id="{FF25F891-DBFE-4A5B-99B6-66F48C54174B}"/>
+                <a16:creationId xmlns:a16="http://schemas.microsoft.com/office/drawing/2014/main" xmlns="" id="{FF25F891-DBFE-4A5B-99B6-66F48C54174B}"/>
               </a:ext>
             </a:extLst>
           </p:cNvPr>
@@ -4118,7 +4118,7 @@
           <a:p>
             <a:fld id="{E68C6B95-8C89-49D3-8465-88E05211F0D1}" type="datetime1">
               <a:rPr lang="de-DE" smtClean="0"/>
-              <a:t>08.06.2020</a:t>
+              <a:t>29.06.2020</a:t>
             </a:fld>
             <a:endParaRPr lang="de-DE"/>
           </a:p>
@@ -4129,7 +4129,7 @@
           <p:cNvPr id="6" name="Fußzeilenplatzhalter 5">
             <a:extLst>
               <a:ext uri="{FF2B5EF4-FFF2-40B4-BE49-F238E27FC236}">
-                <a16:creationId xmlns:a16="http://schemas.microsoft.com/office/drawing/2014/main" id="{C508CE39-F26E-4C31-84CD-D89EC83686D4}"/>
+                <a16:creationId xmlns:a16="http://schemas.microsoft.com/office/drawing/2014/main" xmlns="" id="{C508CE39-F26E-4C31-84CD-D89EC83686D4}"/>
               </a:ext>
             </a:extLst>
           </p:cNvPr>
@@ -4154,7 +4154,7 @@
           <p:cNvPr id="7" name="Foliennummernplatzhalter 6">
             <a:extLst>
               <a:ext uri="{FF2B5EF4-FFF2-40B4-BE49-F238E27FC236}">
-                <a16:creationId xmlns:a16="http://schemas.microsoft.com/office/drawing/2014/main" id="{5E1B48FE-614D-4BF1-8C39-73558F055C10}"/>
+                <a16:creationId xmlns:a16="http://schemas.microsoft.com/office/drawing/2014/main" xmlns="" id="{5E1B48FE-614D-4BF1-8C39-73558F055C10}"/>
               </a:ext>
             </a:extLst>
           </p:cNvPr>
@@ -4180,7 +4180,7 @@
           <a:p>
             <a:fld id="{9A48FC86-4651-46AF-9E4A-D3FC30E17613}" type="slidenum">
               <a:rPr lang="de-DE" smtClean="0"/>
-              <a:t>‹#›</a:t>
+              <a:t>‹N°›</a:t>
             </a:fld>
             <a:endParaRPr lang="de-DE"/>
           </a:p>
@@ -4221,7 +4221,7 @@
           <p:cNvPr id="2" name="Titel 1">
             <a:extLst>
               <a:ext uri="{FF2B5EF4-FFF2-40B4-BE49-F238E27FC236}">
-                <a16:creationId xmlns:a16="http://schemas.microsoft.com/office/drawing/2014/main" id="{F9563009-E30B-45AC-BDD7-44EA72F78222}"/>
+                <a16:creationId xmlns:a16="http://schemas.microsoft.com/office/drawing/2014/main" xmlns="" id="{F9563009-E30B-45AC-BDD7-44EA72F78222}"/>
               </a:ext>
             </a:extLst>
           </p:cNvPr>
@@ -4258,7 +4258,7 @@
           <p:cNvPr id="3" name="Bildplatzhalter 2">
             <a:extLst>
               <a:ext uri="{FF2B5EF4-FFF2-40B4-BE49-F238E27FC236}">
-                <a16:creationId xmlns:a16="http://schemas.microsoft.com/office/drawing/2014/main" id="{11F2FF9F-8E72-4929-BF76-ED1330B5F674}"/>
+                <a16:creationId xmlns:a16="http://schemas.microsoft.com/office/drawing/2014/main" xmlns="" id="{11F2FF9F-8E72-4929-BF76-ED1330B5F674}"/>
               </a:ext>
             </a:extLst>
           </p:cNvPr>
@@ -4325,7 +4325,7 @@
           <p:cNvPr id="4" name="Textplatzhalter 3">
             <a:extLst>
               <a:ext uri="{FF2B5EF4-FFF2-40B4-BE49-F238E27FC236}">
-                <a16:creationId xmlns:a16="http://schemas.microsoft.com/office/drawing/2014/main" id="{4A21AA90-B6A3-4F03-A71E-8D4EFEBB4E8A}"/>
+                <a16:creationId xmlns:a16="http://schemas.microsoft.com/office/drawing/2014/main" xmlns="" id="{4A21AA90-B6A3-4F03-A71E-8D4EFEBB4E8A}"/>
               </a:ext>
             </a:extLst>
           </p:cNvPr>
@@ -4396,7 +4396,7 @@
           <p:cNvPr id="5" name="Datumsplatzhalter 4">
             <a:extLst>
               <a:ext uri="{FF2B5EF4-FFF2-40B4-BE49-F238E27FC236}">
-                <a16:creationId xmlns:a16="http://schemas.microsoft.com/office/drawing/2014/main" id="{B9A970BA-F10E-430D-9B5F-218F0B6AAD68}"/>
+                <a16:creationId xmlns:a16="http://schemas.microsoft.com/office/drawing/2014/main" xmlns="" id="{B9A970BA-F10E-430D-9B5F-218F0B6AAD68}"/>
               </a:ext>
             </a:extLst>
           </p:cNvPr>
@@ -4414,7 +4414,7 @@
           <a:p>
             <a:fld id="{15BDDDEE-EC33-4B17-B9B5-A149A54A861D}" type="datetime1">
               <a:rPr lang="de-DE" smtClean="0"/>
-              <a:t>08.06.2020</a:t>
+              <a:t>29.06.2020</a:t>
             </a:fld>
             <a:endParaRPr lang="de-DE"/>
           </a:p>
@@ -4425,7 +4425,7 @@
           <p:cNvPr id="6" name="Fußzeilenplatzhalter 5">
             <a:extLst>
               <a:ext uri="{FF2B5EF4-FFF2-40B4-BE49-F238E27FC236}">
-                <a16:creationId xmlns:a16="http://schemas.microsoft.com/office/drawing/2014/main" id="{A141BF1C-61CE-44FF-8ABE-F08D6373AD97}"/>
+                <a16:creationId xmlns:a16="http://schemas.microsoft.com/office/drawing/2014/main" xmlns="" id="{A141BF1C-61CE-44FF-8ABE-F08D6373AD97}"/>
               </a:ext>
             </a:extLst>
           </p:cNvPr>
@@ -4450,7 +4450,7 @@
           <p:cNvPr id="7" name="Foliennummernplatzhalter 6">
             <a:extLst>
               <a:ext uri="{FF2B5EF4-FFF2-40B4-BE49-F238E27FC236}">
-                <a16:creationId xmlns:a16="http://schemas.microsoft.com/office/drawing/2014/main" id="{E76983E8-6FBA-42E6-85DE-B77806E23CA0}"/>
+                <a16:creationId xmlns:a16="http://schemas.microsoft.com/office/drawing/2014/main" xmlns="" id="{E76983E8-6FBA-42E6-85DE-B77806E23CA0}"/>
               </a:ext>
             </a:extLst>
           </p:cNvPr>
@@ -4476,7 +4476,7 @@
           <a:p>
             <a:fld id="{9A48FC86-4651-46AF-9E4A-D3FC30E17613}" type="slidenum">
               <a:rPr lang="de-DE" smtClean="0"/>
-              <a:t>‹#›</a:t>
+              <a:t>‹N°›</a:t>
             </a:fld>
             <a:endParaRPr lang="de-DE"/>
           </a:p>
@@ -4522,7 +4522,7 @@
           <p:cNvPr id="2" name="Titelplatzhalter 1">
             <a:extLst>
               <a:ext uri="{FF2B5EF4-FFF2-40B4-BE49-F238E27FC236}">
-                <a16:creationId xmlns:a16="http://schemas.microsoft.com/office/drawing/2014/main" id="{F1B54F3D-85D6-4E2A-A184-2AD8788616C7}"/>
+                <a16:creationId xmlns:a16="http://schemas.microsoft.com/office/drawing/2014/main" xmlns="" id="{F1B54F3D-85D6-4E2A-A184-2AD8788616C7}"/>
               </a:ext>
             </a:extLst>
           </p:cNvPr>
@@ -4560,7 +4560,7 @@
           <p:cNvPr id="3" name="Textplatzhalter 2">
             <a:extLst>
               <a:ext uri="{FF2B5EF4-FFF2-40B4-BE49-F238E27FC236}">
-                <a16:creationId xmlns:a16="http://schemas.microsoft.com/office/drawing/2014/main" id="{62C62B55-DAE8-4571-9836-D8A9517A6717}"/>
+                <a16:creationId xmlns:a16="http://schemas.microsoft.com/office/drawing/2014/main" xmlns="" id="{62C62B55-DAE8-4571-9836-D8A9517A6717}"/>
               </a:ext>
             </a:extLst>
           </p:cNvPr>
@@ -4627,7 +4627,7 @@
           <p:cNvPr id="4" name="Datumsplatzhalter 3">
             <a:extLst>
               <a:ext uri="{FF2B5EF4-FFF2-40B4-BE49-F238E27FC236}">
-                <a16:creationId xmlns:a16="http://schemas.microsoft.com/office/drawing/2014/main" id="{202396F9-D19B-4197-A727-060829339B6B}"/>
+                <a16:creationId xmlns:a16="http://schemas.microsoft.com/office/drawing/2014/main" xmlns="" id="{202396F9-D19B-4197-A727-060829339B6B}"/>
               </a:ext>
             </a:extLst>
           </p:cNvPr>
@@ -4663,7 +4663,7 @@
           <a:p>
             <a:fld id="{EF190999-BFCE-4023-9996-314DB13E7002}" type="datetime1">
               <a:rPr lang="de-DE" smtClean="0"/>
-              <a:t>08.06.2020</a:t>
+              <a:t>29.06.2020</a:t>
             </a:fld>
             <a:endParaRPr lang="de-DE" dirty="0"/>
           </a:p>
@@ -4674,7 +4674,7 @@
           <p:cNvPr id="5" name="Fußzeilenplatzhalter 4">
             <a:extLst>
               <a:ext uri="{FF2B5EF4-FFF2-40B4-BE49-F238E27FC236}">
-                <a16:creationId xmlns:a16="http://schemas.microsoft.com/office/drawing/2014/main" id="{B1EA6A1B-5C13-45F1-9B85-4169FD91138A}"/>
+                <a16:creationId xmlns:a16="http://schemas.microsoft.com/office/drawing/2014/main" xmlns="" id="{B1EA6A1B-5C13-45F1-9B85-4169FD91138A}"/>
               </a:ext>
             </a:extLst>
           </p:cNvPr>
@@ -4717,7 +4717,7 @@
           <p:cNvPr id="7" name="Grafik 6">
             <a:extLst>
               <a:ext uri="{FF2B5EF4-FFF2-40B4-BE49-F238E27FC236}">
-                <a16:creationId xmlns:a16="http://schemas.microsoft.com/office/drawing/2014/main" id="{C59B35B2-0CE6-4FF9-984D-F5719598069C}"/>
+                <a16:creationId xmlns:a16="http://schemas.microsoft.com/office/drawing/2014/main" xmlns="" id="{C59B35B2-0CE6-4FF9-984D-F5719598069C}"/>
               </a:ext>
             </a:extLst>
           </p:cNvPr>
@@ -4753,7 +4753,7 @@
           <p:cNvPr id="8" name="Foliennummernplatzhalter 7">
             <a:extLst>
               <a:ext uri="{FF2B5EF4-FFF2-40B4-BE49-F238E27FC236}">
-                <a16:creationId xmlns:a16="http://schemas.microsoft.com/office/drawing/2014/main" id="{8B9E18AC-CAF1-4471-BF04-547435D80DDB}"/>
+                <a16:creationId xmlns:a16="http://schemas.microsoft.com/office/drawing/2014/main" xmlns="" id="{8B9E18AC-CAF1-4471-BF04-547435D80DDB}"/>
               </a:ext>
             </a:extLst>
           </p:cNvPr>
@@ -4789,7 +4789,7 @@
           <a:p>
             <a:fld id="{5999A4A4-2D96-49E3-B364-04D265390CD4}" type="slidenum">
               <a:rPr lang="de-DE" smtClean="0"/>
-              <a:t>‹#›</a:t>
+              <a:t>‹N°›</a:t>
             </a:fld>
             <a:endParaRPr lang="de-DE"/>
           </a:p>
@@ -5122,7 +5122,7 @@
           <p:cNvPr id="2" name="Titel 1">
             <a:extLst>
               <a:ext uri="{FF2B5EF4-FFF2-40B4-BE49-F238E27FC236}">
-                <a16:creationId xmlns:a16="http://schemas.microsoft.com/office/drawing/2014/main" id="{19B6AC69-F81D-4459-ACD2-8110FA9FCE24}"/>
+                <a16:creationId xmlns:a16="http://schemas.microsoft.com/office/drawing/2014/main" xmlns="" id="{19B6AC69-F81D-4459-ACD2-8110FA9FCE24}"/>
               </a:ext>
             </a:extLst>
           </p:cNvPr>
@@ -5150,7 +5150,7 @@
           <p:cNvPr id="3" name="Untertitel 2">
             <a:extLst>
               <a:ext uri="{FF2B5EF4-FFF2-40B4-BE49-F238E27FC236}">
-                <a16:creationId xmlns:a16="http://schemas.microsoft.com/office/drawing/2014/main" id="{13737FBA-E6BC-4517-8A74-4336C01F7072}"/>
+                <a16:creationId xmlns:a16="http://schemas.microsoft.com/office/drawing/2014/main" xmlns="" id="{13737FBA-E6BC-4517-8A74-4336C01F7072}"/>
               </a:ext>
             </a:extLst>
           </p:cNvPr>
@@ -5260,7 +5260,7 @@
           <p:cNvPr id="2" name="Title 1">
             <a:extLst>
               <a:ext uri="{FF2B5EF4-FFF2-40B4-BE49-F238E27FC236}">
-                <a16:creationId xmlns:a16="http://schemas.microsoft.com/office/drawing/2014/main" id="{385EBA94-B74C-4F97-AEDE-ECE099441611}"/>
+                <a16:creationId xmlns:a16="http://schemas.microsoft.com/office/drawing/2014/main" xmlns="" id="{385EBA94-B74C-4F97-AEDE-ECE099441611}"/>
               </a:ext>
             </a:extLst>
           </p:cNvPr>
@@ -5280,7 +5280,7 @@
               <a:rPr lang="en-US" dirty="0"/>
               <a:t>Frontend</a:t>
             </a:r>
-            <a:endParaRPr lang="en-DE" dirty="0"/>
+            <a:endParaRPr lang="aa-ET" dirty="0"/>
           </a:p>
         </p:txBody>
       </p:sp>
@@ -5289,7 +5289,7 @@
           <p:cNvPr id="4" name="Footer Placeholder 3">
             <a:extLst>
               <a:ext uri="{FF2B5EF4-FFF2-40B4-BE49-F238E27FC236}">
-                <a16:creationId xmlns:a16="http://schemas.microsoft.com/office/drawing/2014/main" id="{384A1145-7D2A-4EA9-B07C-CE63112F7CE1}"/>
+                <a16:creationId xmlns:a16="http://schemas.microsoft.com/office/drawing/2014/main" xmlns="" id="{384A1145-7D2A-4EA9-B07C-CE63112F7CE1}"/>
               </a:ext>
             </a:extLst>
           </p:cNvPr>
@@ -5314,7 +5314,7 @@
           <p:cNvPr id="5" name="Picture 4">
             <a:extLst>
               <a:ext uri="{FF2B5EF4-FFF2-40B4-BE49-F238E27FC236}">
-                <a16:creationId xmlns:a16="http://schemas.microsoft.com/office/drawing/2014/main" id="{E2EE2263-B34C-440D-89F0-A77BA62E13C9}"/>
+                <a16:creationId xmlns:a16="http://schemas.microsoft.com/office/drawing/2014/main" xmlns="" id="{E2EE2263-B34C-440D-89F0-A77BA62E13C9}"/>
               </a:ext>
             </a:extLst>
           </p:cNvPr>
@@ -5789,7 +5789,16 @@
                 </a:solidFill>
                 <a:latin typeface="Arial" panose="020B0604020202020204" pitchFamily="34" charset="0"/>
               </a:rPr>
-              <a:t>Goals [0,10] =&gt; Goals [0.4]</a:t>
+              <a:t>Goals [0,10] =&gt; Goals [</a:t>
+            </a:r>
+            <a:r>
+              <a:rPr lang="en-US" sz="2000" b="1" dirty="0" smtClean="0">
+                <a:solidFill>
+                  <a:srgbClr val="000000"/>
+                </a:solidFill>
+                <a:latin typeface="Arial" panose="020B0604020202020204" pitchFamily="34" charset="0"/>
+              </a:rPr>
+              <a:t>0.5]</a:t>
             </a:r>
             <a:endParaRPr lang="en-US" sz="2000" b="1" dirty="0"/>
           </a:p>
@@ -5975,9 +5984,68 @@
           </a:prstGeom>
         </p:spPr>
       </p:pic>
+      <p:sp>
+        <p:nvSpPr>
+          <p:cNvPr id="3" name="Rectangle 2"/>
+          <p:cNvSpPr/>
+          <p:nvPr/>
+        </p:nvSpPr>
+        <p:spPr>
+          <a:xfrm>
+            <a:off x="3393385" y="3121783"/>
+            <a:ext cx="1819692" cy="1754326"/>
+          </a:xfrm>
+          <a:prstGeom prst="rect">
+            <a:avLst/>
+          </a:prstGeom>
+        </p:spPr>
+        <p:txBody>
+          <a:bodyPr wrap="square">
+            <a:spAutoFit/>
+          </a:bodyPr>
+          <a:lstStyle/>
+          <a:p>
+            <a:r>
+              <a:rPr lang="en-US" b="1" dirty="0"/>
+              <a:t>1</a:t>
+            </a:r>
+          </a:p>
+          <a:p>
+            <a:r>
+              <a:rPr lang="en-US" b="1" dirty="0"/>
+              <a:t>2</a:t>
+            </a:r>
+          </a:p>
+          <a:p>
+            <a:r>
+              <a:rPr lang="en-US" b="1" dirty="0"/>
+              <a:t>0</a:t>
+            </a:r>
+          </a:p>
+          <a:p>
+            <a:r>
+              <a:rPr lang="en-US" b="1" dirty="0"/>
+              <a:t>3</a:t>
+            </a:r>
+          </a:p>
+          <a:p>
+            <a:r>
+              <a:rPr lang="en-US" b="1" dirty="0" smtClean="0"/>
+              <a:t>4</a:t>
+            </a:r>
+          </a:p>
+          <a:p>
+            <a:r>
+              <a:rPr lang="en-US" b="1" dirty="0"/>
+              <a:t>5</a:t>
+            </a:r>
+            <a:endParaRPr lang="en-US" b="1" dirty="0"/>
+          </a:p>
+        </p:txBody>
+      </p:sp>
       <p:pic>
         <p:nvPicPr>
-          <p:cNvPr id="14" name="Image 13"/>
+          <p:cNvPr id="5" name="Image 4"/>
           <p:cNvPicPr>
             <a:picLocks noChangeAspect="1"/>
           </p:cNvPicPr>
@@ -5997,8 +6065,8 @@
         </p:blipFill>
         <p:spPr>
           <a:xfrm>
-            <a:off x="3823233" y="2870747"/>
-            <a:ext cx="2158482" cy="2074538"/>
+            <a:off x="3817912" y="2926037"/>
+            <a:ext cx="1964800" cy="2252051"/>
           </a:xfrm>
           <a:prstGeom prst="rect">
             <a:avLst/>
@@ -6007,7 +6075,7 @@
       </p:pic>
       <p:pic>
         <p:nvPicPr>
-          <p:cNvPr id="15" name="Image 14"/>
+          <p:cNvPr id="8" name="Image 7"/>
           <p:cNvPicPr>
             <a:picLocks noChangeAspect="1"/>
           </p:cNvPicPr>
@@ -6027,66 +6095,14 @@
         </p:blipFill>
         <p:spPr>
           <a:xfrm>
-            <a:off x="9562087" y="3016990"/>
-            <a:ext cx="2130904" cy="2142810"/>
+            <a:off x="9714283" y="2872920"/>
+            <a:ext cx="1927128" cy="2252051"/>
           </a:xfrm>
           <a:prstGeom prst="rect">
             <a:avLst/>
           </a:prstGeom>
         </p:spPr>
       </p:pic>
-      <p:sp>
-        <p:nvSpPr>
-          <p:cNvPr id="3" name="Rectangle 2"/>
-          <p:cNvSpPr/>
-          <p:nvPr/>
-        </p:nvSpPr>
-        <p:spPr>
-          <a:xfrm>
-            <a:off x="3393385" y="3121783"/>
-            <a:ext cx="1819692" cy="1477328"/>
-          </a:xfrm>
-          <a:prstGeom prst="rect">
-            <a:avLst/>
-          </a:prstGeom>
-        </p:spPr>
-        <p:txBody>
-          <a:bodyPr wrap="square">
-            <a:spAutoFit/>
-          </a:bodyPr>
-          <a:lstStyle/>
-          <a:p>
-            <a:r>
-              <a:rPr lang="en-US" b="1" dirty="0"/>
-              <a:t>1</a:t>
-            </a:r>
-          </a:p>
-          <a:p>
-            <a:r>
-              <a:rPr lang="en-US" b="1" dirty="0"/>
-              <a:t>2</a:t>
-            </a:r>
-          </a:p>
-          <a:p>
-            <a:r>
-              <a:rPr lang="en-US" b="1" dirty="0"/>
-              <a:t>0</a:t>
-            </a:r>
-          </a:p>
-          <a:p>
-            <a:r>
-              <a:rPr lang="en-US" b="1" dirty="0"/>
-              <a:t>3</a:t>
-            </a:r>
-          </a:p>
-          <a:p>
-            <a:r>
-              <a:rPr lang="en-US" b="1" dirty="0"/>
-              <a:t>4</a:t>
-            </a:r>
-          </a:p>
-        </p:txBody>
-      </p:sp>
     </p:spTree>
     <p:extLst>
       <p:ext uri="{BB962C8B-B14F-4D97-AF65-F5344CB8AC3E}">
@@ -6168,21 +6184,21 @@
                 <a:gridCol w="3505200">
                   <a:extLst>
                     <a:ext uri="{9D8B030D-6E8A-4147-A177-3AD203B41FA5}">
-                      <a16:colId xmlns:a16="http://schemas.microsoft.com/office/drawing/2014/main" val="20000"/>
+                      <a16:colId xmlns:a16="http://schemas.microsoft.com/office/drawing/2014/main" xmlns="" val="20000"/>
                     </a:ext>
                   </a:extLst>
                 </a:gridCol>
                 <a:gridCol w="3505200">
                   <a:extLst>
                     <a:ext uri="{9D8B030D-6E8A-4147-A177-3AD203B41FA5}">
-                      <a16:colId xmlns:a16="http://schemas.microsoft.com/office/drawing/2014/main" val="20001"/>
+                      <a16:colId xmlns:a16="http://schemas.microsoft.com/office/drawing/2014/main" xmlns="" val="20001"/>
                     </a:ext>
                   </a:extLst>
                 </a:gridCol>
                 <a:gridCol w="3505200">
                   <a:extLst>
                     <a:ext uri="{9D8B030D-6E8A-4147-A177-3AD203B41FA5}">
-                      <a16:colId xmlns:a16="http://schemas.microsoft.com/office/drawing/2014/main" val="20002"/>
+                      <a16:colId xmlns:a16="http://schemas.microsoft.com/office/drawing/2014/main" xmlns="" val="20002"/>
                     </a:ext>
                   </a:extLst>
                 </a:gridCol>
@@ -6239,7 +6255,7 @@
                 </a:tc>
                 <a:extLst>
                   <a:ext uri="{0D108BD9-81ED-4DB2-BD59-A6C34878D82A}">
-                    <a16:rowId xmlns:a16="http://schemas.microsoft.com/office/drawing/2014/main" val="10000"/>
+                    <a16:rowId xmlns:a16="http://schemas.microsoft.com/office/drawing/2014/main" xmlns="" val="10000"/>
                   </a:ext>
                 </a:extLst>
               </a:tr>
@@ -6290,7 +6306,7 @@
                 </a:tc>
                 <a:extLst>
                   <a:ext uri="{0D108BD9-81ED-4DB2-BD59-A6C34878D82A}">
-                    <a16:rowId xmlns:a16="http://schemas.microsoft.com/office/drawing/2014/main" val="10001"/>
+                    <a16:rowId xmlns:a16="http://schemas.microsoft.com/office/drawing/2014/main" xmlns="" val="10001"/>
                   </a:ext>
                 </a:extLst>
               </a:tr>
@@ -6358,7 +6374,7 @@
                 </a:tc>
                 <a:extLst>
                   <a:ext uri="{0D108BD9-81ED-4DB2-BD59-A6C34878D82A}">
-                    <a16:rowId xmlns:a16="http://schemas.microsoft.com/office/drawing/2014/main" val="10002"/>
+                    <a16:rowId xmlns:a16="http://schemas.microsoft.com/office/drawing/2014/main" xmlns="" val="10002"/>
                   </a:ext>
                 </a:extLst>
               </a:tr>
@@ -6426,7 +6442,7 @@
                 </a:tc>
                 <a:extLst>
                   <a:ext uri="{0D108BD9-81ED-4DB2-BD59-A6C34878D82A}">
-                    <a16:rowId xmlns:a16="http://schemas.microsoft.com/office/drawing/2014/main" val="10003"/>
+                    <a16:rowId xmlns:a16="http://schemas.microsoft.com/office/drawing/2014/main" xmlns="" val="10003"/>
                   </a:ext>
                 </a:extLst>
               </a:tr>
@@ -6494,7 +6510,7 @@
                 </a:tc>
                 <a:extLst>
                   <a:ext uri="{0D108BD9-81ED-4DB2-BD59-A6C34878D82A}">
-                    <a16:rowId xmlns:a16="http://schemas.microsoft.com/office/drawing/2014/main" val="10004"/>
+                    <a16:rowId xmlns:a16="http://schemas.microsoft.com/office/drawing/2014/main" xmlns="" val="10004"/>
                   </a:ext>
                 </a:extLst>
               </a:tr>
@@ -6562,7 +6578,7 @@
                 </a:tc>
                 <a:extLst>
                   <a:ext uri="{0D108BD9-81ED-4DB2-BD59-A6C34878D82A}">
-                    <a16:rowId xmlns:a16="http://schemas.microsoft.com/office/drawing/2014/main" val="10005"/>
+                    <a16:rowId xmlns:a16="http://schemas.microsoft.com/office/drawing/2014/main" xmlns="" val="10005"/>
                   </a:ext>
                 </a:extLst>
               </a:tr>
@@ -6960,14 +6976,14 @@
                 <a:gridCol w="3505200">
                   <a:extLst>
                     <a:ext uri="{9D8B030D-6E8A-4147-A177-3AD203B41FA5}">
-                      <a16:colId xmlns:a16="http://schemas.microsoft.com/office/drawing/2014/main" val="20000"/>
+                      <a16:colId xmlns:a16="http://schemas.microsoft.com/office/drawing/2014/main" xmlns="" val="20000"/>
                     </a:ext>
                   </a:extLst>
                 </a:gridCol>
                 <a:gridCol w="3505200">
                   <a:extLst>
                     <a:ext uri="{9D8B030D-6E8A-4147-A177-3AD203B41FA5}">
-                      <a16:colId xmlns:a16="http://schemas.microsoft.com/office/drawing/2014/main" val="20001"/>
+                      <a16:colId xmlns:a16="http://schemas.microsoft.com/office/drawing/2014/main" xmlns="" val="20001"/>
                     </a:ext>
                   </a:extLst>
                 </a:gridCol>
@@ -7017,7 +7033,7 @@
                 </a:tc>
                 <a:extLst>
                   <a:ext uri="{0D108BD9-81ED-4DB2-BD59-A6C34878D82A}">
-                    <a16:rowId xmlns:a16="http://schemas.microsoft.com/office/drawing/2014/main" val="10000"/>
+                    <a16:rowId xmlns:a16="http://schemas.microsoft.com/office/drawing/2014/main" xmlns="" val="10000"/>
                   </a:ext>
                 </a:extLst>
               </a:tr>
@@ -7050,7 +7066,7 @@
                 </a:tc>
                 <a:extLst>
                   <a:ext uri="{0D108BD9-81ED-4DB2-BD59-A6C34878D82A}">
-                    <a16:rowId xmlns:a16="http://schemas.microsoft.com/office/drawing/2014/main" val="10001"/>
+                    <a16:rowId xmlns:a16="http://schemas.microsoft.com/office/drawing/2014/main" xmlns="" val="10001"/>
                   </a:ext>
                 </a:extLst>
               </a:tr>
@@ -7100,7 +7116,7 @@
                 </a:tc>
                 <a:extLst>
                   <a:ext uri="{0D108BD9-81ED-4DB2-BD59-A6C34878D82A}">
-                    <a16:rowId xmlns:a16="http://schemas.microsoft.com/office/drawing/2014/main" val="10002"/>
+                    <a16:rowId xmlns:a16="http://schemas.microsoft.com/office/drawing/2014/main" xmlns="" val="10002"/>
                   </a:ext>
                 </a:extLst>
               </a:tr>
@@ -7150,7 +7166,7 @@
                 </a:tc>
                 <a:extLst>
                   <a:ext uri="{0D108BD9-81ED-4DB2-BD59-A6C34878D82A}">
-                    <a16:rowId xmlns:a16="http://schemas.microsoft.com/office/drawing/2014/main" val="10003"/>
+                    <a16:rowId xmlns:a16="http://schemas.microsoft.com/office/drawing/2014/main" xmlns="" val="10003"/>
                   </a:ext>
                 </a:extLst>
               </a:tr>
@@ -7200,7 +7216,7 @@
                 </a:tc>
                 <a:extLst>
                   <a:ext uri="{0D108BD9-81ED-4DB2-BD59-A6C34878D82A}">
-                    <a16:rowId xmlns:a16="http://schemas.microsoft.com/office/drawing/2014/main" val="10004"/>
+                    <a16:rowId xmlns:a16="http://schemas.microsoft.com/office/drawing/2014/main" xmlns="" val="10004"/>
                   </a:ext>
                 </a:extLst>
               </a:tr>
@@ -7250,7 +7266,7 @@
                 </a:tc>
                 <a:extLst>
                   <a:ext uri="{0D108BD9-81ED-4DB2-BD59-A6C34878D82A}">
-                    <a16:rowId xmlns:a16="http://schemas.microsoft.com/office/drawing/2014/main" val="10005"/>
+                    <a16:rowId xmlns:a16="http://schemas.microsoft.com/office/drawing/2014/main" xmlns="" val="10005"/>
                   </a:ext>
                 </a:extLst>
               </a:tr>
@@ -7880,7 +7896,7 @@
           <p:cNvPr id="6" name="Picture 5">
             <a:extLst>
               <a:ext uri="{FF2B5EF4-FFF2-40B4-BE49-F238E27FC236}">
-                <a16:creationId xmlns:a16="http://schemas.microsoft.com/office/drawing/2014/main" id="{ACEC5299-E41D-7046-96D8-8D8BB5C5DBBF}"/>
+                <a16:creationId xmlns:a16="http://schemas.microsoft.com/office/drawing/2014/main" xmlns="" id="{ACEC5299-E41D-7046-96D8-8D8BB5C5DBBF}"/>
               </a:ext>
             </a:extLst>
           </p:cNvPr>
@@ -8117,7 +8133,7 @@
           <p:cNvPr id="10" name="Rectangle 9">
             <a:extLst>
               <a:ext uri="{FF2B5EF4-FFF2-40B4-BE49-F238E27FC236}">
-                <a16:creationId xmlns:a16="http://schemas.microsoft.com/office/drawing/2014/main" id="{55745D05-55D2-4ED3-B310-F36DE3809076}"/>
+                <a16:creationId xmlns:a16="http://schemas.microsoft.com/office/drawing/2014/main" xmlns="" id="{55745D05-55D2-4ED3-B310-F36DE3809076}"/>
               </a:ext>
             </a:extLst>
           </p:cNvPr>
@@ -8167,7 +8183,7 @@
               </a:rPr>
               <a:t>db</a:t>
             </a:r>
-            <a:endParaRPr lang="en-DE" dirty="0">
+            <a:endParaRPr lang="aa-ET" dirty="0">
               <a:solidFill>
                 <a:schemeClr val="tx1"/>
               </a:solidFill>
@@ -8180,7 +8196,7 @@
           <p:cNvPr id="2" name="Title 1">
             <a:extLst>
               <a:ext uri="{FF2B5EF4-FFF2-40B4-BE49-F238E27FC236}">
-                <a16:creationId xmlns:a16="http://schemas.microsoft.com/office/drawing/2014/main" id="{DD5ACAF5-0850-402B-A44F-B3621D69C5A7}"/>
+                <a16:creationId xmlns:a16="http://schemas.microsoft.com/office/drawing/2014/main" xmlns="" id="{DD5ACAF5-0850-402B-A44F-B3621D69C5A7}"/>
               </a:ext>
             </a:extLst>
           </p:cNvPr>
@@ -8200,7 +8216,7 @@
               <a:rPr lang="en-US" dirty="0"/>
               <a:t>Backend</a:t>
             </a:r>
-            <a:endParaRPr lang="en-DE" dirty="0"/>
+            <a:endParaRPr lang="aa-ET" dirty="0"/>
           </a:p>
         </p:txBody>
       </p:sp>
@@ -8209,7 +8225,7 @@
           <p:cNvPr id="5" name="Rectangle 4">
             <a:extLst>
               <a:ext uri="{FF2B5EF4-FFF2-40B4-BE49-F238E27FC236}">
-                <a16:creationId xmlns:a16="http://schemas.microsoft.com/office/drawing/2014/main" id="{CA4523CB-9745-4927-B7C8-6C13F596FB2D}"/>
+                <a16:creationId xmlns:a16="http://schemas.microsoft.com/office/drawing/2014/main" xmlns="" id="{CA4523CB-9745-4927-B7C8-6C13F596FB2D}"/>
               </a:ext>
             </a:extLst>
           </p:cNvPr>
@@ -8260,7 +8276,7 @@
               </a:rPr>
               <a:t>server.py</a:t>
             </a:r>
-            <a:endParaRPr lang="en-DE" dirty="0">
+            <a:endParaRPr lang="aa-ET" dirty="0">
               <a:solidFill>
                 <a:schemeClr val="tx1"/>
               </a:solidFill>
@@ -8273,7 +8289,7 @@
           <p:cNvPr id="6" name="Rectangle 5">
             <a:extLst>
               <a:ext uri="{FF2B5EF4-FFF2-40B4-BE49-F238E27FC236}">
-                <a16:creationId xmlns:a16="http://schemas.microsoft.com/office/drawing/2014/main" id="{22206313-E97D-4F76-9CF3-421598B30F8E}"/>
+                <a16:creationId xmlns:a16="http://schemas.microsoft.com/office/drawing/2014/main" xmlns="" id="{22206313-E97D-4F76-9CF3-421598B30F8E}"/>
               </a:ext>
             </a:extLst>
           </p:cNvPr>
@@ -8324,7 +8340,7 @@
               </a:rPr>
               <a:t>controller.py</a:t>
             </a:r>
-            <a:endParaRPr lang="en-DE" dirty="0">
+            <a:endParaRPr lang="aa-ET" dirty="0">
               <a:solidFill>
                 <a:schemeClr val="tx1"/>
               </a:solidFill>
@@ -8337,7 +8353,7 @@
           <p:cNvPr id="7" name="Rectangle 6">
             <a:extLst>
               <a:ext uri="{FF2B5EF4-FFF2-40B4-BE49-F238E27FC236}">
-                <a16:creationId xmlns:a16="http://schemas.microsoft.com/office/drawing/2014/main" id="{28AB2155-79F6-4F2F-9FBE-4F119B66AD21}"/>
+                <a16:creationId xmlns:a16="http://schemas.microsoft.com/office/drawing/2014/main" xmlns="" id="{28AB2155-79F6-4F2F-9FBE-4F119B66AD21}"/>
               </a:ext>
             </a:extLst>
           </p:cNvPr>
@@ -8388,7 +8404,7 @@
               </a:rPr>
               <a:t>helper.py</a:t>
             </a:r>
-            <a:endParaRPr lang="en-DE" dirty="0">
+            <a:endParaRPr lang="aa-ET" dirty="0">
               <a:solidFill>
                 <a:schemeClr val="tx1"/>
               </a:solidFill>
@@ -8401,7 +8417,7 @@
           <p:cNvPr id="11" name="Rectangle 10">
             <a:extLst>
               <a:ext uri="{FF2B5EF4-FFF2-40B4-BE49-F238E27FC236}">
-                <a16:creationId xmlns:a16="http://schemas.microsoft.com/office/drawing/2014/main" id="{161552C3-C321-49DB-8511-3B9CC35E1919}"/>
+                <a16:creationId xmlns:a16="http://schemas.microsoft.com/office/drawing/2014/main" xmlns="" id="{161552C3-C321-49DB-8511-3B9CC35E1919}"/>
               </a:ext>
             </a:extLst>
           </p:cNvPr>
@@ -8452,7 +8468,7 @@
               </a:rPr>
               <a:t>db.sqlite</a:t>
             </a:r>
-            <a:endParaRPr lang="en-DE" dirty="0">
+            <a:endParaRPr lang="aa-ET" dirty="0">
               <a:solidFill>
                 <a:schemeClr val="tx1"/>
               </a:solidFill>
@@ -8465,7 +8481,7 @@
           <p:cNvPr id="12" name="Rectangle 11">
             <a:extLst>
               <a:ext uri="{FF2B5EF4-FFF2-40B4-BE49-F238E27FC236}">
-                <a16:creationId xmlns:a16="http://schemas.microsoft.com/office/drawing/2014/main" id="{6305CFAA-BF00-4AF7-92E9-7921CABF7362}"/>
+                <a16:creationId xmlns:a16="http://schemas.microsoft.com/office/drawing/2014/main" xmlns="" id="{6305CFAA-BF00-4AF7-92E9-7921CABF7362}"/>
               </a:ext>
             </a:extLst>
           </p:cNvPr>
@@ -8515,7 +8531,7 @@
               </a:rPr>
               <a:t>ml</a:t>
             </a:r>
-            <a:endParaRPr lang="en-DE" dirty="0">
+            <a:endParaRPr lang="aa-ET" dirty="0">
               <a:solidFill>
                 <a:schemeClr val="tx1"/>
               </a:solidFill>
@@ -8528,7 +8544,7 @@
           <p:cNvPr id="13" name="Rectangle 12">
             <a:extLst>
               <a:ext uri="{FF2B5EF4-FFF2-40B4-BE49-F238E27FC236}">
-                <a16:creationId xmlns:a16="http://schemas.microsoft.com/office/drawing/2014/main" id="{B54FD4AA-46F2-4BFE-902D-9C01AF0BD8EE}"/>
+                <a16:creationId xmlns:a16="http://schemas.microsoft.com/office/drawing/2014/main" xmlns="" id="{B54FD4AA-46F2-4BFE-902D-9C01AF0BD8EE}"/>
               </a:ext>
             </a:extLst>
           </p:cNvPr>
@@ -8579,7 +8595,7 @@
               </a:rPr>
               <a:t>helper.py</a:t>
             </a:r>
-            <a:endParaRPr lang="en-DE" dirty="0">
+            <a:endParaRPr lang="aa-ET" dirty="0">
               <a:solidFill>
                 <a:schemeClr val="tx1"/>
               </a:solidFill>
@@ -8592,7 +8608,7 @@
           <p:cNvPr id="14" name="Rectangle 13">
             <a:extLst>
               <a:ext uri="{FF2B5EF4-FFF2-40B4-BE49-F238E27FC236}">
-                <a16:creationId xmlns:a16="http://schemas.microsoft.com/office/drawing/2014/main" id="{8CDCAF49-A99D-445A-8E22-41A0EEA46E40}"/>
+                <a16:creationId xmlns:a16="http://schemas.microsoft.com/office/drawing/2014/main" xmlns="" id="{8CDCAF49-A99D-445A-8E22-41A0EEA46E40}"/>
               </a:ext>
             </a:extLst>
           </p:cNvPr>
@@ -8643,7 +8659,7 @@
               </a:rPr>
               <a:t>model.h5</a:t>
             </a:r>
-            <a:endParaRPr lang="en-DE" dirty="0">
+            <a:endParaRPr lang="aa-ET" dirty="0">
               <a:solidFill>
                 <a:schemeClr val="tx1"/>
               </a:solidFill>
@@ -8656,7 +8672,7 @@
           <p:cNvPr id="15" name="Rectangle 14">
             <a:extLst>
               <a:ext uri="{FF2B5EF4-FFF2-40B4-BE49-F238E27FC236}">
-                <a16:creationId xmlns:a16="http://schemas.microsoft.com/office/drawing/2014/main" id="{46D1FD83-FB5C-406C-B627-4E09DBBF64C3}"/>
+                <a16:creationId xmlns:a16="http://schemas.microsoft.com/office/drawing/2014/main" xmlns="" id="{46D1FD83-FB5C-406C-B627-4E09DBBF64C3}"/>
               </a:ext>
             </a:extLst>
           </p:cNvPr>
@@ -8706,7 +8722,7 @@
               </a:rPr>
               <a:t>fetching</a:t>
             </a:r>
-            <a:endParaRPr lang="en-DE" dirty="0">
+            <a:endParaRPr lang="aa-ET" dirty="0">
               <a:solidFill>
                 <a:schemeClr val="tx1"/>
               </a:solidFill>
@@ -8719,7 +8735,7 @@
           <p:cNvPr id="16" name="Rectangle 15">
             <a:extLst>
               <a:ext uri="{FF2B5EF4-FFF2-40B4-BE49-F238E27FC236}">
-                <a16:creationId xmlns:a16="http://schemas.microsoft.com/office/drawing/2014/main" id="{771E8331-94F3-4088-A9DB-F2EC804F7A11}"/>
+                <a16:creationId xmlns:a16="http://schemas.microsoft.com/office/drawing/2014/main" xmlns="" id="{771E8331-94F3-4088-A9DB-F2EC804F7A11}"/>
               </a:ext>
             </a:extLst>
           </p:cNvPr>
@@ -8770,7 +8786,7 @@
               </a:rPr>
               <a:t>helper.py</a:t>
             </a:r>
-            <a:endParaRPr lang="en-DE" dirty="0">
+            <a:endParaRPr lang="aa-ET" dirty="0">
               <a:solidFill>
                 <a:schemeClr val="tx1"/>
               </a:solidFill>
@@ -8783,7 +8799,7 @@
           <p:cNvPr id="19" name="Straight Connector 18">
             <a:extLst>
               <a:ext uri="{FF2B5EF4-FFF2-40B4-BE49-F238E27FC236}">
-                <a16:creationId xmlns:a16="http://schemas.microsoft.com/office/drawing/2014/main" id="{B0DE6F31-1E3B-4386-857B-831265C9DC54}"/>
+                <a16:creationId xmlns:a16="http://schemas.microsoft.com/office/drawing/2014/main" xmlns="" id="{B0DE6F31-1E3B-4386-857B-831265C9DC54}"/>
               </a:ext>
             </a:extLst>
           </p:cNvPr>
@@ -8822,7 +8838,7 @@
           <p:cNvPr id="21" name="Straight Connector 20">
             <a:extLst>
               <a:ext uri="{FF2B5EF4-FFF2-40B4-BE49-F238E27FC236}">
-                <a16:creationId xmlns:a16="http://schemas.microsoft.com/office/drawing/2014/main" id="{1260B81A-8768-4A80-B37F-103BB759A5BC}"/>
+                <a16:creationId xmlns:a16="http://schemas.microsoft.com/office/drawing/2014/main" xmlns="" id="{1260B81A-8768-4A80-B37F-103BB759A5BC}"/>
               </a:ext>
             </a:extLst>
           </p:cNvPr>
@@ -8862,7 +8878,7 @@
           <p:cNvPr id="22" name="Straight Connector 21">
             <a:extLst>
               <a:ext uri="{FF2B5EF4-FFF2-40B4-BE49-F238E27FC236}">
-                <a16:creationId xmlns:a16="http://schemas.microsoft.com/office/drawing/2014/main" id="{908D1CDA-A17A-4644-83FF-AB95BE256B6D}"/>
+                <a16:creationId xmlns:a16="http://schemas.microsoft.com/office/drawing/2014/main" xmlns="" id="{908D1CDA-A17A-4644-83FF-AB95BE256B6D}"/>
               </a:ext>
             </a:extLst>
           </p:cNvPr>
@@ -8901,7 +8917,7 @@
           <p:cNvPr id="26" name="Straight Connector 25">
             <a:extLst>
               <a:ext uri="{FF2B5EF4-FFF2-40B4-BE49-F238E27FC236}">
-                <a16:creationId xmlns:a16="http://schemas.microsoft.com/office/drawing/2014/main" id="{867D5EC3-C6E0-40C6-8D93-F8B2D1BF98C7}"/>
+                <a16:creationId xmlns:a16="http://schemas.microsoft.com/office/drawing/2014/main" xmlns="" id="{867D5EC3-C6E0-40C6-8D93-F8B2D1BF98C7}"/>
               </a:ext>
             </a:extLst>
           </p:cNvPr>
@@ -8941,7 +8957,7 @@
           <p:cNvPr id="32" name="Straight Connector 31">
             <a:extLst>
               <a:ext uri="{FF2B5EF4-FFF2-40B4-BE49-F238E27FC236}">
-                <a16:creationId xmlns:a16="http://schemas.microsoft.com/office/drawing/2014/main" id="{D33121A3-D4C1-46A6-AA1E-25BD09015E11}"/>
+                <a16:creationId xmlns:a16="http://schemas.microsoft.com/office/drawing/2014/main" xmlns="" id="{D33121A3-D4C1-46A6-AA1E-25BD09015E11}"/>
               </a:ext>
             </a:extLst>
           </p:cNvPr>
@@ -8981,7 +8997,7 @@
           <p:cNvPr id="35" name="Straight Connector 34">
             <a:extLst>
               <a:ext uri="{FF2B5EF4-FFF2-40B4-BE49-F238E27FC236}">
-                <a16:creationId xmlns:a16="http://schemas.microsoft.com/office/drawing/2014/main" id="{68072CE1-C04F-4957-92C5-8314F2487396}"/>
+                <a16:creationId xmlns:a16="http://schemas.microsoft.com/office/drawing/2014/main" xmlns="" id="{68072CE1-C04F-4957-92C5-8314F2487396}"/>
               </a:ext>
             </a:extLst>
           </p:cNvPr>
